--- a/CSCI-423/week-2/Lecture_2/lecture-2-C++.pptx
+++ b/CSCI-423/week-2/Lecture_2/lecture-2-C++.pptx
@@ -2,8 +2,8 @@
 <file path=ppt/presentation.xml><?xml version="1.0" encoding="utf-8"?>
 <p:presentation xmlns:a="http://schemas.openxmlformats.org/drawingml/2006/main" xmlns:r="http://schemas.openxmlformats.org/officeDocument/2006/relationships" xmlns:mc="http://schemas.openxmlformats.org/markup-compatibility/2006" xmlns:mv="urn:schemas-microsoft-com:mac:vml" xmlns:p="http://schemas.openxmlformats.org/presentationml/2006/main" xmlns:c="http://schemas.openxmlformats.org/drawingml/2006/chart" xmlns:dgm="http://schemas.openxmlformats.org/drawingml/2006/diagram" xmlns:o="urn:schemas-microsoft-com:office:office" xmlns:v="urn:schemas-microsoft-com:vml" xmlns:pvml="urn:schemas-microsoft-com:office:powerpoint" xmlns:com="http://schemas.openxmlformats.org/drawingml/2006/compatibility" xmlns:p14="http://schemas.microsoft.com/office/powerpoint/2010/main" xmlns:p15="http://schemas.microsoft.com/office/powerpoint/2012/main" xmlns:ahyp="http://schemas.microsoft.com/office/drawing/2018/hyperlinkcolor" autoCompressPictures="0" strictFirstAndLastChars="0" saveSubsetFonts="1">
   <p:sldMasterIdLst>
-    <p:sldMasterId id="2147483671" r:id="rId4"/>
-    <p:sldMasterId id="2147483672" r:id="rId5"/>
+    <p:sldMasterId id="2147483672" r:id="rId4"/>
+    <p:sldMasterId id="2147483673" r:id="rId5"/>
   </p:sldMasterIdLst>
   <p:notesMasterIdLst>
     <p:notesMasterId r:id="rId6"/>
@@ -21,6 +21,16 @@
     <p:sldId id="265" r:id="rId16"/>
     <p:sldId id="266" r:id="rId17"/>
     <p:sldId id="267" r:id="rId18"/>
+    <p:sldId id="268" r:id="rId19"/>
+    <p:sldId id="269" r:id="rId20"/>
+    <p:sldId id="270" r:id="rId21"/>
+    <p:sldId id="271" r:id="rId22"/>
+    <p:sldId id="272" r:id="rId23"/>
+    <p:sldId id="273" r:id="rId24"/>
+    <p:sldId id="274" r:id="rId25"/>
+    <p:sldId id="275" r:id="rId26"/>
+    <p:sldId id="276" r:id="rId27"/>
+    <p:sldId id="277" r:id="rId28"/>
   </p:sldIdLst>
   <p:sldSz cy="5143500" cx="9144000"/>
   <p:notesSz cx="6858000" cy="9144000"/>
@@ -703,7 +713,7 @@
   <p:cSld>
     <p:spTree>
       <p:nvGrpSpPr>
-        <p:cNvPr id="131" name="Shape 131"/>
+        <p:cNvPr id="135" name="Shape 135"/>
         <p:cNvGrpSpPr/>
         <p:nvPr/>
       </p:nvGrpSpPr>
@@ -717,7 +727,7 @@
       </p:grpSpPr>
       <p:sp>
         <p:nvSpPr>
-          <p:cNvPr id="132" name="Google Shape;132;g2a38b610178_0_115:notes"/>
+          <p:cNvPr id="136" name="Google Shape;136;g2a38b610178_0_115:notes"/>
           <p:cNvSpPr/>
           <p:nvPr>
             <p:ph idx="2" type="sldImg"/>
@@ -752,7 +762,7 @@
       </p:sp>
       <p:sp>
         <p:nvSpPr>
-          <p:cNvPr id="133" name="Google Shape;133;g2a38b610178_0_115:notes"/>
+          <p:cNvPr id="137" name="Google Shape;137;g2a38b610178_0_115:notes"/>
           <p:cNvSpPr txBox="1"/>
           <p:nvPr>
             <p:ph idx="1" type="body"/>
@@ -802,7 +812,7 @@
   <p:cSld>
     <p:spTree>
       <p:nvGrpSpPr>
-        <p:cNvPr id="197" name="Shape 197"/>
+        <p:cNvPr id="201" name="Shape 201"/>
         <p:cNvGrpSpPr/>
         <p:nvPr/>
       </p:nvGrpSpPr>
@@ -816,7 +826,7 @@
       </p:grpSpPr>
       <p:sp>
         <p:nvSpPr>
-          <p:cNvPr id="198" name="Google Shape;198;g2aa812607e2_0_0:notes"/>
+          <p:cNvPr id="202" name="Google Shape;202;g377d08aedce_0_5:notes"/>
           <p:cNvSpPr/>
           <p:nvPr>
             <p:ph idx="2" type="sldImg"/>
@@ -851,7 +861,7 @@
       </p:sp>
       <p:sp>
         <p:nvSpPr>
-          <p:cNvPr id="199" name="Google Shape;199;g2aa812607e2_0_0:notes"/>
+          <p:cNvPr id="203" name="Google Shape;203;g377d08aedce_0_5:notes"/>
           <p:cNvSpPr txBox="1"/>
           <p:nvPr>
             <p:ph idx="1" type="body"/>
@@ -901,7 +911,7 @@
   <p:cSld>
     <p:spTree>
       <p:nvGrpSpPr>
-        <p:cNvPr id="203" name="Shape 203"/>
+        <p:cNvPr id="209" name="Shape 209"/>
         <p:cNvGrpSpPr/>
         <p:nvPr/>
       </p:nvGrpSpPr>
@@ -915,7 +925,7 @@
       </p:grpSpPr>
       <p:sp>
         <p:nvSpPr>
-          <p:cNvPr id="204" name="Google Shape;204;g2a38b610178_0_284:notes"/>
+          <p:cNvPr id="210" name="Google Shape;210;g377d08aedce_0_12:notes"/>
           <p:cNvSpPr/>
           <p:nvPr>
             <p:ph idx="2" type="sldImg"/>
@@ -950,7 +960,7 @@
       </p:sp>
       <p:sp>
         <p:nvSpPr>
-          <p:cNvPr id="205" name="Google Shape;205;g2a38b610178_0_284:notes"/>
+          <p:cNvPr id="211" name="Google Shape;211;g377d08aedce_0_12:notes"/>
           <p:cNvSpPr txBox="1"/>
           <p:nvPr>
             <p:ph idx="1" type="body"/>
@@ -1000,7 +1010,7 @@
   <p:cSld>
     <p:spTree>
       <p:nvGrpSpPr>
-        <p:cNvPr id="209" name="Shape 209"/>
+        <p:cNvPr id="215" name="Shape 215"/>
         <p:cNvGrpSpPr/>
         <p:nvPr/>
       </p:nvGrpSpPr>
@@ -1014,7 +1024,7 @@
       </p:grpSpPr>
       <p:sp>
         <p:nvSpPr>
-          <p:cNvPr id="210" name="Google Shape;210;g2b0001be5f0_0_0:notes"/>
+          <p:cNvPr id="216" name="Google Shape;216;g377d08aedce_0_17:notes"/>
           <p:cNvSpPr/>
           <p:nvPr>
             <p:ph idx="2" type="sldImg"/>
@@ -1049,7 +1059,7 @@
       </p:sp>
       <p:sp>
         <p:nvSpPr>
-          <p:cNvPr id="211" name="Google Shape;211;g2b0001be5f0_0_0:notes"/>
+          <p:cNvPr id="217" name="Google Shape;217;g377d08aedce_0_17:notes"/>
           <p:cNvSpPr txBox="1"/>
           <p:nvPr>
             <p:ph idx="1" type="body"/>
@@ -1094,12 +1104,12 @@
 </p:notes>
 </file>
 
-<file path=ppt/notesSlides/notesSlide2.xml><?xml version="1.0" encoding="utf-8"?>
+<file path=ppt/notesSlides/notesSlide13.xml><?xml version="1.0" encoding="utf-8"?>
 <p:notes xmlns:a="http://schemas.openxmlformats.org/drawingml/2006/main" xmlns:r="http://schemas.openxmlformats.org/officeDocument/2006/relationships" xmlns:mc="http://schemas.openxmlformats.org/markup-compatibility/2006" xmlns:mv="urn:schemas-microsoft-com:mac:vml" xmlns:p="http://schemas.openxmlformats.org/presentationml/2006/main" xmlns:c="http://schemas.openxmlformats.org/drawingml/2006/chart" xmlns:dgm="http://schemas.openxmlformats.org/drawingml/2006/diagram" xmlns:o="urn:schemas-microsoft-com:office:office" xmlns:v="urn:schemas-microsoft-com:vml" xmlns:pvml="urn:schemas-microsoft-com:office:powerpoint" xmlns:com="http://schemas.openxmlformats.org/drawingml/2006/compatibility" xmlns:p14="http://schemas.microsoft.com/office/powerpoint/2010/main" xmlns:p15="http://schemas.microsoft.com/office/powerpoint/2012/main" xmlns:ahyp="http://schemas.microsoft.com/office/drawing/2018/hyperlinkcolor" showMasterPhAnim="0" showMasterSp="0">
   <p:cSld>
     <p:spTree>
       <p:nvGrpSpPr>
-        <p:cNvPr id="138" name="Shape 138"/>
+        <p:cNvPr id="221" name="Shape 221"/>
         <p:cNvGrpSpPr/>
         <p:nvPr/>
       </p:nvGrpSpPr>
@@ -1113,7 +1123,7 @@
       </p:grpSpPr>
       <p:sp>
         <p:nvSpPr>
-          <p:cNvPr id="139" name="Google Shape;139;g2a38b610178_0_176:notes"/>
+          <p:cNvPr id="222" name="Google Shape;222;g377d08aedce_0_22:notes"/>
           <p:cNvSpPr/>
           <p:nvPr>
             <p:ph idx="2" type="sldImg"/>
@@ -1148,7 +1158,7 @@
       </p:sp>
       <p:sp>
         <p:nvSpPr>
-          <p:cNvPr id="140" name="Google Shape;140;g2a38b610178_0_176:notes"/>
+          <p:cNvPr id="223" name="Google Shape;223;g377d08aedce_0_22:notes"/>
           <p:cNvSpPr txBox="1"/>
           <p:nvPr>
             <p:ph idx="1" type="body"/>
@@ -1193,12 +1203,12 @@
 </p:notes>
 </file>
 
-<file path=ppt/notesSlides/notesSlide3.xml><?xml version="1.0" encoding="utf-8"?>
+<file path=ppt/notesSlides/notesSlide14.xml><?xml version="1.0" encoding="utf-8"?>
 <p:notes xmlns:a="http://schemas.openxmlformats.org/drawingml/2006/main" xmlns:r="http://schemas.openxmlformats.org/officeDocument/2006/relationships" xmlns:mc="http://schemas.openxmlformats.org/markup-compatibility/2006" xmlns:mv="urn:schemas-microsoft-com:mac:vml" xmlns:p="http://schemas.openxmlformats.org/presentationml/2006/main" xmlns:c="http://schemas.openxmlformats.org/drawingml/2006/chart" xmlns:dgm="http://schemas.openxmlformats.org/drawingml/2006/diagram" xmlns:o="urn:schemas-microsoft-com:office:office" xmlns:v="urn:schemas-microsoft-com:vml" xmlns:pvml="urn:schemas-microsoft-com:office:powerpoint" xmlns:com="http://schemas.openxmlformats.org/drawingml/2006/compatibility" xmlns:p14="http://schemas.microsoft.com/office/powerpoint/2010/main" xmlns:p15="http://schemas.microsoft.com/office/powerpoint/2012/main" xmlns:ahyp="http://schemas.microsoft.com/office/drawing/2018/hyperlinkcolor" showMasterPhAnim="0" showMasterSp="0">
   <p:cSld>
     <p:spTree>
       <p:nvGrpSpPr>
-        <p:cNvPr id="145" name="Shape 145"/>
+        <p:cNvPr id="229" name="Shape 229"/>
         <p:cNvGrpSpPr/>
         <p:nvPr/>
       </p:nvGrpSpPr>
@@ -1212,7 +1222,7 @@
       </p:grpSpPr>
       <p:sp>
         <p:nvSpPr>
-          <p:cNvPr id="146" name="Google Shape;146;g32757827ca3_0_0:notes"/>
+          <p:cNvPr id="230" name="Google Shape;230;g377d08aedce_0_29:notes"/>
           <p:cNvSpPr/>
           <p:nvPr>
             <p:ph idx="2" type="sldImg"/>
@@ -1247,7 +1257,7 @@
       </p:sp>
       <p:sp>
         <p:nvSpPr>
-          <p:cNvPr id="147" name="Google Shape;147;g32757827ca3_0_0:notes"/>
+          <p:cNvPr id="231" name="Google Shape;231;g377d08aedce_0_29:notes"/>
           <p:cNvSpPr txBox="1"/>
           <p:nvPr>
             <p:ph idx="1" type="body"/>
@@ -1292,12 +1302,12 @@
 </p:notes>
 </file>
 
-<file path=ppt/notesSlides/notesSlide4.xml><?xml version="1.0" encoding="utf-8"?>
+<file path=ppt/notesSlides/notesSlide15.xml><?xml version="1.0" encoding="utf-8"?>
 <p:notes xmlns:a="http://schemas.openxmlformats.org/drawingml/2006/main" xmlns:r="http://schemas.openxmlformats.org/officeDocument/2006/relationships" xmlns:mc="http://schemas.openxmlformats.org/markup-compatibility/2006" xmlns:mv="urn:schemas-microsoft-com:mac:vml" xmlns:p="http://schemas.openxmlformats.org/presentationml/2006/main" xmlns:c="http://schemas.openxmlformats.org/drawingml/2006/chart" xmlns:dgm="http://schemas.openxmlformats.org/drawingml/2006/diagram" xmlns:o="urn:schemas-microsoft-com:office:office" xmlns:v="urn:schemas-microsoft-com:vml" xmlns:pvml="urn:schemas-microsoft-com:office:powerpoint" xmlns:com="http://schemas.openxmlformats.org/drawingml/2006/compatibility" xmlns:p14="http://schemas.microsoft.com/office/powerpoint/2010/main" xmlns:p15="http://schemas.microsoft.com/office/powerpoint/2012/main" xmlns:ahyp="http://schemas.microsoft.com/office/drawing/2018/hyperlinkcolor" showMasterPhAnim="0" showMasterSp="0">
   <p:cSld>
     <p:spTree>
       <p:nvGrpSpPr>
-        <p:cNvPr id="153" name="Shape 153"/>
+        <p:cNvPr id="235" name="Shape 235"/>
         <p:cNvGrpSpPr/>
         <p:nvPr/>
       </p:nvGrpSpPr>
@@ -1311,7 +1321,7 @@
       </p:grpSpPr>
       <p:sp>
         <p:nvSpPr>
-          <p:cNvPr id="154" name="Google Shape;154;g2a38b610178_0_227:notes"/>
+          <p:cNvPr id="236" name="Google Shape;236;g377d08aedce_0_34:notes"/>
           <p:cNvSpPr/>
           <p:nvPr>
             <p:ph idx="2" type="sldImg"/>
@@ -1346,7 +1356,7 @@
       </p:sp>
       <p:sp>
         <p:nvSpPr>
-          <p:cNvPr id="155" name="Google Shape;155;g2a38b610178_0_227:notes"/>
+          <p:cNvPr id="237" name="Google Shape;237;g377d08aedce_0_34:notes"/>
           <p:cNvSpPr txBox="1"/>
           <p:nvPr>
             <p:ph idx="1" type="body"/>
@@ -1391,12 +1401,12 @@
 </p:notes>
 </file>
 
-<file path=ppt/notesSlides/notesSlide5.xml><?xml version="1.0" encoding="utf-8"?>
+<file path=ppt/notesSlides/notesSlide16.xml><?xml version="1.0" encoding="utf-8"?>
 <p:notes xmlns:a="http://schemas.openxmlformats.org/drawingml/2006/main" xmlns:r="http://schemas.openxmlformats.org/officeDocument/2006/relationships" xmlns:mc="http://schemas.openxmlformats.org/markup-compatibility/2006" xmlns:mv="urn:schemas-microsoft-com:mac:vml" xmlns:p="http://schemas.openxmlformats.org/presentationml/2006/main" xmlns:c="http://schemas.openxmlformats.org/drawingml/2006/chart" xmlns:dgm="http://schemas.openxmlformats.org/drawingml/2006/diagram" xmlns:o="urn:schemas-microsoft-com:office:office" xmlns:v="urn:schemas-microsoft-com:vml" xmlns:pvml="urn:schemas-microsoft-com:office:powerpoint" xmlns:com="http://schemas.openxmlformats.org/drawingml/2006/compatibility" xmlns:p14="http://schemas.microsoft.com/office/powerpoint/2010/main" xmlns:p15="http://schemas.microsoft.com/office/powerpoint/2012/main" xmlns:ahyp="http://schemas.microsoft.com/office/drawing/2018/hyperlinkcolor" showMasterPhAnim="0" showMasterSp="0">
   <p:cSld>
     <p:spTree>
       <p:nvGrpSpPr>
-        <p:cNvPr id="160" name="Shape 160"/>
+        <p:cNvPr id="241" name="Shape 241"/>
         <p:cNvGrpSpPr/>
         <p:nvPr/>
       </p:nvGrpSpPr>
@@ -1410,7 +1420,997 @@
       </p:grpSpPr>
       <p:sp>
         <p:nvSpPr>
-          <p:cNvPr id="161" name="Google Shape;161;g1ed966abc4e_0_0:notes"/>
+          <p:cNvPr id="242" name="Google Shape;242;g377d08aedce_0_39:notes"/>
+          <p:cNvSpPr/>
+          <p:nvPr>
+            <p:ph idx="2" type="sldImg"/>
+          </p:nvPr>
+        </p:nvSpPr>
+        <p:spPr>
+          <a:xfrm>
+            <a:off x="381300" y="685800"/>
+            <a:ext cx="6096000" cy="3429000"/>
+          </a:xfrm>
+          <a:custGeom>
+            <a:rect b="b" l="l" r="r" t="t"/>
+            <a:pathLst>
+              <a:path extrusionOk="0" h="120000" w="120000">
+                <a:moveTo>
+                  <a:pt x="0" y="0"/>
+                </a:moveTo>
+                <a:lnTo>
+                  <a:pt x="120000" y="0"/>
+                </a:lnTo>
+                <a:lnTo>
+                  <a:pt x="120000" y="120000"/>
+                </a:lnTo>
+                <a:lnTo>
+                  <a:pt x="0" y="120000"/>
+                </a:lnTo>
+                <a:close/>
+              </a:path>
+            </a:pathLst>
+          </a:custGeom>
+        </p:spPr>
+      </p:sp>
+      <p:sp>
+        <p:nvSpPr>
+          <p:cNvPr id="243" name="Google Shape;243;g377d08aedce_0_39:notes"/>
+          <p:cNvSpPr txBox="1"/>
+          <p:nvPr>
+            <p:ph idx="1" type="body"/>
+          </p:nvPr>
+        </p:nvSpPr>
+        <p:spPr>
+          <a:xfrm>
+            <a:off x="685800" y="4343400"/>
+            <a:ext cx="5486400" cy="4114800"/>
+          </a:xfrm>
+          <a:prstGeom prst="rect">
+            <a:avLst/>
+          </a:prstGeom>
+        </p:spPr>
+        <p:txBody>
+          <a:bodyPr anchorCtr="0" anchor="t" bIns="91425" lIns="91425" spcFirstLastPara="1" rIns="91425" wrap="square" tIns="91425">
+            <a:noAutofit/>
+          </a:bodyPr>
+          <a:lstStyle/>
+          <a:p>
+            <a:pPr indent="0" lvl="0" marL="0" rtl="0" algn="l">
+              <a:spcBef>
+                <a:spcPts val="0"/>
+              </a:spcBef>
+              <a:spcAft>
+                <a:spcPts val="0"/>
+              </a:spcAft>
+              <a:buNone/>
+            </a:pPr>
+            <a:r>
+              <a:t/>
+            </a:r>
+            <a:endParaRPr/>
+          </a:p>
+        </p:txBody>
+      </p:sp>
+    </p:spTree>
+  </p:cSld>
+  <p:clrMapOvr>
+    <a:masterClrMapping/>
+  </p:clrMapOvr>
+</p:notes>
+</file>
+
+<file path=ppt/notesSlides/notesSlide17.xml><?xml version="1.0" encoding="utf-8"?>
+<p:notes xmlns:a="http://schemas.openxmlformats.org/drawingml/2006/main" xmlns:r="http://schemas.openxmlformats.org/officeDocument/2006/relationships" xmlns:mc="http://schemas.openxmlformats.org/markup-compatibility/2006" xmlns:mv="urn:schemas-microsoft-com:mac:vml" xmlns:p="http://schemas.openxmlformats.org/presentationml/2006/main" xmlns:c="http://schemas.openxmlformats.org/drawingml/2006/chart" xmlns:dgm="http://schemas.openxmlformats.org/drawingml/2006/diagram" xmlns:o="urn:schemas-microsoft-com:office:office" xmlns:v="urn:schemas-microsoft-com:vml" xmlns:pvml="urn:schemas-microsoft-com:office:powerpoint" xmlns:com="http://schemas.openxmlformats.org/drawingml/2006/compatibility" xmlns:p14="http://schemas.microsoft.com/office/powerpoint/2010/main" xmlns:p15="http://schemas.microsoft.com/office/powerpoint/2012/main" xmlns:ahyp="http://schemas.microsoft.com/office/drawing/2018/hyperlinkcolor" showMasterPhAnim="0" showMasterSp="0">
+  <p:cSld>
+    <p:spTree>
+      <p:nvGrpSpPr>
+        <p:cNvPr id="250" name="Shape 250"/>
+        <p:cNvGrpSpPr/>
+        <p:nvPr/>
+      </p:nvGrpSpPr>
+      <p:grpSpPr>
+        <a:xfrm>
+          <a:off x="0" y="0"/>
+          <a:ext cx="0" cy="0"/>
+          <a:chOff x="0" y="0"/>
+          <a:chExt cx="0" cy="0"/>
+        </a:xfrm>
+      </p:grpSpPr>
+      <p:sp>
+        <p:nvSpPr>
+          <p:cNvPr id="251" name="Google Shape;251;g377d08aedce_0_47:notes"/>
+          <p:cNvSpPr/>
+          <p:nvPr>
+            <p:ph idx="2" type="sldImg"/>
+          </p:nvPr>
+        </p:nvSpPr>
+        <p:spPr>
+          <a:xfrm>
+            <a:off x="381300" y="685800"/>
+            <a:ext cx="6096000" cy="3429000"/>
+          </a:xfrm>
+          <a:custGeom>
+            <a:rect b="b" l="l" r="r" t="t"/>
+            <a:pathLst>
+              <a:path extrusionOk="0" h="120000" w="120000">
+                <a:moveTo>
+                  <a:pt x="0" y="0"/>
+                </a:moveTo>
+                <a:lnTo>
+                  <a:pt x="120000" y="0"/>
+                </a:lnTo>
+                <a:lnTo>
+                  <a:pt x="120000" y="120000"/>
+                </a:lnTo>
+                <a:lnTo>
+                  <a:pt x="0" y="120000"/>
+                </a:lnTo>
+                <a:close/>
+              </a:path>
+            </a:pathLst>
+          </a:custGeom>
+        </p:spPr>
+      </p:sp>
+      <p:sp>
+        <p:nvSpPr>
+          <p:cNvPr id="252" name="Google Shape;252;g377d08aedce_0_47:notes"/>
+          <p:cNvSpPr txBox="1"/>
+          <p:nvPr>
+            <p:ph idx="1" type="body"/>
+          </p:nvPr>
+        </p:nvSpPr>
+        <p:spPr>
+          <a:xfrm>
+            <a:off x="685800" y="4343400"/>
+            <a:ext cx="5486400" cy="4114800"/>
+          </a:xfrm>
+          <a:prstGeom prst="rect">
+            <a:avLst/>
+          </a:prstGeom>
+        </p:spPr>
+        <p:txBody>
+          <a:bodyPr anchorCtr="0" anchor="t" bIns="91425" lIns="91425" spcFirstLastPara="1" rIns="91425" wrap="square" tIns="91425">
+            <a:noAutofit/>
+          </a:bodyPr>
+          <a:lstStyle/>
+          <a:p>
+            <a:pPr indent="0" lvl="0" marL="0" rtl="0" algn="l">
+              <a:spcBef>
+                <a:spcPts val="0"/>
+              </a:spcBef>
+              <a:spcAft>
+                <a:spcPts val="0"/>
+              </a:spcAft>
+              <a:buNone/>
+            </a:pPr>
+            <a:r>
+              <a:t/>
+            </a:r>
+            <a:endParaRPr/>
+          </a:p>
+        </p:txBody>
+      </p:sp>
+    </p:spTree>
+  </p:cSld>
+  <p:clrMapOvr>
+    <a:masterClrMapping/>
+  </p:clrMapOvr>
+</p:notes>
+</file>
+
+<file path=ppt/notesSlides/notesSlide18.xml><?xml version="1.0" encoding="utf-8"?>
+<p:notes xmlns:a="http://schemas.openxmlformats.org/drawingml/2006/main" xmlns:r="http://schemas.openxmlformats.org/officeDocument/2006/relationships" xmlns:mc="http://schemas.openxmlformats.org/markup-compatibility/2006" xmlns:mv="urn:schemas-microsoft-com:mac:vml" xmlns:p="http://schemas.openxmlformats.org/presentationml/2006/main" xmlns:c="http://schemas.openxmlformats.org/drawingml/2006/chart" xmlns:dgm="http://schemas.openxmlformats.org/drawingml/2006/diagram" xmlns:o="urn:schemas-microsoft-com:office:office" xmlns:v="urn:schemas-microsoft-com:vml" xmlns:pvml="urn:schemas-microsoft-com:office:powerpoint" xmlns:com="http://schemas.openxmlformats.org/drawingml/2006/compatibility" xmlns:p14="http://schemas.microsoft.com/office/powerpoint/2010/main" xmlns:p15="http://schemas.microsoft.com/office/powerpoint/2012/main" xmlns:ahyp="http://schemas.microsoft.com/office/drawing/2018/hyperlinkcolor" showMasterPhAnim="0" showMasterSp="0">
+  <p:cSld>
+    <p:spTree>
+      <p:nvGrpSpPr>
+        <p:cNvPr id="256" name="Shape 256"/>
+        <p:cNvGrpSpPr/>
+        <p:nvPr/>
+      </p:nvGrpSpPr>
+      <p:grpSpPr>
+        <a:xfrm>
+          <a:off x="0" y="0"/>
+          <a:ext cx="0" cy="0"/>
+          <a:chOff x="0" y="0"/>
+          <a:chExt cx="0" cy="0"/>
+        </a:xfrm>
+      </p:grpSpPr>
+      <p:sp>
+        <p:nvSpPr>
+          <p:cNvPr id="257" name="Google Shape;257;g377d08aedce_0_52:notes"/>
+          <p:cNvSpPr/>
+          <p:nvPr>
+            <p:ph idx="2" type="sldImg"/>
+          </p:nvPr>
+        </p:nvSpPr>
+        <p:spPr>
+          <a:xfrm>
+            <a:off x="381300" y="685800"/>
+            <a:ext cx="6096000" cy="3429000"/>
+          </a:xfrm>
+          <a:custGeom>
+            <a:rect b="b" l="l" r="r" t="t"/>
+            <a:pathLst>
+              <a:path extrusionOk="0" h="120000" w="120000">
+                <a:moveTo>
+                  <a:pt x="0" y="0"/>
+                </a:moveTo>
+                <a:lnTo>
+                  <a:pt x="120000" y="0"/>
+                </a:lnTo>
+                <a:lnTo>
+                  <a:pt x="120000" y="120000"/>
+                </a:lnTo>
+                <a:lnTo>
+                  <a:pt x="0" y="120000"/>
+                </a:lnTo>
+                <a:close/>
+              </a:path>
+            </a:pathLst>
+          </a:custGeom>
+        </p:spPr>
+      </p:sp>
+      <p:sp>
+        <p:nvSpPr>
+          <p:cNvPr id="258" name="Google Shape;258;g377d08aedce_0_52:notes"/>
+          <p:cNvSpPr txBox="1"/>
+          <p:nvPr>
+            <p:ph idx="1" type="body"/>
+          </p:nvPr>
+        </p:nvSpPr>
+        <p:spPr>
+          <a:xfrm>
+            <a:off x="685800" y="4343400"/>
+            <a:ext cx="5486400" cy="4114800"/>
+          </a:xfrm>
+          <a:prstGeom prst="rect">
+            <a:avLst/>
+          </a:prstGeom>
+        </p:spPr>
+        <p:txBody>
+          <a:bodyPr anchorCtr="0" anchor="t" bIns="91425" lIns="91425" spcFirstLastPara="1" rIns="91425" wrap="square" tIns="91425">
+            <a:noAutofit/>
+          </a:bodyPr>
+          <a:lstStyle/>
+          <a:p>
+            <a:pPr indent="0" lvl="0" marL="0" rtl="0" algn="l">
+              <a:spcBef>
+                <a:spcPts val="0"/>
+              </a:spcBef>
+              <a:spcAft>
+                <a:spcPts val="0"/>
+              </a:spcAft>
+              <a:buNone/>
+            </a:pPr>
+            <a:r>
+              <a:t/>
+            </a:r>
+            <a:endParaRPr/>
+          </a:p>
+        </p:txBody>
+      </p:sp>
+    </p:spTree>
+  </p:cSld>
+  <p:clrMapOvr>
+    <a:masterClrMapping/>
+  </p:clrMapOvr>
+</p:notes>
+</file>
+
+<file path=ppt/notesSlides/notesSlide19.xml><?xml version="1.0" encoding="utf-8"?>
+<p:notes xmlns:a="http://schemas.openxmlformats.org/drawingml/2006/main" xmlns:r="http://schemas.openxmlformats.org/officeDocument/2006/relationships" xmlns:mc="http://schemas.openxmlformats.org/markup-compatibility/2006" xmlns:mv="urn:schemas-microsoft-com:mac:vml" xmlns:p="http://schemas.openxmlformats.org/presentationml/2006/main" xmlns:c="http://schemas.openxmlformats.org/drawingml/2006/chart" xmlns:dgm="http://schemas.openxmlformats.org/drawingml/2006/diagram" xmlns:o="urn:schemas-microsoft-com:office:office" xmlns:v="urn:schemas-microsoft-com:vml" xmlns:pvml="urn:schemas-microsoft-com:office:powerpoint" xmlns:com="http://schemas.openxmlformats.org/drawingml/2006/compatibility" xmlns:p14="http://schemas.microsoft.com/office/powerpoint/2010/main" xmlns:p15="http://schemas.microsoft.com/office/powerpoint/2012/main" xmlns:ahyp="http://schemas.microsoft.com/office/drawing/2018/hyperlinkcolor" showMasterPhAnim="0" showMasterSp="0">
+  <p:cSld>
+    <p:spTree>
+      <p:nvGrpSpPr>
+        <p:cNvPr id="262" name="Shape 262"/>
+        <p:cNvGrpSpPr/>
+        <p:nvPr/>
+      </p:nvGrpSpPr>
+      <p:grpSpPr>
+        <a:xfrm>
+          <a:off x="0" y="0"/>
+          <a:ext cx="0" cy="0"/>
+          <a:chOff x="0" y="0"/>
+          <a:chExt cx="0" cy="0"/>
+        </a:xfrm>
+      </p:grpSpPr>
+      <p:sp>
+        <p:nvSpPr>
+          <p:cNvPr id="263" name="Google Shape;263;g2aa812607e2_0_0:notes"/>
+          <p:cNvSpPr/>
+          <p:nvPr>
+            <p:ph idx="2" type="sldImg"/>
+          </p:nvPr>
+        </p:nvSpPr>
+        <p:spPr>
+          <a:xfrm>
+            <a:off x="381300" y="685800"/>
+            <a:ext cx="6096000" cy="3429000"/>
+          </a:xfrm>
+          <a:custGeom>
+            <a:rect b="b" l="l" r="r" t="t"/>
+            <a:pathLst>
+              <a:path extrusionOk="0" h="120000" w="120000">
+                <a:moveTo>
+                  <a:pt x="0" y="0"/>
+                </a:moveTo>
+                <a:lnTo>
+                  <a:pt x="120000" y="0"/>
+                </a:lnTo>
+                <a:lnTo>
+                  <a:pt x="120000" y="120000"/>
+                </a:lnTo>
+                <a:lnTo>
+                  <a:pt x="0" y="120000"/>
+                </a:lnTo>
+                <a:close/>
+              </a:path>
+            </a:pathLst>
+          </a:custGeom>
+        </p:spPr>
+      </p:sp>
+      <p:sp>
+        <p:nvSpPr>
+          <p:cNvPr id="264" name="Google Shape;264;g2aa812607e2_0_0:notes"/>
+          <p:cNvSpPr txBox="1"/>
+          <p:nvPr>
+            <p:ph idx="1" type="body"/>
+          </p:nvPr>
+        </p:nvSpPr>
+        <p:spPr>
+          <a:xfrm>
+            <a:off x="685800" y="4343400"/>
+            <a:ext cx="5486400" cy="4114800"/>
+          </a:xfrm>
+          <a:prstGeom prst="rect">
+            <a:avLst/>
+          </a:prstGeom>
+        </p:spPr>
+        <p:txBody>
+          <a:bodyPr anchorCtr="0" anchor="t" bIns="91425" lIns="91425" spcFirstLastPara="1" rIns="91425" wrap="square" tIns="91425">
+            <a:noAutofit/>
+          </a:bodyPr>
+          <a:lstStyle/>
+          <a:p>
+            <a:pPr indent="0" lvl="0" marL="0" rtl="0" algn="l">
+              <a:spcBef>
+                <a:spcPts val="0"/>
+              </a:spcBef>
+              <a:spcAft>
+                <a:spcPts val="0"/>
+              </a:spcAft>
+              <a:buNone/>
+            </a:pPr>
+            <a:r>
+              <a:t/>
+            </a:r>
+            <a:endParaRPr/>
+          </a:p>
+        </p:txBody>
+      </p:sp>
+    </p:spTree>
+  </p:cSld>
+  <p:clrMapOvr>
+    <a:masterClrMapping/>
+  </p:clrMapOvr>
+</p:notes>
+</file>
+
+<file path=ppt/notesSlides/notesSlide2.xml><?xml version="1.0" encoding="utf-8"?>
+<p:notes xmlns:a="http://schemas.openxmlformats.org/drawingml/2006/main" xmlns:r="http://schemas.openxmlformats.org/officeDocument/2006/relationships" xmlns:mc="http://schemas.openxmlformats.org/markup-compatibility/2006" xmlns:mv="urn:schemas-microsoft-com:mac:vml" xmlns:p="http://schemas.openxmlformats.org/presentationml/2006/main" xmlns:c="http://schemas.openxmlformats.org/drawingml/2006/chart" xmlns:dgm="http://schemas.openxmlformats.org/drawingml/2006/diagram" xmlns:o="urn:schemas-microsoft-com:office:office" xmlns:v="urn:schemas-microsoft-com:vml" xmlns:pvml="urn:schemas-microsoft-com:office:powerpoint" xmlns:com="http://schemas.openxmlformats.org/drawingml/2006/compatibility" xmlns:p14="http://schemas.microsoft.com/office/powerpoint/2010/main" xmlns:p15="http://schemas.microsoft.com/office/powerpoint/2012/main" xmlns:ahyp="http://schemas.microsoft.com/office/drawing/2018/hyperlinkcolor" showMasterPhAnim="0" showMasterSp="0">
+  <p:cSld>
+    <p:spTree>
+      <p:nvGrpSpPr>
+        <p:cNvPr id="142" name="Shape 142"/>
+        <p:cNvGrpSpPr/>
+        <p:nvPr/>
+      </p:nvGrpSpPr>
+      <p:grpSpPr>
+        <a:xfrm>
+          <a:off x="0" y="0"/>
+          <a:ext cx="0" cy="0"/>
+          <a:chOff x="0" y="0"/>
+          <a:chExt cx="0" cy="0"/>
+        </a:xfrm>
+      </p:grpSpPr>
+      <p:sp>
+        <p:nvSpPr>
+          <p:cNvPr id="143" name="Google Shape;143;g2a38b610178_0_176:notes"/>
+          <p:cNvSpPr/>
+          <p:nvPr>
+            <p:ph idx="2" type="sldImg"/>
+          </p:nvPr>
+        </p:nvSpPr>
+        <p:spPr>
+          <a:xfrm>
+            <a:off x="381300" y="685800"/>
+            <a:ext cx="6096000" cy="3429000"/>
+          </a:xfrm>
+          <a:custGeom>
+            <a:rect b="b" l="l" r="r" t="t"/>
+            <a:pathLst>
+              <a:path extrusionOk="0" h="120000" w="120000">
+                <a:moveTo>
+                  <a:pt x="0" y="0"/>
+                </a:moveTo>
+                <a:lnTo>
+                  <a:pt x="120000" y="0"/>
+                </a:lnTo>
+                <a:lnTo>
+                  <a:pt x="120000" y="120000"/>
+                </a:lnTo>
+                <a:lnTo>
+                  <a:pt x="0" y="120000"/>
+                </a:lnTo>
+                <a:close/>
+              </a:path>
+            </a:pathLst>
+          </a:custGeom>
+        </p:spPr>
+      </p:sp>
+      <p:sp>
+        <p:nvSpPr>
+          <p:cNvPr id="144" name="Google Shape;144;g2a38b610178_0_176:notes"/>
+          <p:cNvSpPr txBox="1"/>
+          <p:nvPr>
+            <p:ph idx="1" type="body"/>
+          </p:nvPr>
+        </p:nvSpPr>
+        <p:spPr>
+          <a:xfrm>
+            <a:off x="685800" y="4343400"/>
+            <a:ext cx="5486400" cy="4114800"/>
+          </a:xfrm>
+          <a:prstGeom prst="rect">
+            <a:avLst/>
+          </a:prstGeom>
+        </p:spPr>
+        <p:txBody>
+          <a:bodyPr anchorCtr="0" anchor="t" bIns="91425" lIns="91425" spcFirstLastPara="1" rIns="91425" wrap="square" tIns="91425">
+            <a:noAutofit/>
+          </a:bodyPr>
+          <a:lstStyle/>
+          <a:p>
+            <a:pPr indent="0" lvl="0" marL="0" rtl="0" algn="l">
+              <a:spcBef>
+                <a:spcPts val="0"/>
+              </a:spcBef>
+              <a:spcAft>
+                <a:spcPts val="0"/>
+              </a:spcAft>
+              <a:buNone/>
+            </a:pPr>
+            <a:r>
+              <a:t/>
+            </a:r>
+            <a:endParaRPr/>
+          </a:p>
+        </p:txBody>
+      </p:sp>
+    </p:spTree>
+  </p:cSld>
+  <p:clrMapOvr>
+    <a:masterClrMapping/>
+  </p:clrMapOvr>
+</p:notes>
+</file>
+
+<file path=ppt/notesSlides/notesSlide20.xml><?xml version="1.0" encoding="utf-8"?>
+<p:notes xmlns:a="http://schemas.openxmlformats.org/drawingml/2006/main" xmlns:r="http://schemas.openxmlformats.org/officeDocument/2006/relationships" xmlns:mc="http://schemas.openxmlformats.org/markup-compatibility/2006" xmlns:mv="urn:schemas-microsoft-com:mac:vml" xmlns:p="http://schemas.openxmlformats.org/presentationml/2006/main" xmlns:c="http://schemas.openxmlformats.org/drawingml/2006/chart" xmlns:dgm="http://schemas.openxmlformats.org/drawingml/2006/diagram" xmlns:o="urn:schemas-microsoft-com:office:office" xmlns:v="urn:schemas-microsoft-com:vml" xmlns:pvml="urn:schemas-microsoft-com:office:powerpoint" xmlns:com="http://schemas.openxmlformats.org/drawingml/2006/compatibility" xmlns:p14="http://schemas.microsoft.com/office/powerpoint/2010/main" xmlns:p15="http://schemas.microsoft.com/office/powerpoint/2012/main" xmlns:ahyp="http://schemas.microsoft.com/office/drawing/2018/hyperlinkcolor" showMasterPhAnim="0" showMasterSp="0">
+  <p:cSld>
+    <p:spTree>
+      <p:nvGrpSpPr>
+        <p:cNvPr id="268" name="Shape 268"/>
+        <p:cNvGrpSpPr/>
+        <p:nvPr/>
+      </p:nvGrpSpPr>
+      <p:grpSpPr>
+        <a:xfrm>
+          <a:off x="0" y="0"/>
+          <a:ext cx="0" cy="0"/>
+          <a:chOff x="0" y="0"/>
+          <a:chExt cx="0" cy="0"/>
+        </a:xfrm>
+      </p:grpSpPr>
+      <p:sp>
+        <p:nvSpPr>
+          <p:cNvPr id="269" name="Google Shape;269;g377d08aedce_0_117:notes"/>
+          <p:cNvSpPr/>
+          <p:nvPr>
+            <p:ph idx="2" type="sldImg"/>
+          </p:nvPr>
+        </p:nvSpPr>
+        <p:spPr>
+          <a:xfrm>
+            <a:off x="381300" y="685800"/>
+            <a:ext cx="6096000" cy="3429000"/>
+          </a:xfrm>
+          <a:custGeom>
+            <a:rect b="b" l="l" r="r" t="t"/>
+            <a:pathLst>
+              <a:path extrusionOk="0" h="120000" w="120000">
+                <a:moveTo>
+                  <a:pt x="0" y="0"/>
+                </a:moveTo>
+                <a:lnTo>
+                  <a:pt x="120000" y="0"/>
+                </a:lnTo>
+                <a:lnTo>
+                  <a:pt x="120000" y="120000"/>
+                </a:lnTo>
+                <a:lnTo>
+                  <a:pt x="0" y="120000"/>
+                </a:lnTo>
+                <a:close/>
+              </a:path>
+            </a:pathLst>
+          </a:custGeom>
+        </p:spPr>
+      </p:sp>
+      <p:sp>
+        <p:nvSpPr>
+          <p:cNvPr id="270" name="Google Shape;270;g377d08aedce_0_117:notes"/>
+          <p:cNvSpPr txBox="1"/>
+          <p:nvPr>
+            <p:ph idx="1" type="body"/>
+          </p:nvPr>
+        </p:nvSpPr>
+        <p:spPr>
+          <a:xfrm>
+            <a:off x="685800" y="4343400"/>
+            <a:ext cx="5486400" cy="4114800"/>
+          </a:xfrm>
+          <a:prstGeom prst="rect">
+            <a:avLst/>
+          </a:prstGeom>
+        </p:spPr>
+        <p:txBody>
+          <a:bodyPr anchorCtr="0" anchor="t" bIns="91425" lIns="91425" spcFirstLastPara="1" rIns="91425" wrap="square" tIns="91425">
+            <a:noAutofit/>
+          </a:bodyPr>
+          <a:lstStyle/>
+          <a:p>
+            <a:pPr indent="0" lvl="0" marL="0" rtl="0" algn="l">
+              <a:spcBef>
+                <a:spcPts val="0"/>
+              </a:spcBef>
+              <a:spcAft>
+                <a:spcPts val="0"/>
+              </a:spcAft>
+              <a:buNone/>
+            </a:pPr>
+            <a:r>
+              <a:t/>
+            </a:r>
+            <a:endParaRPr/>
+          </a:p>
+        </p:txBody>
+      </p:sp>
+    </p:spTree>
+  </p:cSld>
+  <p:clrMapOvr>
+    <a:masterClrMapping/>
+  </p:clrMapOvr>
+</p:notes>
+</file>
+
+<file path=ppt/notesSlides/notesSlide21.xml><?xml version="1.0" encoding="utf-8"?>
+<p:notes xmlns:a="http://schemas.openxmlformats.org/drawingml/2006/main" xmlns:r="http://schemas.openxmlformats.org/officeDocument/2006/relationships" xmlns:mc="http://schemas.openxmlformats.org/markup-compatibility/2006" xmlns:mv="urn:schemas-microsoft-com:mac:vml" xmlns:p="http://schemas.openxmlformats.org/presentationml/2006/main" xmlns:c="http://schemas.openxmlformats.org/drawingml/2006/chart" xmlns:dgm="http://schemas.openxmlformats.org/drawingml/2006/diagram" xmlns:o="urn:schemas-microsoft-com:office:office" xmlns:v="urn:schemas-microsoft-com:vml" xmlns:pvml="urn:schemas-microsoft-com:office:powerpoint" xmlns:com="http://schemas.openxmlformats.org/drawingml/2006/compatibility" xmlns:p14="http://schemas.microsoft.com/office/powerpoint/2010/main" xmlns:p15="http://schemas.microsoft.com/office/powerpoint/2012/main" xmlns:ahyp="http://schemas.microsoft.com/office/drawing/2018/hyperlinkcolor" showMasterPhAnim="0" showMasterSp="0">
+  <p:cSld>
+    <p:spTree>
+      <p:nvGrpSpPr>
+        <p:cNvPr id="274" name="Shape 274"/>
+        <p:cNvGrpSpPr/>
+        <p:nvPr/>
+      </p:nvGrpSpPr>
+      <p:grpSpPr>
+        <a:xfrm>
+          <a:off x="0" y="0"/>
+          <a:ext cx="0" cy="0"/>
+          <a:chOff x="0" y="0"/>
+          <a:chExt cx="0" cy="0"/>
+        </a:xfrm>
+      </p:grpSpPr>
+      <p:sp>
+        <p:nvSpPr>
+          <p:cNvPr id="275" name="Google Shape;275;g2a38b610178_0_284:notes"/>
+          <p:cNvSpPr/>
+          <p:nvPr>
+            <p:ph idx="2" type="sldImg"/>
+          </p:nvPr>
+        </p:nvSpPr>
+        <p:spPr>
+          <a:xfrm>
+            <a:off x="381300" y="685800"/>
+            <a:ext cx="6096000" cy="3429000"/>
+          </a:xfrm>
+          <a:custGeom>
+            <a:rect b="b" l="l" r="r" t="t"/>
+            <a:pathLst>
+              <a:path extrusionOk="0" h="120000" w="120000">
+                <a:moveTo>
+                  <a:pt x="0" y="0"/>
+                </a:moveTo>
+                <a:lnTo>
+                  <a:pt x="120000" y="0"/>
+                </a:lnTo>
+                <a:lnTo>
+                  <a:pt x="120000" y="120000"/>
+                </a:lnTo>
+                <a:lnTo>
+                  <a:pt x="0" y="120000"/>
+                </a:lnTo>
+                <a:close/>
+              </a:path>
+            </a:pathLst>
+          </a:custGeom>
+        </p:spPr>
+      </p:sp>
+      <p:sp>
+        <p:nvSpPr>
+          <p:cNvPr id="276" name="Google Shape;276;g2a38b610178_0_284:notes"/>
+          <p:cNvSpPr txBox="1"/>
+          <p:nvPr>
+            <p:ph idx="1" type="body"/>
+          </p:nvPr>
+        </p:nvSpPr>
+        <p:spPr>
+          <a:xfrm>
+            <a:off x="685800" y="4343400"/>
+            <a:ext cx="5486400" cy="4114800"/>
+          </a:xfrm>
+          <a:prstGeom prst="rect">
+            <a:avLst/>
+          </a:prstGeom>
+        </p:spPr>
+        <p:txBody>
+          <a:bodyPr anchorCtr="0" anchor="t" bIns="91425" lIns="91425" spcFirstLastPara="1" rIns="91425" wrap="square" tIns="91425">
+            <a:noAutofit/>
+          </a:bodyPr>
+          <a:lstStyle/>
+          <a:p>
+            <a:pPr indent="0" lvl="0" marL="0" rtl="0" algn="l">
+              <a:spcBef>
+                <a:spcPts val="0"/>
+              </a:spcBef>
+              <a:spcAft>
+                <a:spcPts val="0"/>
+              </a:spcAft>
+              <a:buNone/>
+            </a:pPr>
+            <a:r>
+              <a:t/>
+            </a:r>
+            <a:endParaRPr/>
+          </a:p>
+        </p:txBody>
+      </p:sp>
+    </p:spTree>
+  </p:cSld>
+  <p:clrMapOvr>
+    <a:masterClrMapping/>
+  </p:clrMapOvr>
+</p:notes>
+</file>
+
+<file path=ppt/notesSlides/notesSlide22.xml><?xml version="1.0" encoding="utf-8"?>
+<p:notes xmlns:a="http://schemas.openxmlformats.org/drawingml/2006/main" xmlns:r="http://schemas.openxmlformats.org/officeDocument/2006/relationships" xmlns:mc="http://schemas.openxmlformats.org/markup-compatibility/2006" xmlns:mv="urn:schemas-microsoft-com:mac:vml" xmlns:p="http://schemas.openxmlformats.org/presentationml/2006/main" xmlns:c="http://schemas.openxmlformats.org/drawingml/2006/chart" xmlns:dgm="http://schemas.openxmlformats.org/drawingml/2006/diagram" xmlns:o="urn:schemas-microsoft-com:office:office" xmlns:v="urn:schemas-microsoft-com:vml" xmlns:pvml="urn:schemas-microsoft-com:office:powerpoint" xmlns:com="http://schemas.openxmlformats.org/drawingml/2006/compatibility" xmlns:p14="http://schemas.microsoft.com/office/powerpoint/2010/main" xmlns:p15="http://schemas.microsoft.com/office/powerpoint/2012/main" xmlns:ahyp="http://schemas.microsoft.com/office/drawing/2018/hyperlinkcolor" showMasterPhAnim="0" showMasterSp="0">
+  <p:cSld>
+    <p:spTree>
+      <p:nvGrpSpPr>
+        <p:cNvPr id="280" name="Shape 280"/>
+        <p:cNvGrpSpPr/>
+        <p:nvPr/>
+      </p:nvGrpSpPr>
+      <p:grpSpPr>
+        <a:xfrm>
+          <a:off x="0" y="0"/>
+          <a:ext cx="0" cy="0"/>
+          <a:chOff x="0" y="0"/>
+          <a:chExt cx="0" cy="0"/>
+        </a:xfrm>
+      </p:grpSpPr>
+      <p:sp>
+        <p:nvSpPr>
+          <p:cNvPr id="281" name="Google Shape;281;g2b0001be5f0_0_0:notes"/>
+          <p:cNvSpPr/>
+          <p:nvPr>
+            <p:ph idx="2" type="sldImg"/>
+          </p:nvPr>
+        </p:nvSpPr>
+        <p:spPr>
+          <a:xfrm>
+            <a:off x="381300" y="685800"/>
+            <a:ext cx="6096000" cy="3429000"/>
+          </a:xfrm>
+          <a:custGeom>
+            <a:rect b="b" l="l" r="r" t="t"/>
+            <a:pathLst>
+              <a:path extrusionOk="0" h="120000" w="120000">
+                <a:moveTo>
+                  <a:pt x="0" y="0"/>
+                </a:moveTo>
+                <a:lnTo>
+                  <a:pt x="120000" y="0"/>
+                </a:lnTo>
+                <a:lnTo>
+                  <a:pt x="120000" y="120000"/>
+                </a:lnTo>
+                <a:lnTo>
+                  <a:pt x="0" y="120000"/>
+                </a:lnTo>
+                <a:close/>
+              </a:path>
+            </a:pathLst>
+          </a:custGeom>
+        </p:spPr>
+      </p:sp>
+      <p:sp>
+        <p:nvSpPr>
+          <p:cNvPr id="282" name="Google Shape;282;g2b0001be5f0_0_0:notes"/>
+          <p:cNvSpPr txBox="1"/>
+          <p:nvPr>
+            <p:ph idx="1" type="body"/>
+          </p:nvPr>
+        </p:nvSpPr>
+        <p:spPr>
+          <a:xfrm>
+            <a:off x="685800" y="4343400"/>
+            <a:ext cx="5486400" cy="4114800"/>
+          </a:xfrm>
+          <a:prstGeom prst="rect">
+            <a:avLst/>
+          </a:prstGeom>
+        </p:spPr>
+        <p:txBody>
+          <a:bodyPr anchorCtr="0" anchor="t" bIns="91425" lIns="91425" spcFirstLastPara="1" rIns="91425" wrap="square" tIns="91425">
+            <a:noAutofit/>
+          </a:bodyPr>
+          <a:lstStyle/>
+          <a:p>
+            <a:pPr indent="0" lvl="0" marL="0" rtl="0" algn="l">
+              <a:spcBef>
+                <a:spcPts val="0"/>
+              </a:spcBef>
+              <a:spcAft>
+                <a:spcPts val="0"/>
+              </a:spcAft>
+              <a:buNone/>
+            </a:pPr>
+            <a:r>
+              <a:t/>
+            </a:r>
+            <a:endParaRPr/>
+          </a:p>
+        </p:txBody>
+      </p:sp>
+    </p:spTree>
+  </p:cSld>
+  <p:clrMapOvr>
+    <a:masterClrMapping/>
+  </p:clrMapOvr>
+</p:notes>
+</file>
+
+<file path=ppt/notesSlides/notesSlide3.xml><?xml version="1.0" encoding="utf-8"?>
+<p:notes xmlns:a="http://schemas.openxmlformats.org/drawingml/2006/main" xmlns:r="http://schemas.openxmlformats.org/officeDocument/2006/relationships" xmlns:mc="http://schemas.openxmlformats.org/markup-compatibility/2006" xmlns:mv="urn:schemas-microsoft-com:mac:vml" xmlns:p="http://schemas.openxmlformats.org/presentationml/2006/main" xmlns:c="http://schemas.openxmlformats.org/drawingml/2006/chart" xmlns:dgm="http://schemas.openxmlformats.org/drawingml/2006/diagram" xmlns:o="urn:schemas-microsoft-com:office:office" xmlns:v="urn:schemas-microsoft-com:vml" xmlns:pvml="urn:schemas-microsoft-com:office:powerpoint" xmlns:com="http://schemas.openxmlformats.org/drawingml/2006/compatibility" xmlns:p14="http://schemas.microsoft.com/office/powerpoint/2010/main" xmlns:p15="http://schemas.microsoft.com/office/powerpoint/2012/main" xmlns:ahyp="http://schemas.microsoft.com/office/drawing/2018/hyperlinkcolor" showMasterPhAnim="0" showMasterSp="0">
+  <p:cSld>
+    <p:spTree>
+      <p:nvGrpSpPr>
+        <p:cNvPr id="149" name="Shape 149"/>
+        <p:cNvGrpSpPr/>
+        <p:nvPr/>
+      </p:nvGrpSpPr>
+      <p:grpSpPr>
+        <a:xfrm>
+          <a:off x="0" y="0"/>
+          <a:ext cx="0" cy="0"/>
+          <a:chOff x="0" y="0"/>
+          <a:chExt cx="0" cy="0"/>
+        </a:xfrm>
+      </p:grpSpPr>
+      <p:sp>
+        <p:nvSpPr>
+          <p:cNvPr id="150" name="Google Shape;150;g32757827ca3_0_0:notes"/>
+          <p:cNvSpPr/>
+          <p:nvPr>
+            <p:ph idx="2" type="sldImg"/>
+          </p:nvPr>
+        </p:nvSpPr>
+        <p:spPr>
+          <a:xfrm>
+            <a:off x="381300" y="685800"/>
+            <a:ext cx="6096000" cy="3429000"/>
+          </a:xfrm>
+          <a:custGeom>
+            <a:rect b="b" l="l" r="r" t="t"/>
+            <a:pathLst>
+              <a:path extrusionOk="0" h="120000" w="120000">
+                <a:moveTo>
+                  <a:pt x="0" y="0"/>
+                </a:moveTo>
+                <a:lnTo>
+                  <a:pt x="120000" y="0"/>
+                </a:lnTo>
+                <a:lnTo>
+                  <a:pt x="120000" y="120000"/>
+                </a:lnTo>
+                <a:lnTo>
+                  <a:pt x="0" y="120000"/>
+                </a:lnTo>
+                <a:close/>
+              </a:path>
+            </a:pathLst>
+          </a:custGeom>
+        </p:spPr>
+      </p:sp>
+      <p:sp>
+        <p:nvSpPr>
+          <p:cNvPr id="151" name="Google Shape;151;g32757827ca3_0_0:notes"/>
+          <p:cNvSpPr txBox="1"/>
+          <p:nvPr>
+            <p:ph idx="1" type="body"/>
+          </p:nvPr>
+        </p:nvSpPr>
+        <p:spPr>
+          <a:xfrm>
+            <a:off x="685800" y="4343400"/>
+            <a:ext cx="5486400" cy="4114800"/>
+          </a:xfrm>
+          <a:prstGeom prst="rect">
+            <a:avLst/>
+          </a:prstGeom>
+        </p:spPr>
+        <p:txBody>
+          <a:bodyPr anchorCtr="0" anchor="t" bIns="91425" lIns="91425" spcFirstLastPara="1" rIns="91425" wrap="square" tIns="91425">
+            <a:noAutofit/>
+          </a:bodyPr>
+          <a:lstStyle/>
+          <a:p>
+            <a:pPr indent="0" lvl="0" marL="0" rtl="0" algn="l">
+              <a:spcBef>
+                <a:spcPts val="0"/>
+              </a:spcBef>
+              <a:spcAft>
+                <a:spcPts val="0"/>
+              </a:spcAft>
+              <a:buNone/>
+            </a:pPr>
+            <a:r>
+              <a:t/>
+            </a:r>
+            <a:endParaRPr/>
+          </a:p>
+        </p:txBody>
+      </p:sp>
+    </p:spTree>
+  </p:cSld>
+  <p:clrMapOvr>
+    <a:masterClrMapping/>
+  </p:clrMapOvr>
+</p:notes>
+</file>
+
+<file path=ppt/notesSlides/notesSlide4.xml><?xml version="1.0" encoding="utf-8"?>
+<p:notes xmlns:a="http://schemas.openxmlformats.org/drawingml/2006/main" xmlns:r="http://schemas.openxmlformats.org/officeDocument/2006/relationships" xmlns:mc="http://schemas.openxmlformats.org/markup-compatibility/2006" xmlns:mv="urn:schemas-microsoft-com:mac:vml" xmlns:p="http://schemas.openxmlformats.org/presentationml/2006/main" xmlns:c="http://schemas.openxmlformats.org/drawingml/2006/chart" xmlns:dgm="http://schemas.openxmlformats.org/drawingml/2006/diagram" xmlns:o="urn:schemas-microsoft-com:office:office" xmlns:v="urn:schemas-microsoft-com:vml" xmlns:pvml="urn:schemas-microsoft-com:office:powerpoint" xmlns:com="http://schemas.openxmlformats.org/drawingml/2006/compatibility" xmlns:p14="http://schemas.microsoft.com/office/powerpoint/2010/main" xmlns:p15="http://schemas.microsoft.com/office/powerpoint/2012/main" xmlns:ahyp="http://schemas.microsoft.com/office/drawing/2018/hyperlinkcolor" showMasterPhAnim="0" showMasterSp="0">
+  <p:cSld>
+    <p:spTree>
+      <p:nvGrpSpPr>
+        <p:cNvPr id="157" name="Shape 157"/>
+        <p:cNvGrpSpPr/>
+        <p:nvPr/>
+      </p:nvGrpSpPr>
+      <p:grpSpPr>
+        <a:xfrm>
+          <a:off x="0" y="0"/>
+          <a:ext cx="0" cy="0"/>
+          <a:chOff x="0" y="0"/>
+          <a:chExt cx="0" cy="0"/>
+        </a:xfrm>
+      </p:grpSpPr>
+      <p:sp>
+        <p:nvSpPr>
+          <p:cNvPr id="158" name="Google Shape;158;g2a38b610178_0_227:notes"/>
+          <p:cNvSpPr/>
+          <p:nvPr>
+            <p:ph idx="2" type="sldImg"/>
+          </p:nvPr>
+        </p:nvSpPr>
+        <p:spPr>
+          <a:xfrm>
+            <a:off x="381300" y="685800"/>
+            <a:ext cx="6096000" cy="3429000"/>
+          </a:xfrm>
+          <a:custGeom>
+            <a:rect b="b" l="l" r="r" t="t"/>
+            <a:pathLst>
+              <a:path extrusionOk="0" h="120000" w="120000">
+                <a:moveTo>
+                  <a:pt x="0" y="0"/>
+                </a:moveTo>
+                <a:lnTo>
+                  <a:pt x="120000" y="0"/>
+                </a:lnTo>
+                <a:lnTo>
+                  <a:pt x="120000" y="120000"/>
+                </a:lnTo>
+                <a:lnTo>
+                  <a:pt x="0" y="120000"/>
+                </a:lnTo>
+                <a:close/>
+              </a:path>
+            </a:pathLst>
+          </a:custGeom>
+        </p:spPr>
+      </p:sp>
+      <p:sp>
+        <p:nvSpPr>
+          <p:cNvPr id="159" name="Google Shape;159;g2a38b610178_0_227:notes"/>
+          <p:cNvSpPr txBox="1"/>
+          <p:nvPr>
+            <p:ph idx="1" type="body"/>
+          </p:nvPr>
+        </p:nvSpPr>
+        <p:spPr>
+          <a:xfrm>
+            <a:off x="685800" y="4343400"/>
+            <a:ext cx="5486400" cy="4114800"/>
+          </a:xfrm>
+          <a:prstGeom prst="rect">
+            <a:avLst/>
+          </a:prstGeom>
+        </p:spPr>
+        <p:txBody>
+          <a:bodyPr anchorCtr="0" anchor="t" bIns="91425" lIns="91425" spcFirstLastPara="1" rIns="91425" wrap="square" tIns="91425">
+            <a:noAutofit/>
+          </a:bodyPr>
+          <a:lstStyle/>
+          <a:p>
+            <a:pPr indent="0" lvl="0" marL="0" rtl="0" algn="l">
+              <a:spcBef>
+                <a:spcPts val="0"/>
+              </a:spcBef>
+              <a:spcAft>
+                <a:spcPts val="0"/>
+              </a:spcAft>
+              <a:buNone/>
+            </a:pPr>
+            <a:r>
+              <a:t/>
+            </a:r>
+            <a:endParaRPr/>
+          </a:p>
+        </p:txBody>
+      </p:sp>
+    </p:spTree>
+  </p:cSld>
+  <p:clrMapOvr>
+    <a:masterClrMapping/>
+  </p:clrMapOvr>
+</p:notes>
+</file>
+
+<file path=ppt/notesSlides/notesSlide5.xml><?xml version="1.0" encoding="utf-8"?>
+<p:notes xmlns:a="http://schemas.openxmlformats.org/drawingml/2006/main" xmlns:r="http://schemas.openxmlformats.org/officeDocument/2006/relationships" xmlns:mc="http://schemas.openxmlformats.org/markup-compatibility/2006" xmlns:mv="urn:schemas-microsoft-com:mac:vml" xmlns:p="http://schemas.openxmlformats.org/presentationml/2006/main" xmlns:c="http://schemas.openxmlformats.org/drawingml/2006/chart" xmlns:dgm="http://schemas.openxmlformats.org/drawingml/2006/diagram" xmlns:o="urn:schemas-microsoft-com:office:office" xmlns:v="urn:schemas-microsoft-com:vml" xmlns:pvml="urn:schemas-microsoft-com:office:powerpoint" xmlns:com="http://schemas.openxmlformats.org/drawingml/2006/compatibility" xmlns:p14="http://schemas.microsoft.com/office/powerpoint/2010/main" xmlns:p15="http://schemas.microsoft.com/office/powerpoint/2012/main" xmlns:ahyp="http://schemas.microsoft.com/office/drawing/2018/hyperlinkcolor" showMasterPhAnim="0" showMasterSp="0">
+  <p:cSld>
+    <p:spTree>
+      <p:nvGrpSpPr>
+        <p:cNvPr id="164" name="Shape 164"/>
+        <p:cNvGrpSpPr/>
+        <p:nvPr/>
+      </p:nvGrpSpPr>
+      <p:grpSpPr>
+        <a:xfrm>
+          <a:off x="0" y="0"/>
+          <a:ext cx="0" cy="0"/>
+          <a:chOff x="0" y="0"/>
+          <a:chExt cx="0" cy="0"/>
+        </a:xfrm>
+      </p:grpSpPr>
+      <p:sp>
+        <p:nvSpPr>
+          <p:cNvPr id="165" name="Google Shape;165;g1ed966abc4e_0_0:notes"/>
           <p:cNvSpPr txBox="1"/>
           <p:nvPr>
             <p:ph idx="1" type="body"/>
@@ -1457,7 +2457,7 @@
       </p:sp>
       <p:sp>
         <p:nvSpPr>
-          <p:cNvPr id="162" name="Google Shape;162;g1ed966abc4e_0_0:notes"/>
+          <p:cNvPr id="166" name="Google Shape;166;g1ed966abc4e_0_0:notes"/>
           <p:cNvSpPr/>
           <p:nvPr>
             <p:ph idx="2" type="sldImg"/>
@@ -1513,7 +2513,7 @@
   <p:cSld>
     <p:spTree>
       <p:nvGrpSpPr>
-        <p:cNvPr id="166" name="Shape 166"/>
+        <p:cNvPr id="170" name="Shape 170"/>
         <p:cNvGrpSpPr/>
         <p:nvPr/>
       </p:nvGrpSpPr>
@@ -1527,7 +2527,7 @@
       </p:grpSpPr>
       <p:sp>
         <p:nvSpPr>
-          <p:cNvPr id="167" name="Google Shape;167;g1ed966abc4e_0_169:notes"/>
+          <p:cNvPr id="171" name="Google Shape;171;g1ed966abc4e_0_169:notes"/>
           <p:cNvSpPr txBox="1"/>
           <p:nvPr>
             <p:ph idx="1" type="body"/>
@@ -1574,7 +2574,7 @@
       </p:sp>
       <p:sp>
         <p:nvSpPr>
-          <p:cNvPr id="168" name="Google Shape;168;g1ed966abc4e_0_169:notes"/>
+          <p:cNvPr id="172" name="Google Shape;172;g1ed966abc4e_0_169:notes"/>
           <p:cNvSpPr/>
           <p:nvPr>
             <p:ph idx="2" type="sldImg"/>
@@ -1630,7 +2630,7 @@
   <p:cSld>
     <p:spTree>
       <p:nvGrpSpPr>
-        <p:cNvPr id="177" name="Shape 177"/>
+        <p:cNvPr id="181" name="Shape 181"/>
         <p:cNvGrpSpPr/>
         <p:nvPr/>
       </p:nvGrpSpPr>
@@ -1644,7 +2644,7 @@
       </p:grpSpPr>
       <p:sp>
         <p:nvSpPr>
-          <p:cNvPr id="178" name="Google Shape;178;g2b0001be5f0_0_6:notes"/>
+          <p:cNvPr id="182" name="Google Shape;182;g2b0001be5f0_0_6:notes"/>
           <p:cNvSpPr/>
           <p:nvPr>
             <p:ph idx="2" type="sldImg"/>
@@ -1679,7 +2679,7 @@
       </p:sp>
       <p:sp>
         <p:nvSpPr>
-          <p:cNvPr id="179" name="Google Shape;179;g2b0001be5f0_0_6:notes"/>
+          <p:cNvPr id="183" name="Google Shape;183;g2b0001be5f0_0_6:notes"/>
           <p:cNvSpPr txBox="1"/>
           <p:nvPr>
             <p:ph idx="1" type="body"/>
@@ -1729,7 +2729,7 @@
   <p:cSld>
     <p:spTree>
       <p:nvGrpSpPr>
-        <p:cNvPr id="183" name="Shape 183"/>
+        <p:cNvPr id="187" name="Shape 187"/>
         <p:cNvGrpSpPr/>
         <p:nvPr/>
       </p:nvGrpSpPr>
@@ -1743,7 +2743,7 @@
       </p:grpSpPr>
       <p:sp>
         <p:nvSpPr>
-          <p:cNvPr id="184" name="Google Shape;184;g1ed966abc4e_0_256:notes"/>
+          <p:cNvPr id="188" name="Google Shape;188;g1ed966abc4e_0_256:notes"/>
           <p:cNvSpPr txBox="1"/>
           <p:nvPr>
             <p:ph idx="1" type="body"/>
@@ -1790,7 +2790,7 @@
       </p:sp>
       <p:sp>
         <p:nvSpPr>
-          <p:cNvPr id="185" name="Google Shape;185;g1ed966abc4e_0_256:notes"/>
+          <p:cNvPr id="189" name="Google Shape;189;g1ed966abc4e_0_256:notes"/>
           <p:cNvSpPr/>
           <p:nvPr>
             <p:ph idx="2" type="sldImg"/>
@@ -1846,7 +2846,7 @@
   <p:cSld>
     <p:spTree>
       <p:nvGrpSpPr>
-        <p:cNvPr id="189" name="Shape 189"/>
+        <p:cNvPr id="193" name="Shape 193"/>
         <p:cNvGrpSpPr/>
         <p:nvPr/>
       </p:nvGrpSpPr>
@@ -1860,7 +2860,7 @@
       </p:grpSpPr>
       <p:sp>
         <p:nvSpPr>
-          <p:cNvPr id="190" name="Google Shape;190;g1ed966abc4e_0_262:notes"/>
+          <p:cNvPr id="194" name="Google Shape;194;g1ed966abc4e_0_262:notes"/>
           <p:cNvSpPr txBox="1"/>
           <p:nvPr>
             <p:ph idx="1" type="body"/>
@@ -1907,7 +2907,7 @@
       </p:sp>
       <p:sp>
         <p:nvSpPr>
-          <p:cNvPr id="191" name="Google Shape;191;g1ed966abc4e_0_262:notes"/>
+          <p:cNvPr id="195" name="Google Shape;195;g1ed966abc4e_0_262:notes"/>
           <p:cNvSpPr/>
           <p:nvPr>
             <p:ph idx="2" type="sldImg"/>
@@ -14942,6 +15942,358 @@
                 <a:cs typeface="Calibri"/>
                 <a:sym typeface="Calibri"/>
               </a:defRPr>
+            </a:lvl9pPr>
+          </a:lstStyle>
+          <a:p>
+            <a:pPr indent="0" lvl="0" marL="0" rtl="0" algn="r">
+              <a:spcBef>
+                <a:spcPts val="0"/>
+              </a:spcBef>
+              <a:spcAft>
+                <a:spcPts val="0"/>
+              </a:spcAft>
+              <a:buNone/>
+            </a:pPr>
+            <a:fld id="{00000000-1234-1234-1234-123412341234}" type="slidenum">
+              <a:rPr lang="en"/>
+              <a:t>‹#›</a:t>
+            </a:fld>
+            <a:endParaRPr/>
+          </a:p>
+        </p:txBody>
+      </p:sp>
+    </p:spTree>
+  </p:cSld>
+  <p:clrMapOvr>
+    <a:masterClrMapping/>
+  </p:clrMapOvr>
+</p:sldLayout>
+</file>
+
+<file path=ppt/slideLayouts/slideLayout24.xml><?xml version="1.0" encoding="utf-8"?>
+<p:sldLayout xmlns:a="http://schemas.openxmlformats.org/drawingml/2006/main" xmlns:r="http://schemas.openxmlformats.org/officeDocument/2006/relationships" xmlns:mc="http://schemas.openxmlformats.org/markup-compatibility/2006" xmlns:mv="urn:schemas-microsoft-com:mac:vml" xmlns:p="http://schemas.openxmlformats.org/presentationml/2006/main" xmlns:c="http://schemas.openxmlformats.org/drawingml/2006/chart" xmlns:dgm="http://schemas.openxmlformats.org/drawingml/2006/diagram" xmlns:o="urn:schemas-microsoft-com:office:office" xmlns:v="urn:schemas-microsoft-com:vml" xmlns:pvml="urn:schemas-microsoft-com:office:powerpoint" xmlns:com="http://schemas.openxmlformats.org/drawingml/2006/compatibility" xmlns:p14="http://schemas.microsoft.com/office/powerpoint/2010/main" xmlns:p15="http://schemas.microsoft.com/office/powerpoint/2012/main" xmlns:ahyp="http://schemas.microsoft.com/office/drawing/2018/hyperlinkcolor" matchingName="Title and body" type="tx">
+  <p:cSld name="TITLE_AND_BODY">
+    <p:spTree>
+      <p:nvGrpSpPr>
+        <p:cNvPr id="131" name="Shape 131"/>
+        <p:cNvGrpSpPr/>
+        <p:nvPr/>
+      </p:nvGrpSpPr>
+      <p:grpSpPr>
+        <a:xfrm>
+          <a:off x="0" y="0"/>
+          <a:ext cx="0" cy="0"/>
+          <a:chOff x="0" y="0"/>
+          <a:chExt cx="0" cy="0"/>
+        </a:xfrm>
+      </p:grpSpPr>
+      <p:sp>
+        <p:nvSpPr>
+          <p:cNvPr id="132" name="Google Shape;132;p26"/>
+          <p:cNvSpPr txBox="1"/>
+          <p:nvPr>
+            <p:ph type="title"/>
+          </p:nvPr>
+        </p:nvSpPr>
+        <p:spPr>
+          <a:xfrm>
+            <a:off x="311700" y="445025"/>
+            <a:ext cx="8520600" cy="572700"/>
+          </a:xfrm>
+          <a:prstGeom prst="rect">
+            <a:avLst/>
+          </a:prstGeom>
+        </p:spPr>
+        <p:txBody>
+          <a:bodyPr anchorCtr="0" anchor="ctr" bIns="34275" lIns="68575" spcFirstLastPara="1" rIns="68575" wrap="square" tIns="34275">
+            <a:normAutofit/>
+          </a:bodyPr>
+          <a:lstStyle>
+            <a:lvl1pPr lvl="0">
+              <a:spcBef>
+                <a:spcPts val="0"/>
+              </a:spcBef>
+              <a:spcAft>
+                <a:spcPts val="0"/>
+              </a:spcAft>
+              <a:buSzPts val="3300"/>
+              <a:buNone/>
+              <a:defRPr/>
+            </a:lvl1pPr>
+            <a:lvl2pPr lvl="1">
+              <a:spcBef>
+                <a:spcPts val="0"/>
+              </a:spcBef>
+              <a:spcAft>
+                <a:spcPts val="0"/>
+              </a:spcAft>
+              <a:buSzPts val="1100"/>
+              <a:buNone/>
+              <a:defRPr/>
+            </a:lvl2pPr>
+            <a:lvl3pPr lvl="2">
+              <a:spcBef>
+                <a:spcPts val="0"/>
+              </a:spcBef>
+              <a:spcAft>
+                <a:spcPts val="0"/>
+              </a:spcAft>
+              <a:buSzPts val="1100"/>
+              <a:buNone/>
+              <a:defRPr/>
+            </a:lvl3pPr>
+            <a:lvl4pPr lvl="3">
+              <a:spcBef>
+                <a:spcPts val="0"/>
+              </a:spcBef>
+              <a:spcAft>
+                <a:spcPts val="0"/>
+              </a:spcAft>
+              <a:buSzPts val="1100"/>
+              <a:buNone/>
+              <a:defRPr/>
+            </a:lvl4pPr>
+            <a:lvl5pPr lvl="4">
+              <a:spcBef>
+                <a:spcPts val="0"/>
+              </a:spcBef>
+              <a:spcAft>
+                <a:spcPts val="0"/>
+              </a:spcAft>
+              <a:buSzPts val="1100"/>
+              <a:buNone/>
+              <a:defRPr/>
+            </a:lvl5pPr>
+            <a:lvl6pPr lvl="5">
+              <a:spcBef>
+                <a:spcPts val="0"/>
+              </a:spcBef>
+              <a:spcAft>
+                <a:spcPts val="0"/>
+              </a:spcAft>
+              <a:buSzPts val="1100"/>
+              <a:buNone/>
+              <a:defRPr/>
+            </a:lvl6pPr>
+            <a:lvl7pPr lvl="6">
+              <a:spcBef>
+                <a:spcPts val="0"/>
+              </a:spcBef>
+              <a:spcAft>
+                <a:spcPts val="0"/>
+              </a:spcAft>
+              <a:buSzPts val="1100"/>
+              <a:buNone/>
+              <a:defRPr/>
+            </a:lvl7pPr>
+            <a:lvl8pPr lvl="7">
+              <a:spcBef>
+                <a:spcPts val="0"/>
+              </a:spcBef>
+              <a:spcAft>
+                <a:spcPts val="0"/>
+              </a:spcAft>
+              <a:buSzPts val="1100"/>
+              <a:buNone/>
+              <a:defRPr/>
+            </a:lvl8pPr>
+            <a:lvl9pPr lvl="8">
+              <a:spcBef>
+                <a:spcPts val="0"/>
+              </a:spcBef>
+              <a:spcAft>
+                <a:spcPts val="0"/>
+              </a:spcAft>
+              <a:buSzPts val="1100"/>
+              <a:buNone/>
+              <a:defRPr/>
+            </a:lvl9pPr>
+          </a:lstStyle>
+          <a:p/>
+        </p:txBody>
+      </p:sp>
+      <p:sp>
+        <p:nvSpPr>
+          <p:cNvPr id="133" name="Google Shape;133;p26"/>
+          <p:cNvSpPr txBox="1"/>
+          <p:nvPr>
+            <p:ph idx="1" type="body"/>
+          </p:nvPr>
+        </p:nvSpPr>
+        <p:spPr>
+          <a:xfrm>
+            <a:off x="311700" y="1152475"/>
+            <a:ext cx="8520600" cy="3416400"/>
+          </a:xfrm>
+          <a:prstGeom prst="rect">
+            <a:avLst/>
+          </a:prstGeom>
+        </p:spPr>
+        <p:txBody>
+          <a:bodyPr anchorCtr="0" anchor="t" bIns="34275" lIns="68575" spcFirstLastPara="1" rIns="68575" wrap="square" tIns="34275">
+            <a:normAutofit/>
+          </a:bodyPr>
+          <a:lstStyle>
+            <a:lvl1pPr indent="-361950" lvl="0" marL="457200">
+              <a:spcBef>
+                <a:spcPts val="800"/>
+              </a:spcBef>
+              <a:spcAft>
+                <a:spcPts val="0"/>
+              </a:spcAft>
+              <a:buSzPts val="2100"/>
+              <a:buChar char="•"/>
+              <a:defRPr/>
+            </a:lvl1pPr>
+            <a:lvl2pPr indent="-342900" lvl="1" marL="914400">
+              <a:spcBef>
+                <a:spcPts val="400"/>
+              </a:spcBef>
+              <a:spcAft>
+                <a:spcPts val="0"/>
+              </a:spcAft>
+              <a:buSzPts val="1800"/>
+              <a:buChar char="•"/>
+              <a:defRPr/>
+            </a:lvl2pPr>
+            <a:lvl3pPr indent="-323850" lvl="2" marL="1371600">
+              <a:spcBef>
+                <a:spcPts val="400"/>
+              </a:spcBef>
+              <a:spcAft>
+                <a:spcPts val="0"/>
+              </a:spcAft>
+              <a:buSzPts val="1500"/>
+              <a:buChar char="•"/>
+              <a:defRPr/>
+            </a:lvl3pPr>
+            <a:lvl4pPr indent="-317500" lvl="3" marL="1828800">
+              <a:spcBef>
+                <a:spcPts val="400"/>
+              </a:spcBef>
+              <a:spcAft>
+                <a:spcPts val="0"/>
+              </a:spcAft>
+              <a:buSzPts val="1400"/>
+              <a:buChar char="•"/>
+              <a:defRPr/>
+            </a:lvl4pPr>
+            <a:lvl5pPr indent="-317500" lvl="4" marL="2286000">
+              <a:spcBef>
+                <a:spcPts val="400"/>
+              </a:spcBef>
+              <a:spcAft>
+                <a:spcPts val="0"/>
+              </a:spcAft>
+              <a:buSzPts val="1400"/>
+              <a:buChar char="•"/>
+              <a:defRPr/>
+            </a:lvl5pPr>
+            <a:lvl6pPr indent="-317500" lvl="5" marL="2743200">
+              <a:spcBef>
+                <a:spcPts val="400"/>
+              </a:spcBef>
+              <a:spcAft>
+                <a:spcPts val="0"/>
+              </a:spcAft>
+              <a:buSzPts val="1400"/>
+              <a:buChar char="•"/>
+              <a:defRPr/>
+            </a:lvl6pPr>
+            <a:lvl7pPr indent="-317500" lvl="6" marL="3200400">
+              <a:spcBef>
+                <a:spcPts val="400"/>
+              </a:spcBef>
+              <a:spcAft>
+                <a:spcPts val="0"/>
+              </a:spcAft>
+              <a:buSzPts val="1400"/>
+              <a:buChar char="•"/>
+              <a:defRPr/>
+            </a:lvl7pPr>
+            <a:lvl8pPr indent="-317500" lvl="7" marL="3657600">
+              <a:spcBef>
+                <a:spcPts val="400"/>
+              </a:spcBef>
+              <a:spcAft>
+                <a:spcPts val="0"/>
+              </a:spcAft>
+              <a:buSzPts val="1400"/>
+              <a:buChar char="•"/>
+              <a:defRPr/>
+            </a:lvl8pPr>
+            <a:lvl9pPr indent="-317500" lvl="8" marL="4114800">
+              <a:spcBef>
+                <a:spcPts val="400"/>
+              </a:spcBef>
+              <a:spcAft>
+                <a:spcPts val="0"/>
+              </a:spcAft>
+              <a:buSzPts val="1400"/>
+              <a:buChar char="•"/>
+              <a:defRPr/>
+            </a:lvl9pPr>
+          </a:lstStyle>
+          <a:p/>
+        </p:txBody>
+      </p:sp>
+      <p:sp>
+        <p:nvSpPr>
+          <p:cNvPr id="134" name="Google Shape;134;p26"/>
+          <p:cNvSpPr txBox="1"/>
+          <p:nvPr>
+            <p:ph idx="12" type="sldNum"/>
+          </p:nvPr>
+        </p:nvSpPr>
+        <p:spPr>
+          <a:xfrm>
+            <a:off x="8472458" y="4663217"/>
+            <a:ext cx="548700" cy="393600"/>
+          </a:xfrm>
+          <a:prstGeom prst="rect">
+            <a:avLst/>
+          </a:prstGeom>
+        </p:spPr>
+        <p:txBody>
+          <a:bodyPr anchorCtr="0" anchor="ctr" bIns="34275" lIns="68575" spcFirstLastPara="1" rIns="68575" wrap="square" tIns="34275">
+            <a:noAutofit/>
+          </a:bodyPr>
+          <a:lstStyle>
+            <a:lvl1pPr lvl="0">
+              <a:buNone/>
+              <a:defRPr/>
+            </a:lvl1pPr>
+            <a:lvl2pPr lvl="1">
+              <a:buNone/>
+              <a:defRPr/>
+            </a:lvl2pPr>
+            <a:lvl3pPr lvl="2">
+              <a:buNone/>
+              <a:defRPr/>
+            </a:lvl3pPr>
+            <a:lvl4pPr lvl="3">
+              <a:buNone/>
+              <a:defRPr/>
+            </a:lvl4pPr>
+            <a:lvl5pPr lvl="4">
+              <a:buNone/>
+              <a:defRPr/>
+            </a:lvl5pPr>
+            <a:lvl6pPr lvl="5">
+              <a:buNone/>
+              <a:defRPr/>
+            </a:lvl6pPr>
+            <a:lvl7pPr lvl="6">
+              <a:buNone/>
+              <a:defRPr/>
+            </a:lvl7pPr>
+            <a:lvl8pPr lvl="7">
+              <a:buNone/>
+              <a:defRPr/>
+            </a:lvl8pPr>
+            <a:lvl9pPr lvl="8">
+              <a:buNone/>
+              <a:defRPr/>
             </a:lvl9pPr>
           </a:lstStyle>
           <a:p>
@@ -19930,6 +21282,7 @@
     <p:sldLayoutId id="2147483668" r:id="rId9"/>
     <p:sldLayoutId id="2147483669" r:id="rId10"/>
     <p:sldLayoutId id="2147483670" r:id="rId11"/>
+    <p:sldLayoutId id="2147483671" r:id="rId12"/>
   </p:sldLayoutIdLst>
   <p:hf dt="0" ftr="0" hdr="0" sldNum="0"/>
   <p:txStyles>
@@ -20629,7 +21982,7 @@
   <p:cSld>
     <p:spTree>
       <p:nvGrpSpPr>
-        <p:cNvPr id="134" name="Shape 134"/>
+        <p:cNvPr id="138" name="Shape 138"/>
         <p:cNvGrpSpPr/>
         <p:nvPr/>
       </p:nvGrpSpPr>
@@ -20643,7 +21996,7 @@
       </p:grpSpPr>
       <p:sp>
         <p:nvSpPr>
-          <p:cNvPr id="135" name="Google Shape;135;p26"/>
+          <p:cNvPr id="139" name="Google Shape;139;p27"/>
           <p:cNvSpPr txBox="1"/>
           <p:nvPr>
             <p:ph type="ctrTitle"/>
@@ -20675,22 +22028,24 @@
             </a:pPr>
             <a:r>
               <a:rPr lang="en" sz="2400">
-                <a:solidFill>
-                  <a:srgbClr val="222222"/>
-                </a:solidFill>
                 <a:highlight>
                   <a:srgbClr val="FFFFFF"/>
                 </a:highlight>
+                <a:latin typeface="Times New Roman"/>
+                <a:ea typeface="Times New Roman"/>
+                <a:cs typeface="Times New Roman"/>
+                <a:sym typeface="Times New Roman"/>
               </a:rPr>
               <a:t>CSCI 325</a:t>
             </a:r>
             <a:endParaRPr sz="2400">
-              <a:solidFill>
-                <a:srgbClr val="222222"/>
-              </a:solidFill>
               <a:highlight>
                 <a:srgbClr val="FFFFFF"/>
               </a:highlight>
+              <a:latin typeface="Times New Roman"/>
+              <a:ea typeface="Times New Roman"/>
+              <a:cs typeface="Times New Roman"/>
+              <a:sym typeface="Times New Roman"/>
             </a:endParaRPr>
           </a:p>
           <a:p>
@@ -20705,22 +22060,24 @@
             </a:pPr>
             <a:r>
               <a:rPr lang="en" sz="2400">
-                <a:solidFill>
-                  <a:srgbClr val="222222"/>
-                </a:solidFill>
                 <a:highlight>
                   <a:srgbClr val="FFFFFF"/>
                 </a:highlight>
+                <a:latin typeface="Times New Roman"/>
+                <a:ea typeface="Times New Roman"/>
+                <a:cs typeface="Times New Roman"/>
+                <a:sym typeface="Times New Roman"/>
               </a:rPr>
-              <a:t>Introduction to Parallel Systems and GPU Programming</a:t>
+              <a:t>Parallel Systems and GPU Programming</a:t>
             </a:r>
             <a:endParaRPr sz="2400">
-              <a:solidFill>
-                <a:srgbClr val="222222"/>
-              </a:solidFill>
               <a:highlight>
                 <a:srgbClr val="FFFFFF"/>
               </a:highlight>
+              <a:latin typeface="Times New Roman"/>
+              <a:ea typeface="Times New Roman"/>
+              <a:cs typeface="Times New Roman"/>
+              <a:sym typeface="Times New Roman"/>
             </a:endParaRPr>
           </a:p>
           <a:p>
@@ -20737,12 +22094,13 @@
               <a:t/>
             </a:r>
             <a:endParaRPr sz="2400">
-              <a:solidFill>
-                <a:srgbClr val="222222"/>
-              </a:solidFill>
               <a:highlight>
                 <a:srgbClr val="FFFFFF"/>
               </a:highlight>
+              <a:latin typeface="Times New Roman"/>
+              <a:ea typeface="Times New Roman"/>
+              <a:cs typeface="Times New Roman"/>
+              <a:sym typeface="Times New Roman"/>
             </a:endParaRPr>
           </a:p>
           <a:p>
@@ -20757,22 +22115,24 @@
             </a:pPr>
             <a:r>
               <a:rPr lang="en" sz="2400">
-                <a:solidFill>
-                  <a:srgbClr val="222222"/>
-                </a:solidFill>
                 <a:highlight>
                   <a:srgbClr val="FFFFFF"/>
                 </a:highlight>
+                <a:latin typeface="Times New Roman"/>
+                <a:ea typeface="Times New Roman"/>
+                <a:cs typeface="Times New Roman"/>
+                <a:sym typeface="Times New Roman"/>
               </a:rPr>
               <a:t>Lecture 2</a:t>
             </a:r>
             <a:endParaRPr sz="2400">
-              <a:solidFill>
-                <a:srgbClr val="222222"/>
-              </a:solidFill>
               <a:highlight>
                 <a:srgbClr val="FFFFFF"/>
               </a:highlight>
+              <a:latin typeface="Times New Roman"/>
+              <a:ea typeface="Times New Roman"/>
+              <a:cs typeface="Times New Roman"/>
+              <a:sym typeface="Times New Roman"/>
             </a:endParaRPr>
           </a:p>
           <a:p>
@@ -20787,29 +22147,31 @@
             </a:pPr>
             <a:r>
               <a:rPr lang="en" sz="2400">
-                <a:solidFill>
-                  <a:srgbClr val="222222"/>
-                </a:solidFill>
                 <a:highlight>
                   <a:srgbClr val="FFFFFF"/>
                 </a:highlight>
+                <a:latin typeface="Times New Roman"/>
+                <a:ea typeface="Times New Roman"/>
+                <a:cs typeface="Times New Roman"/>
+                <a:sym typeface="Times New Roman"/>
               </a:rPr>
               <a:t>C++ Multithreading</a:t>
             </a:r>
             <a:endParaRPr sz="2400">
-              <a:solidFill>
-                <a:srgbClr val="222222"/>
-              </a:solidFill>
               <a:highlight>
                 <a:srgbClr val="FFFFFF"/>
               </a:highlight>
+              <a:latin typeface="Times New Roman"/>
+              <a:ea typeface="Times New Roman"/>
+              <a:cs typeface="Times New Roman"/>
+              <a:sym typeface="Times New Roman"/>
             </a:endParaRPr>
           </a:p>
         </p:txBody>
       </p:sp>
       <p:sp>
         <p:nvSpPr>
-          <p:cNvPr id="136" name="Google Shape;136;p26"/>
+          <p:cNvPr id="140" name="Google Shape;140;p27"/>
           <p:cNvSpPr txBox="1"/>
           <p:nvPr>
             <p:ph idx="1" type="subTitle"/>
@@ -20844,6 +22206,10 @@
                 <a:solidFill>
                   <a:schemeClr val="dk1"/>
                 </a:solidFill>
+                <a:latin typeface="Times New Roman"/>
+                <a:ea typeface="Times New Roman"/>
+                <a:cs typeface="Times New Roman"/>
+                <a:sym typeface="Times New Roman"/>
               </a:rPr>
               <a:t>Dr. Talgat Turanbekuly</a:t>
             </a:r>
@@ -20851,13 +22217,17 @@
               <a:solidFill>
                 <a:schemeClr val="dk1"/>
               </a:solidFill>
+              <a:latin typeface="Times New Roman"/>
+              <a:ea typeface="Times New Roman"/>
+              <a:cs typeface="Times New Roman"/>
+              <a:sym typeface="Times New Roman"/>
             </a:endParaRPr>
           </a:p>
         </p:txBody>
       </p:sp>
       <p:sp>
         <p:nvSpPr>
-          <p:cNvPr id="137" name="Google Shape;137;p26"/>
+          <p:cNvPr id="141" name="Google Shape;141;p27"/>
           <p:cNvSpPr txBox="1"/>
           <p:nvPr>
             <p:ph idx="12" type="sldNum"/>
@@ -20908,7 +22278,7 @@
   <p:cSld>
     <p:spTree>
       <p:nvGrpSpPr>
-        <p:cNvPr id="200" name="Shape 200"/>
+        <p:cNvPr id="204" name="Shape 204"/>
         <p:cNvGrpSpPr/>
         <p:nvPr/>
       </p:nvGrpSpPr>
@@ -20922,7 +22292,7 @@
       </p:grpSpPr>
       <p:sp>
         <p:nvSpPr>
-          <p:cNvPr id="201" name="Google Shape;201;p35"/>
+          <p:cNvPr id="205" name="Google Shape;205;p36"/>
           <p:cNvSpPr txBox="1"/>
           <p:nvPr>
             <p:ph type="title"/>
@@ -20938,8 +22308,8 @@
           </a:prstGeom>
         </p:spPr>
         <p:txBody>
-          <a:bodyPr anchorCtr="0" anchor="t" bIns="91425" lIns="91425" spcFirstLastPara="1" rIns="91425" wrap="square" tIns="91425">
-            <a:normAutofit fontScale="90000"/>
+          <a:bodyPr anchorCtr="0" anchor="ctr" bIns="34275" lIns="68575" spcFirstLastPara="1" rIns="68575" wrap="square" tIns="34275">
+            <a:normAutofit/>
           </a:bodyPr>
           <a:lstStyle/>
           <a:p>
@@ -20950,11 +22320,20 @@
               <a:spcAft>
                 <a:spcPts val="0"/>
               </a:spcAft>
+              <a:buClr>
+                <a:schemeClr val="dk1"/>
+              </a:buClr>
+              <a:buSzPts val="1100"/>
+              <a:buFont typeface="Arial"/>
               <a:buNone/>
             </a:pPr>
             <a:r>
               <a:rPr lang="en"/>
-              <a:t>Summary</a:t>
+              <a:t>Concurrency Problems </a:t>
+            </a:r>
+            <a:r>
+              <a:rPr b="1" lang="en"/>
+              <a:t>Deadlock</a:t>
             </a:r>
             <a:endParaRPr/>
           </a:p>
@@ -20962,7 +22341,7 @@
       </p:sp>
       <p:sp>
         <p:nvSpPr>
-          <p:cNvPr id="202" name="Google Shape;202;p35"/>
+          <p:cNvPr id="206" name="Google Shape;206;p36"/>
           <p:cNvSpPr txBox="1"/>
           <p:nvPr>
             <p:ph idx="1" type="body"/>
@@ -20971,11 +22350,360 @@
         <p:spPr>
           <a:xfrm>
             <a:off x="311700" y="1152475"/>
-            <a:ext cx="8520600" cy="3416400"/>
+            <a:ext cx="4260300" cy="3416400"/>
           </a:xfrm>
           <a:prstGeom prst="rect">
             <a:avLst/>
           </a:prstGeom>
+          <a:noFill/>
+        </p:spPr>
+        <p:txBody>
+          <a:bodyPr anchorCtr="0" anchor="t" bIns="34275" lIns="68575" spcFirstLastPara="1" rIns="68575" wrap="square" tIns="34275">
+            <a:normAutofit lnSpcReduction="20000"/>
+          </a:bodyPr>
+          <a:lstStyle/>
+          <a:p>
+            <a:pPr indent="0" lvl="0" marL="0" rtl="0" algn="l">
+              <a:spcBef>
+                <a:spcPts val="800"/>
+              </a:spcBef>
+              <a:spcAft>
+                <a:spcPts val="0"/>
+              </a:spcAft>
+              <a:buNone/>
+            </a:pPr>
+            <a:r>
+              <a:t/>
+            </a:r>
+            <a:endParaRPr u="sng">
+              <a:latin typeface="Courier New"/>
+              <a:ea typeface="Courier New"/>
+              <a:cs typeface="Courier New"/>
+              <a:sym typeface="Courier New"/>
+            </a:endParaRPr>
+          </a:p>
+          <a:p>
+            <a:pPr indent="0" lvl="0" marL="0" rtl="0" algn="l">
+              <a:spcBef>
+                <a:spcPts val="800"/>
+              </a:spcBef>
+              <a:spcAft>
+                <a:spcPts val="0"/>
+              </a:spcAft>
+              <a:buNone/>
+            </a:pPr>
+            <a:r>
+              <a:t/>
+            </a:r>
+            <a:endParaRPr u="sng">
+              <a:latin typeface="Courier New"/>
+              <a:ea typeface="Courier New"/>
+              <a:cs typeface="Courier New"/>
+              <a:sym typeface="Courier New"/>
+            </a:endParaRPr>
+          </a:p>
+          <a:p>
+            <a:pPr indent="0" lvl="0" marL="0" rtl="0" algn="l">
+              <a:spcBef>
+                <a:spcPts val="800"/>
+              </a:spcBef>
+              <a:spcAft>
+                <a:spcPts val="0"/>
+              </a:spcAft>
+              <a:buClr>
+                <a:schemeClr val="dk1"/>
+              </a:buClr>
+              <a:buSzPts val="1100"/>
+              <a:buFont typeface="Arial"/>
+              <a:buNone/>
+            </a:pPr>
+            <a:r>
+              <a:rPr lang="en" u="sng">
+                <a:solidFill>
+                  <a:schemeClr val="dk1"/>
+                </a:solidFill>
+                <a:latin typeface="Courier New"/>
+                <a:ea typeface="Courier New"/>
+                <a:cs typeface="Courier New"/>
+                <a:sym typeface="Courier New"/>
+              </a:rPr>
+              <a:t>T1</a:t>
+            </a:r>
+            <a:endParaRPr u="sng">
+              <a:solidFill>
+                <a:schemeClr val="dk1"/>
+              </a:solidFill>
+              <a:latin typeface="Courier New"/>
+              <a:ea typeface="Courier New"/>
+              <a:cs typeface="Courier New"/>
+              <a:sym typeface="Courier New"/>
+            </a:endParaRPr>
+          </a:p>
+          <a:p>
+            <a:pPr indent="0" lvl="0" marL="0" rtl="0" algn="l">
+              <a:spcBef>
+                <a:spcPts val="800"/>
+              </a:spcBef>
+              <a:spcAft>
+                <a:spcPts val="0"/>
+              </a:spcAft>
+              <a:buClr>
+                <a:schemeClr val="dk1"/>
+              </a:buClr>
+              <a:buSzPts val="1100"/>
+              <a:buFont typeface="Arial"/>
+              <a:buNone/>
+            </a:pPr>
+            <a:r>
+              <a:rPr lang="en">
+                <a:solidFill>
+                  <a:schemeClr val="dk1"/>
+                </a:solidFill>
+                <a:latin typeface="Courier New"/>
+                <a:ea typeface="Courier New"/>
+                <a:cs typeface="Courier New"/>
+                <a:sym typeface="Courier New"/>
+              </a:rPr>
+              <a:t>synchronize(A)</a:t>
+            </a:r>
+            <a:endParaRPr>
+              <a:solidFill>
+                <a:schemeClr val="dk1"/>
+              </a:solidFill>
+              <a:latin typeface="Courier New"/>
+              <a:ea typeface="Courier New"/>
+              <a:cs typeface="Courier New"/>
+              <a:sym typeface="Courier New"/>
+            </a:endParaRPr>
+          </a:p>
+          <a:p>
+            <a:pPr indent="0" lvl="0" marL="0" rtl="0" algn="l">
+              <a:spcBef>
+                <a:spcPts val="800"/>
+              </a:spcBef>
+              <a:spcAft>
+                <a:spcPts val="0"/>
+              </a:spcAft>
+              <a:buClr>
+                <a:schemeClr val="dk1"/>
+              </a:buClr>
+              <a:buSzPts val="1100"/>
+              <a:buFont typeface="Arial"/>
+              <a:buNone/>
+            </a:pPr>
+            <a:r>
+              <a:rPr lang="en">
+                <a:solidFill>
+                  <a:schemeClr val="dk1"/>
+                </a:solidFill>
+                <a:latin typeface="Courier New"/>
+                <a:ea typeface="Courier New"/>
+                <a:cs typeface="Courier New"/>
+                <a:sym typeface="Courier New"/>
+              </a:rPr>
+              <a:t>{</a:t>
+            </a:r>
+            <a:endParaRPr>
+              <a:solidFill>
+                <a:schemeClr val="dk1"/>
+              </a:solidFill>
+              <a:latin typeface="Courier New"/>
+              <a:ea typeface="Courier New"/>
+              <a:cs typeface="Courier New"/>
+              <a:sym typeface="Courier New"/>
+            </a:endParaRPr>
+          </a:p>
+          <a:p>
+            <a:pPr indent="457200" lvl="0" marL="0" rtl="0" algn="l">
+              <a:spcBef>
+                <a:spcPts val="800"/>
+              </a:spcBef>
+              <a:spcAft>
+                <a:spcPts val="0"/>
+              </a:spcAft>
+              <a:buClr>
+                <a:schemeClr val="dk1"/>
+              </a:buClr>
+              <a:buSzPts val="1100"/>
+              <a:buFont typeface="Arial"/>
+              <a:buNone/>
+            </a:pPr>
+            <a:r>
+              <a:rPr lang="en">
+                <a:solidFill>
+                  <a:schemeClr val="dk1"/>
+                </a:solidFill>
+                <a:latin typeface="Courier New"/>
+                <a:ea typeface="Courier New"/>
+                <a:cs typeface="Courier New"/>
+                <a:sym typeface="Courier New"/>
+              </a:rPr>
+              <a:t>synchronize(B)</a:t>
+            </a:r>
+            <a:endParaRPr>
+              <a:solidFill>
+                <a:schemeClr val="dk1"/>
+              </a:solidFill>
+              <a:latin typeface="Courier New"/>
+              <a:ea typeface="Courier New"/>
+              <a:cs typeface="Courier New"/>
+              <a:sym typeface="Courier New"/>
+            </a:endParaRPr>
+          </a:p>
+          <a:p>
+            <a:pPr indent="457200" lvl="0" marL="0" rtl="0" algn="l">
+              <a:spcBef>
+                <a:spcPts val="800"/>
+              </a:spcBef>
+              <a:spcAft>
+                <a:spcPts val="0"/>
+              </a:spcAft>
+              <a:buNone/>
+            </a:pPr>
+            <a:r>
+              <a:rPr lang="en">
+                <a:solidFill>
+                  <a:schemeClr val="dk1"/>
+                </a:solidFill>
+                <a:latin typeface="Courier New"/>
+                <a:ea typeface="Courier New"/>
+                <a:cs typeface="Courier New"/>
+                <a:sym typeface="Courier New"/>
+              </a:rPr>
+              <a:t>{</a:t>
+            </a:r>
+            <a:endParaRPr>
+              <a:solidFill>
+                <a:schemeClr val="dk1"/>
+              </a:solidFill>
+              <a:latin typeface="Courier New"/>
+              <a:ea typeface="Courier New"/>
+              <a:cs typeface="Courier New"/>
+              <a:sym typeface="Courier New"/>
+            </a:endParaRPr>
+          </a:p>
+          <a:p>
+            <a:pPr indent="457200" lvl="0" marL="0" rtl="0" algn="l">
+              <a:spcBef>
+                <a:spcPts val="800"/>
+              </a:spcBef>
+              <a:spcAft>
+                <a:spcPts val="0"/>
+              </a:spcAft>
+              <a:buClr>
+                <a:schemeClr val="dk1"/>
+              </a:buClr>
+              <a:buSzPts val="1100"/>
+              <a:buFont typeface="Arial"/>
+              <a:buNone/>
+            </a:pPr>
+            <a:r>
+              <a:t/>
+            </a:r>
+            <a:endParaRPr>
+              <a:solidFill>
+                <a:schemeClr val="dk1"/>
+              </a:solidFill>
+              <a:latin typeface="Courier New"/>
+              <a:ea typeface="Courier New"/>
+              <a:cs typeface="Courier New"/>
+              <a:sym typeface="Courier New"/>
+            </a:endParaRPr>
+          </a:p>
+          <a:p>
+            <a:pPr indent="457200" lvl="0" marL="0" rtl="0" algn="l">
+              <a:spcBef>
+                <a:spcPts val="800"/>
+              </a:spcBef>
+              <a:spcAft>
+                <a:spcPts val="0"/>
+              </a:spcAft>
+              <a:buClr>
+                <a:schemeClr val="dk1"/>
+              </a:buClr>
+              <a:buSzPts val="1100"/>
+              <a:buFont typeface="Arial"/>
+              <a:buNone/>
+            </a:pPr>
+            <a:r>
+              <a:rPr lang="en">
+                <a:solidFill>
+                  <a:schemeClr val="dk1"/>
+                </a:solidFill>
+                <a:latin typeface="Courier New"/>
+                <a:ea typeface="Courier New"/>
+                <a:cs typeface="Courier New"/>
+                <a:sym typeface="Courier New"/>
+              </a:rPr>
+              <a:t>}</a:t>
+            </a:r>
+            <a:endParaRPr>
+              <a:solidFill>
+                <a:schemeClr val="dk1"/>
+              </a:solidFill>
+              <a:latin typeface="Courier New"/>
+              <a:ea typeface="Courier New"/>
+              <a:cs typeface="Courier New"/>
+              <a:sym typeface="Courier New"/>
+            </a:endParaRPr>
+          </a:p>
+          <a:p>
+            <a:pPr indent="0" lvl="0" marL="0" rtl="0" algn="l">
+              <a:spcBef>
+                <a:spcPts val="800"/>
+              </a:spcBef>
+              <a:spcAft>
+                <a:spcPts val="0"/>
+              </a:spcAft>
+              <a:buClr>
+                <a:schemeClr val="dk1"/>
+              </a:buClr>
+              <a:buSzPts val="1100"/>
+              <a:buFont typeface="Arial"/>
+              <a:buNone/>
+            </a:pPr>
+            <a:r>
+              <a:rPr lang="en">
+                <a:solidFill>
+                  <a:schemeClr val="dk1"/>
+                </a:solidFill>
+                <a:latin typeface="Courier New"/>
+                <a:ea typeface="Courier New"/>
+                <a:cs typeface="Courier New"/>
+                <a:sym typeface="Courier New"/>
+              </a:rPr>
+              <a:t>}</a:t>
+            </a:r>
+            <a:endParaRPr>
+              <a:solidFill>
+                <a:schemeClr val="dk1"/>
+              </a:solidFill>
+              <a:latin typeface="Courier New"/>
+              <a:ea typeface="Courier New"/>
+              <a:cs typeface="Courier New"/>
+              <a:sym typeface="Courier New"/>
+            </a:endParaRPr>
+          </a:p>
+        </p:txBody>
+      </p:sp>
+      <p:sp>
+        <p:nvSpPr>
+          <p:cNvPr id="207" name="Google Shape;207;p36"/>
+          <p:cNvSpPr/>
+          <p:nvPr/>
+        </p:nvSpPr>
+        <p:spPr>
+          <a:xfrm>
+            <a:off x="4572000" y="1152475"/>
+            <a:ext cx="4260300" cy="3416400"/>
+          </a:xfrm>
+          <a:prstGeom prst="rect">
+            <a:avLst/>
+          </a:prstGeom>
+          <a:noFill/>
+          <a:ln>
+            <a:noFill/>
+          </a:ln>
         </p:spPr>
         <p:txBody>
           <a:bodyPr anchorCtr="0" anchor="t" bIns="91425" lIns="91425" spcFirstLastPara="1" rIns="91425" wrap="square" tIns="91425">
@@ -20984,6 +22712,9 @@
           <a:lstStyle/>
           <a:p>
             <a:pPr indent="0" lvl="0" marL="0" rtl="0" algn="l">
+              <a:lnSpc>
+                <a:spcPct val="100000"/>
+              </a:lnSpc>
               <a:spcBef>
                 <a:spcPts val="0"/>
               </a:spcBef>
@@ -20993,23 +22724,25 @@
               <a:buNone/>
             </a:pPr>
             <a:r>
-              <a:rPr lang="en" sz="2000">
-                <a:solidFill>
-                  <a:schemeClr val="dk1"/>
-                </a:solidFill>
-              </a:rPr>
-              <a:t>There are several ways to declare and operate threads in C++</a:t>
+              <a:t/>
             </a:r>
-            <a:endParaRPr sz="2000">
+            <a:endParaRPr sz="1800" u="sng">
               <a:solidFill>
-                <a:schemeClr val="dk1"/>
+                <a:schemeClr val="dk2"/>
               </a:solidFill>
+              <a:latin typeface="Courier New"/>
+              <a:ea typeface="Courier New"/>
+              <a:cs typeface="Courier New"/>
+              <a:sym typeface="Courier New"/>
             </a:endParaRPr>
           </a:p>
           <a:p>
             <a:pPr indent="0" lvl="0" marL="0" rtl="0" algn="l">
-              <a:spcBef>
-                <a:spcPts val="1200"/>
+              <a:lnSpc>
+                <a:spcPct val="115000"/>
+              </a:lnSpc>
+              <a:spcBef>
+                <a:spcPts val="0"/>
               </a:spcBef>
               <a:spcAft>
                 <a:spcPts val="0"/>
@@ -21019,83 +22752,355 @@
             <a:r>
               <a:t/>
             </a:r>
-            <a:endParaRPr sz="2000">
+            <a:endParaRPr sz="1800" u="sng">
               <a:solidFill>
-                <a:schemeClr val="dk1"/>
+                <a:schemeClr val="dk2"/>
               </a:solidFill>
+              <a:latin typeface="Courier New"/>
+              <a:ea typeface="Courier New"/>
+              <a:cs typeface="Courier New"/>
+              <a:sym typeface="Courier New"/>
             </a:endParaRPr>
           </a:p>
           <a:p>
             <a:pPr indent="0" lvl="0" marL="0" rtl="0" algn="l">
-              <a:spcBef>
-                <a:spcPts val="1200"/>
-              </a:spcBef>
-              <a:spcAft>
-                <a:spcPts val="0"/>
-              </a:spcAft>
+              <a:lnSpc>
+                <a:spcPct val="115000"/>
+              </a:lnSpc>
+              <a:spcBef>
+                <a:spcPts val="0"/>
+              </a:spcBef>
+              <a:spcAft>
+                <a:spcPts val="0"/>
+              </a:spcAft>
+              <a:buClr>
+                <a:schemeClr val="dk1"/>
+              </a:buClr>
+              <a:buSzPts val="1100"/>
+              <a:buFont typeface="Arial"/>
               <a:buNone/>
             </a:pPr>
             <a:r>
-              <a:rPr lang="en" sz="2000">
+              <a:rPr lang="en" sz="1800" u="sng">
                 <a:solidFill>
                   <a:schemeClr val="dk1"/>
                 </a:solidFill>
+                <a:latin typeface="Courier New"/>
+                <a:ea typeface="Courier New"/>
+                <a:cs typeface="Courier New"/>
+                <a:sym typeface="Courier New"/>
               </a:rPr>
-              <a:t>Thread synchronization allows only one thread to work with data</a:t>
+              <a:t>T2</a:t>
             </a:r>
-            <a:endParaRPr sz="2000">
+            <a:endParaRPr sz="1800" u="sng">
               <a:solidFill>
                 <a:schemeClr val="dk1"/>
               </a:solidFill>
+              <a:latin typeface="Courier New"/>
+              <a:ea typeface="Courier New"/>
+              <a:cs typeface="Courier New"/>
+              <a:sym typeface="Courier New"/>
             </a:endParaRPr>
           </a:p>
           <a:p>
             <a:pPr indent="0" lvl="0" marL="0" rtl="0" algn="l">
-              <a:spcBef>
-                <a:spcPts val="1200"/>
-              </a:spcBef>
-              <a:spcAft>
-                <a:spcPts val="0"/>
-              </a:spcAft>
+              <a:lnSpc>
+                <a:spcPct val="115000"/>
+              </a:lnSpc>
+              <a:spcBef>
+                <a:spcPts val="0"/>
+              </a:spcBef>
+              <a:spcAft>
+                <a:spcPts val="0"/>
+              </a:spcAft>
+              <a:buClr>
+                <a:schemeClr val="dk1"/>
+              </a:buClr>
+              <a:buSzPts val="1100"/>
+              <a:buFont typeface="Arial"/>
+              <a:buNone/>
+            </a:pPr>
+            <a:r>
+              <a:rPr lang="en" sz="1800">
+                <a:solidFill>
+                  <a:schemeClr val="dk1"/>
+                </a:solidFill>
+                <a:latin typeface="Courier New"/>
+                <a:ea typeface="Courier New"/>
+                <a:cs typeface="Courier New"/>
+                <a:sym typeface="Courier New"/>
+              </a:rPr>
+              <a:t>synchronize(B)</a:t>
+            </a:r>
+            <a:endParaRPr sz="1800">
+              <a:solidFill>
+                <a:schemeClr val="dk1"/>
+              </a:solidFill>
+              <a:latin typeface="Courier New"/>
+              <a:ea typeface="Courier New"/>
+              <a:cs typeface="Courier New"/>
+              <a:sym typeface="Courier New"/>
+            </a:endParaRPr>
+          </a:p>
+          <a:p>
+            <a:pPr indent="0" lvl="0" marL="0" rtl="0" algn="l">
+              <a:lnSpc>
+                <a:spcPct val="115000"/>
+              </a:lnSpc>
+              <a:spcBef>
+                <a:spcPts val="0"/>
+              </a:spcBef>
+              <a:spcAft>
+                <a:spcPts val="0"/>
+              </a:spcAft>
+              <a:buClr>
+                <a:schemeClr val="dk1"/>
+              </a:buClr>
+              <a:buSzPts val="1100"/>
+              <a:buFont typeface="Arial"/>
+              <a:buNone/>
+            </a:pPr>
+            <a:r>
+              <a:rPr lang="en" sz="1800">
+                <a:solidFill>
+                  <a:schemeClr val="dk1"/>
+                </a:solidFill>
+                <a:latin typeface="Courier New"/>
+                <a:ea typeface="Courier New"/>
+                <a:cs typeface="Courier New"/>
+                <a:sym typeface="Courier New"/>
+              </a:rPr>
+              <a:t>{</a:t>
+            </a:r>
+            <a:endParaRPr sz="1800">
+              <a:solidFill>
+                <a:schemeClr val="dk1"/>
+              </a:solidFill>
+              <a:latin typeface="Courier New"/>
+              <a:ea typeface="Courier New"/>
+              <a:cs typeface="Courier New"/>
+              <a:sym typeface="Courier New"/>
+            </a:endParaRPr>
+          </a:p>
+          <a:p>
+            <a:pPr indent="457200" lvl="0" marL="0" rtl="0" algn="l">
+              <a:lnSpc>
+                <a:spcPct val="115000"/>
+              </a:lnSpc>
+              <a:spcBef>
+                <a:spcPts val="0"/>
+              </a:spcBef>
+              <a:spcAft>
+                <a:spcPts val="0"/>
+              </a:spcAft>
+              <a:buClr>
+                <a:schemeClr val="dk1"/>
+              </a:buClr>
+              <a:buSzPts val="1100"/>
+              <a:buFont typeface="Arial"/>
+              <a:buNone/>
+            </a:pPr>
+            <a:r>
+              <a:rPr lang="en" sz="1800">
+                <a:solidFill>
+                  <a:schemeClr val="dk1"/>
+                </a:solidFill>
+                <a:latin typeface="Courier New"/>
+                <a:ea typeface="Courier New"/>
+                <a:cs typeface="Courier New"/>
+                <a:sym typeface="Courier New"/>
+              </a:rPr>
+              <a:t>synchronize(A)</a:t>
+            </a:r>
+            <a:endParaRPr sz="1800">
+              <a:solidFill>
+                <a:schemeClr val="dk1"/>
+              </a:solidFill>
+              <a:latin typeface="Courier New"/>
+              <a:ea typeface="Courier New"/>
+              <a:cs typeface="Courier New"/>
+              <a:sym typeface="Courier New"/>
+            </a:endParaRPr>
+          </a:p>
+          <a:p>
+            <a:pPr indent="457200" lvl="0" marL="0" rtl="0" algn="l">
+              <a:lnSpc>
+                <a:spcPct val="115000"/>
+              </a:lnSpc>
+              <a:spcBef>
+                <a:spcPts val="0"/>
+              </a:spcBef>
+              <a:spcAft>
+                <a:spcPts val="0"/>
+              </a:spcAft>
+              <a:buNone/>
+            </a:pPr>
+            <a:r>
+              <a:rPr lang="en" sz="1800">
+                <a:solidFill>
+                  <a:schemeClr val="dk1"/>
+                </a:solidFill>
+                <a:latin typeface="Courier New"/>
+                <a:ea typeface="Courier New"/>
+                <a:cs typeface="Courier New"/>
+                <a:sym typeface="Courier New"/>
+              </a:rPr>
+              <a:t>{</a:t>
+            </a:r>
+            <a:endParaRPr sz="1800">
+              <a:solidFill>
+                <a:schemeClr val="dk1"/>
+              </a:solidFill>
+              <a:latin typeface="Courier New"/>
+              <a:ea typeface="Courier New"/>
+              <a:cs typeface="Courier New"/>
+              <a:sym typeface="Courier New"/>
+            </a:endParaRPr>
+          </a:p>
+          <a:p>
+            <a:pPr indent="457200" lvl="0" marL="0" rtl="0" algn="l">
+              <a:lnSpc>
+                <a:spcPct val="115000"/>
+              </a:lnSpc>
+              <a:spcBef>
+                <a:spcPts val="0"/>
+              </a:spcBef>
+              <a:spcAft>
+                <a:spcPts val="0"/>
+              </a:spcAft>
+              <a:buClr>
+                <a:schemeClr val="dk1"/>
+              </a:buClr>
+              <a:buSzPts val="1100"/>
+              <a:buFont typeface="Arial"/>
               <a:buNone/>
             </a:pPr>
             <a:r>
               <a:t/>
             </a:r>
-            <a:endParaRPr sz="2000">
+            <a:endParaRPr sz="1800">
               <a:solidFill>
                 <a:schemeClr val="dk1"/>
               </a:solidFill>
+              <a:latin typeface="Courier New"/>
+              <a:ea typeface="Courier New"/>
+              <a:cs typeface="Courier New"/>
+              <a:sym typeface="Courier New"/>
+            </a:endParaRPr>
+          </a:p>
+          <a:p>
+            <a:pPr indent="457200" lvl="0" marL="0" rtl="0" algn="l">
+              <a:lnSpc>
+                <a:spcPct val="115000"/>
+              </a:lnSpc>
+              <a:spcBef>
+                <a:spcPts val="0"/>
+              </a:spcBef>
+              <a:spcAft>
+                <a:spcPts val="0"/>
+              </a:spcAft>
+              <a:buClr>
+                <a:schemeClr val="dk1"/>
+              </a:buClr>
+              <a:buSzPts val="1100"/>
+              <a:buFont typeface="Arial"/>
+              <a:buNone/>
+            </a:pPr>
+            <a:r>
+              <a:rPr lang="en" sz="1800">
+                <a:solidFill>
+                  <a:schemeClr val="dk1"/>
+                </a:solidFill>
+                <a:latin typeface="Courier New"/>
+                <a:ea typeface="Courier New"/>
+                <a:cs typeface="Courier New"/>
+                <a:sym typeface="Courier New"/>
+              </a:rPr>
+              <a:t>}</a:t>
+            </a:r>
+            <a:endParaRPr sz="1800">
+              <a:solidFill>
+                <a:schemeClr val="dk1"/>
+              </a:solidFill>
+              <a:latin typeface="Courier New"/>
+              <a:ea typeface="Courier New"/>
+              <a:cs typeface="Courier New"/>
+              <a:sym typeface="Courier New"/>
             </a:endParaRPr>
           </a:p>
           <a:p>
             <a:pPr indent="0" lvl="0" marL="0" rtl="0" algn="l">
-              <a:spcBef>
-                <a:spcPts val="1200"/>
-              </a:spcBef>
-              <a:spcAft>
-                <a:spcPts val="0"/>
-              </a:spcAft>
+              <a:lnSpc>
+                <a:spcPct val="115000"/>
+              </a:lnSpc>
+              <a:spcBef>
+                <a:spcPts val="0"/>
+              </a:spcBef>
+              <a:spcAft>
+                <a:spcPts val="0"/>
+              </a:spcAft>
+              <a:buClr>
+                <a:schemeClr val="dk1"/>
+              </a:buClr>
+              <a:buSzPts val="1100"/>
+              <a:buFont typeface="Arial"/>
               <a:buNone/>
             </a:pPr>
             <a:r>
-              <a:rPr lang="en" sz="2000">
+              <a:rPr lang="en" sz="1800">
                 <a:solidFill>
                   <a:schemeClr val="dk1"/>
                 </a:solidFill>
+                <a:latin typeface="Courier New"/>
+                <a:ea typeface="Courier New"/>
+                <a:cs typeface="Courier New"/>
+                <a:sym typeface="Courier New"/>
               </a:rPr>
-              <a:t>Thread synchronization prevents unpredictable results</a:t>
+              <a:t>}</a:t>
             </a:r>
-            <a:endParaRPr sz="2000">
+            <a:endParaRPr>
               <a:solidFill>
                 <a:schemeClr val="dk1"/>
               </a:solidFill>
+              <a:latin typeface="Courier New"/>
+              <a:ea typeface="Courier New"/>
+              <a:cs typeface="Courier New"/>
+              <a:sym typeface="Courier New"/>
             </a:endParaRPr>
           </a:p>
+        </p:txBody>
+      </p:sp>
+      <p:sp>
+        <p:nvSpPr>
+          <p:cNvPr id="208" name="Google Shape;208;p36"/>
+          <p:cNvSpPr txBox="1"/>
+          <p:nvPr/>
+        </p:nvSpPr>
+        <p:spPr>
+          <a:xfrm>
+            <a:off x="0" y="1017725"/>
+            <a:ext cx="9144000" cy="780300"/>
+          </a:xfrm>
+          <a:prstGeom prst="rect">
+            <a:avLst/>
+          </a:prstGeom>
+          <a:noFill/>
+          <a:ln>
+            <a:noFill/>
+          </a:ln>
+        </p:spPr>
+        <p:txBody>
+          <a:bodyPr anchorCtr="0" anchor="t" bIns="91425" lIns="91425" spcFirstLastPara="1" rIns="91425" wrap="square" tIns="91425">
+            <a:spAutoFit/>
+          </a:bodyPr>
+          <a:lstStyle/>
           <a:p>
             <a:pPr indent="0" lvl="0" marL="0" rtl="0" algn="l">
-              <a:spcBef>
-                <a:spcPts val="1200"/>
+              <a:lnSpc>
+                <a:spcPct val="115000"/>
+              </a:lnSpc>
+              <a:spcBef>
+                <a:spcPts val="0"/>
               </a:spcBef>
               <a:spcAft>
                 <a:spcPts val="1200"/>
@@ -21103,9 +23108,14 @@
               <a:buNone/>
             </a:pPr>
             <a:r>
-              <a:t/>
+              <a:rPr lang="en" sz="1800">
+                <a:solidFill>
+                  <a:schemeClr val="dk1"/>
+                </a:solidFill>
+              </a:rPr>
+              <a:t>Two or more threads get some resources (lock) and then wait each other indefinitely to release the lock. It happens when threads acquire the lock in different order. </a:t>
             </a:r>
-            <a:endParaRPr sz="2000"/>
+            <a:endParaRPr/>
           </a:p>
         </p:txBody>
       </p:sp>
@@ -21118,236 +23128,6 @@
 </file>
 
 <file path=ppt/slides/slide11.xml><?xml version="1.0" encoding="utf-8"?>
-<p:sld xmlns:a="http://schemas.openxmlformats.org/drawingml/2006/main" xmlns:r="http://schemas.openxmlformats.org/officeDocument/2006/relationships" xmlns:mc="http://schemas.openxmlformats.org/markup-compatibility/2006" xmlns:mv="urn:schemas-microsoft-com:mac:vml" xmlns:p="http://schemas.openxmlformats.org/presentationml/2006/main" xmlns:c="http://schemas.openxmlformats.org/drawingml/2006/chart" xmlns:dgm="http://schemas.openxmlformats.org/drawingml/2006/diagram" xmlns:o="urn:schemas-microsoft-com:office:office" xmlns:v="urn:schemas-microsoft-com:vml" xmlns:pvml="urn:schemas-microsoft-com:office:powerpoint" xmlns:com="http://schemas.openxmlformats.org/drawingml/2006/compatibility" xmlns:p14="http://schemas.microsoft.com/office/powerpoint/2010/main" xmlns:p15="http://schemas.microsoft.com/office/powerpoint/2012/main" xmlns:ahyp="http://schemas.microsoft.com/office/drawing/2018/hyperlinkcolor">
-  <p:cSld>
-    <p:spTree>
-      <p:nvGrpSpPr>
-        <p:cNvPr id="206" name="Shape 206"/>
-        <p:cNvGrpSpPr/>
-        <p:nvPr/>
-      </p:nvGrpSpPr>
-      <p:grpSpPr>
-        <a:xfrm>
-          <a:off x="0" y="0"/>
-          <a:ext cx="0" cy="0"/>
-          <a:chOff x="0" y="0"/>
-          <a:chExt cx="0" cy="0"/>
-        </a:xfrm>
-      </p:grpSpPr>
-      <p:sp>
-        <p:nvSpPr>
-          <p:cNvPr id="207" name="Google Shape;207;p36"/>
-          <p:cNvSpPr txBox="1"/>
-          <p:nvPr>
-            <p:ph type="title"/>
-          </p:nvPr>
-        </p:nvSpPr>
-        <p:spPr>
-          <a:xfrm>
-            <a:off x="311700" y="445025"/>
-            <a:ext cx="8520600" cy="572700"/>
-          </a:xfrm>
-          <a:prstGeom prst="rect">
-            <a:avLst/>
-          </a:prstGeom>
-        </p:spPr>
-        <p:txBody>
-          <a:bodyPr anchorCtr="0" anchor="t" bIns="91425" lIns="91425" spcFirstLastPara="1" rIns="91425" wrap="square" tIns="91425">
-            <a:normAutofit fontScale="90000"/>
-          </a:bodyPr>
-          <a:lstStyle/>
-          <a:p>
-            <a:pPr indent="0" lvl="0" marL="0" rtl="0" algn="l">
-              <a:spcBef>
-                <a:spcPts val="0"/>
-              </a:spcBef>
-              <a:spcAft>
-                <a:spcPts val="0"/>
-              </a:spcAft>
-              <a:buNone/>
-            </a:pPr>
-            <a:r>
-              <a:rPr lang="en"/>
-              <a:t>Resources</a:t>
-            </a:r>
-            <a:endParaRPr/>
-          </a:p>
-        </p:txBody>
-      </p:sp>
-      <p:sp>
-        <p:nvSpPr>
-          <p:cNvPr id="208" name="Google Shape;208;p36"/>
-          <p:cNvSpPr txBox="1"/>
-          <p:nvPr>
-            <p:ph idx="1" type="body"/>
-          </p:nvPr>
-        </p:nvSpPr>
-        <p:spPr>
-          <a:xfrm>
-            <a:off x="311700" y="1152475"/>
-            <a:ext cx="8520600" cy="3416400"/>
-          </a:xfrm>
-          <a:prstGeom prst="rect">
-            <a:avLst/>
-          </a:prstGeom>
-        </p:spPr>
-        <p:txBody>
-          <a:bodyPr anchorCtr="0" anchor="t" bIns="91425" lIns="91425" spcFirstLastPara="1" rIns="91425" wrap="square" tIns="91425">
-            <a:normAutofit/>
-          </a:bodyPr>
-          <a:lstStyle/>
-          <a:p>
-            <a:pPr indent="0" lvl="0" marL="0" rtl="0" algn="l">
-              <a:lnSpc>
-                <a:spcPct val="100000"/>
-              </a:lnSpc>
-              <a:spcBef>
-                <a:spcPts val="0"/>
-              </a:spcBef>
-              <a:spcAft>
-                <a:spcPts val="0"/>
-              </a:spcAft>
-              <a:buNone/>
-            </a:pPr>
-            <a:r>
-              <a:rPr lang="en">
-                <a:solidFill>
-                  <a:schemeClr val="dk1"/>
-                </a:solidFill>
-              </a:rPr>
-              <a:t>Paul J. Deitel. C++20 Fundamentals, 3rd Edition. 202</a:t>
-            </a:r>
-            <a:r>
-              <a:rPr lang="en">
-                <a:solidFill>
-                  <a:schemeClr val="dk1"/>
-                </a:solidFill>
-              </a:rPr>
-              <a:t>4</a:t>
-            </a:r>
-            <a:r>
-              <a:rPr lang="en">
-                <a:solidFill>
-                  <a:schemeClr val="dk1"/>
-                </a:solidFill>
-              </a:rPr>
-              <a:t>;</a:t>
-            </a:r>
-            <a:endParaRPr>
-              <a:solidFill>
-                <a:schemeClr val="dk1"/>
-              </a:solidFill>
-            </a:endParaRPr>
-          </a:p>
-          <a:p>
-            <a:pPr indent="0" lvl="0" marL="0" rtl="0" algn="l">
-              <a:lnSpc>
-                <a:spcPct val="100000"/>
-              </a:lnSpc>
-              <a:spcBef>
-                <a:spcPts val="0"/>
-              </a:spcBef>
-              <a:spcAft>
-                <a:spcPts val="0"/>
-              </a:spcAft>
-              <a:buNone/>
-            </a:pPr>
-            <a:r>
-              <a:t/>
-            </a:r>
-            <a:endParaRPr>
-              <a:solidFill>
-                <a:schemeClr val="dk1"/>
-              </a:solidFill>
-            </a:endParaRPr>
-          </a:p>
-          <a:p>
-            <a:pPr indent="0" lvl="0" marL="0" rtl="0" algn="l">
-              <a:lnSpc>
-                <a:spcPct val="100000"/>
-              </a:lnSpc>
-              <a:spcBef>
-                <a:spcPts val="0"/>
-              </a:spcBef>
-              <a:spcAft>
-                <a:spcPts val="0"/>
-              </a:spcAft>
-              <a:buNone/>
-            </a:pPr>
-            <a:r>
-              <a:rPr lang="en">
-                <a:solidFill>
-                  <a:schemeClr val="dk1"/>
-                </a:solidFill>
-              </a:rPr>
-              <a:t>Harvey Deitel, and Paul J. Deitel. C++20 for Programmers: An Object's-Natural Approach, 3rd Edition, 2022;</a:t>
-            </a:r>
-            <a:endParaRPr>
-              <a:solidFill>
-                <a:schemeClr val="dk1"/>
-              </a:solidFill>
-            </a:endParaRPr>
-          </a:p>
-          <a:p>
-            <a:pPr indent="0" lvl="0" marL="0" rtl="0" algn="l">
-              <a:lnSpc>
-                <a:spcPct val="100000"/>
-              </a:lnSpc>
-              <a:spcBef>
-                <a:spcPts val="0"/>
-              </a:spcBef>
-              <a:spcAft>
-                <a:spcPts val="0"/>
-              </a:spcAft>
-              <a:buNone/>
-            </a:pPr>
-            <a:r>
-              <a:t/>
-            </a:r>
-            <a:endParaRPr>
-              <a:solidFill>
-                <a:schemeClr val="dk1"/>
-              </a:solidFill>
-            </a:endParaRPr>
-          </a:p>
-          <a:p>
-            <a:pPr indent="0" lvl="0" marL="0" rtl="0" algn="l">
-              <a:lnSpc>
-                <a:spcPct val="100000"/>
-              </a:lnSpc>
-              <a:spcBef>
-                <a:spcPts val="0"/>
-              </a:spcBef>
-              <a:spcAft>
-                <a:spcPts val="0"/>
-              </a:spcAft>
-              <a:buNone/>
-            </a:pPr>
-            <a:r>
-              <a:rPr lang="en">
-                <a:solidFill>
-                  <a:schemeClr val="dk1"/>
-                </a:solidFill>
-              </a:rPr>
-              <a:t>Anthony Williams. C++ Concurrency in Action, Second Edition, 2019;</a:t>
-            </a:r>
-            <a:endParaRPr>
-              <a:solidFill>
-                <a:schemeClr val="dk1"/>
-              </a:solidFill>
-            </a:endParaRPr>
-          </a:p>
-        </p:txBody>
-      </p:sp>
-    </p:spTree>
-  </p:cSld>
-  <p:clrMapOvr>
-    <a:masterClrMapping/>
-  </p:clrMapOvr>
-</p:sld>
-</file>
-
-<file path=ppt/slides/slide12.xml><?xml version="1.0" encoding="utf-8"?>
 <p:sld xmlns:a="http://schemas.openxmlformats.org/drawingml/2006/main" xmlns:r="http://schemas.openxmlformats.org/officeDocument/2006/relationships" xmlns:mc="http://schemas.openxmlformats.org/markup-compatibility/2006" xmlns:mv="urn:schemas-microsoft-com:mac:vml" xmlns:p="http://schemas.openxmlformats.org/presentationml/2006/main" xmlns:c="http://schemas.openxmlformats.org/drawingml/2006/chart" xmlns:dgm="http://schemas.openxmlformats.org/drawingml/2006/diagram" xmlns:o="urn:schemas-microsoft-com:office:office" xmlns:v="urn:schemas-microsoft-com:vml" xmlns:pvml="urn:schemas-microsoft-com:office:powerpoint" xmlns:com="http://schemas.openxmlformats.org/drawingml/2006/compatibility" xmlns:p14="http://schemas.microsoft.com/office/powerpoint/2010/main" xmlns:p15="http://schemas.microsoft.com/office/powerpoint/2012/main" xmlns:ahyp="http://schemas.microsoft.com/office/drawing/2018/hyperlinkcolor">
   <p:cSld>
     <p:spTree>
@@ -21382,8 +23162,8 @@
           </a:prstGeom>
         </p:spPr>
         <p:txBody>
-          <a:bodyPr anchorCtr="0" anchor="t" bIns="91425" lIns="91425" spcFirstLastPara="1" rIns="91425" wrap="square" tIns="91425">
-            <a:normAutofit fontScale="90000"/>
+          <a:bodyPr anchorCtr="0" anchor="ctr" bIns="34275" lIns="68575" spcFirstLastPara="1" rIns="68575" wrap="square" tIns="34275">
+            <a:normAutofit/>
           </a:bodyPr>
           <a:lstStyle/>
           <a:p>
@@ -21398,7 +23178,15 @@
             </a:pPr>
             <a:r>
               <a:rPr lang="en"/>
-              <a:t>HPC, CUDA internships, jobs</a:t>
+              <a:t>Concurrency Problems </a:t>
+            </a:r>
+            <a:r>
+              <a:rPr b="1" lang="en"/>
+              <a:t>Deadlock Example</a:t>
+            </a:r>
+            <a:r>
+              <a:rPr lang="en"/>
+              <a:t> </a:t>
             </a:r>
             <a:endParaRPr/>
           </a:p>
@@ -21422,18 +23210,43 @@
           </a:prstGeom>
         </p:spPr>
         <p:txBody>
-          <a:bodyPr anchorCtr="0" anchor="t" bIns="91425" lIns="91425" spcFirstLastPara="1" rIns="91425" wrap="square" tIns="91425">
+          <a:bodyPr anchorCtr="0" anchor="t" bIns="34275" lIns="68575" spcFirstLastPara="1" rIns="68575" wrap="square" tIns="34275">
             <a:normAutofit/>
           </a:bodyPr>
           <a:lstStyle/>
           <a:p>
             <a:pPr indent="0" lvl="0" marL="0" rtl="0" algn="l">
               <a:spcBef>
-                <a:spcPts val="0"/>
-              </a:spcBef>
-              <a:spcAft>
-                <a:spcPts val="0"/>
-              </a:spcAft>
+                <a:spcPts val="800"/>
+              </a:spcBef>
+              <a:spcAft>
+                <a:spcPts val="0"/>
+              </a:spcAft>
+              <a:buClr>
+                <a:schemeClr val="dk1"/>
+              </a:buClr>
+              <a:buSzPts val="1100"/>
+              <a:buFont typeface="Arial"/>
+              <a:buNone/>
+            </a:pPr>
+            <a:r>
+              <a:t/>
+            </a:r>
+            <a:endParaRPr/>
+          </a:p>
+          <a:p>
+            <a:pPr indent="0" lvl="0" marL="0" rtl="0" algn="l">
+              <a:spcBef>
+                <a:spcPts val="800"/>
+              </a:spcBef>
+              <a:spcAft>
+                <a:spcPts val="0"/>
+              </a:spcAft>
+              <a:buClr>
+                <a:schemeClr val="dk1"/>
+              </a:buClr>
+              <a:buSzPts val="1100"/>
+              <a:buFont typeface="Arial"/>
               <a:buNone/>
             </a:pPr>
             <a:r>
@@ -21443,22 +23256,23 @@
                 </a:solidFill>
                 <a:hlinkClick r:id="rId3"/>
               </a:rPr>
-              <a:t>https://scholarshipdb.net/scholarships?q=cuda&amp;listed=Last-24-hours</a:t>
+              <a:t>C++ Deadlock example</a:t>
             </a:r>
-            <a:endParaRPr>
-              <a:solidFill>
-                <a:schemeClr val="dk1"/>
-              </a:solidFill>
-            </a:endParaRPr>
+            <a:endParaRPr/>
           </a:p>
           <a:p>
-            <a:pPr indent="0" lvl="0" marL="0" rtl="0" algn="l">
-              <a:spcBef>
-                <a:spcPts val="1200"/>
-              </a:spcBef>
-              <a:spcAft>
-                <a:spcPts val="0"/>
-              </a:spcAft>
+            <a:pPr indent="0" lvl="0" marL="0" rtl="0" algn="ctr">
+              <a:spcBef>
+                <a:spcPts val="800"/>
+              </a:spcBef>
+              <a:spcAft>
+                <a:spcPts val="0"/>
+              </a:spcAft>
+              <a:buClr>
+                <a:schemeClr val="dk1"/>
+              </a:buClr>
+              <a:buSzPts val="1100"/>
+              <a:buFont typeface="Arial"/>
               <a:buNone/>
             </a:pPr>
             <a:r>
@@ -21473,21 +23287,25 @@
           <a:p>
             <a:pPr indent="0" lvl="0" marL="0" rtl="0" algn="l">
               <a:spcBef>
-                <a:spcPts val="1200"/>
-              </a:spcBef>
-              <a:spcAft>
-                <a:spcPts val="0"/>
-              </a:spcAft>
+                <a:spcPts val="800"/>
+              </a:spcBef>
+              <a:spcAft>
+                <a:spcPts val="0"/>
+              </a:spcAft>
+              <a:buClr>
+                <a:schemeClr val="dk1"/>
+              </a:buClr>
+              <a:buSzPts val="1100"/>
+              <a:buFont typeface="Arial"/>
               <a:buNone/>
             </a:pPr>
             <a:r>
-              <a:rPr lang="en" u="sng">
-                <a:solidFill>
-                  <a:schemeClr val="hlink"/>
-                </a:solidFill>
-                <a:hlinkClick r:id="rId4"/>
+              <a:rPr lang="en">
+                <a:solidFill>
+                  <a:schemeClr val="dk1"/>
+                </a:solidFill>
               </a:rPr>
-              <a:t>https://scholarshipdb.net/scholarships?q=gpu&amp;listed=Last-24-hours</a:t>
+              <a:t>offer your solutions</a:t>
             </a:r>
             <a:endParaRPr>
               <a:solidFill>
@@ -21496,13 +23314,18 @@
             </a:endParaRPr>
           </a:p>
           <a:p>
-            <a:pPr indent="0" lvl="0" marL="0" rtl="0" algn="l">
-              <a:spcBef>
-                <a:spcPts val="1200"/>
-              </a:spcBef>
-              <a:spcAft>
-                <a:spcPts val="0"/>
-              </a:spcAft>
+            <a:pPr indent="0" lvl="0" marL="0" rtl="0" algn="ctr">
+              <a:spcBef>
+                <a:spcPts val="800"/>
+              </a:spcBef>
+              <a:spcAft>
+                <a:spcPts val="0"/>
+              </a:spcAft>
+              <a:buClr>
+                <a:schemeClr val="dk1"/>
+              </a:buClr>
+              <a:buSzPts val="1100"/>
+              <a:buFont typeface="Arial"/>
               <a:buNone/>
             </a:pPr>
             <a:r>
@@ -21515,12 +23338,12 @@
             </a:endParaRPr>
           </a:p>
           <a:p>
-            <a:pPr indent="0" lvl="0" marL="0" rtl="0" algn="l">
-              <a:spcBef>
-                <a:spcPts val="1200"/>
-              </a:spcBef>
-              <a:spcAft>
-                <a:spcPts val="1200"/>
+            <a:pPr indent="0" lvl="0" marL="0" rtl="0" algn="ctr">
+              <a:spcBef>
+                <a:spcPts val="800"/>
+              </a:spcBef>
+              <a:spcAft>
+                <a:spcPts val="0"/>
               </a:spcAft>
               <a:buClr>
                 <a:schemeClr val="dk1"/>
@@ -21530,12 +23353,7 @@
               <a:buNone/>
             </a:pPr>
             <a:r>
-              <a:rPr lang="en">
-                <a:solidFill>
-                  <a:schemeClr val="dk1"/>
-                </a:solidFill>
-              </a:rPr>
-              <a:t>sign up to learn.nvidia.com</a:t>
+              <a:t/>
             </a:r>
             <a:endParaRPr>
               <a:solidFill>
@@ -21553,12 +23371,12 @@
 </p:sld>
 </file>
 
-<file path=ppt/slides/slide2.xml><?xml version="1.0" encoding="utf-8"?>
+<file path=ppt/slides/slide12.xml><?xml version="1.0" encoding="utf-8"?>
 <p:sld xmlns:a="http://schemas.openxmlformats.org/drawingml/2006/main" xmlns:r="http://schemas.openxmlformats.org/officeDocument/2006/relationships" xmlns:mc="http://schemas.openxmlformats.org/markup-compatibility/2006" xmlns:mv="urn:schemas-microsoft-com:mac:vml" xmlns:p="http://schemas.openxmlformats.org/presentationml/2006/main" xmlns:c="http://schemas.openxmlformats.org/drawingml/2006/chart" xmlns:dgm="http://schemas.openxmlformats.org/drawingml/2006/diagram" xmlns:o="urn:schemas-microsoft-com:office:office" xmlns:v="urn:schemas-microsoft-com:vml" xmlns:pvml="urn:schemas-microsoft-com:office:powerpoint" xmlns:com="http://schemas.openxmlformats.org/drawingml/2006/compatibility" xmlns:p14="http://schemas.microsoft.com/office/powerpoint/2010/main" xmlns:p15="http://schemas.microsoft.com/office/powerpoint/2012/main" xmlns:ahyp="http://schemas.microsoft.com/office/drawing/2018/hyperlinkcolor">
   <p:cSld>
     <p:spTree>
       <p:nvGrpSpPr>
-        <p:cNvPr id="141" name="Shape 141"/>
+        <p:cNvPr id="218" name="Shape 218"/>
         <p:cNvGrpSpPr/>
         <p:nvPr/>
       </p:nvGrpSpPr>
@@ -21572,7 +23390,3661 @@
       </p:grpSpPr>
       <p:sp>
         <p:nvSpPr>
-          <p:cNvPr id="142" name="Google Shape;142;p27"/>
+          <p:cNvPr id="219" name="Google Shape;219;p38"/>
+          <p:cNvSpPr txBox="1"/>
+          <p:nvPr>
+            <p:ph type="title"/>
+          </p:nvPr>
+        </p:nvSpPr>
+        <p:spPr>
+          <a:xfrm>
+            <a:off x="311700" y="445025"/>
+            <a:ext cx="8520600" cy="572700"/>
+          </a:xfrm>
+          <a:prstGeom prst="rect">
+            <a:avLst/>
+          </a:prstGeom>
+        </p:spPr>
+        <p:txBody>
+          <a:bodyPr anchorCtr="0" anchor="ctr" bIns="34275" lIns="68575" spcFirstLastPara="1" rIns="68575" wrap="square" tIns="34275">
+            <a:normAutofit/>
+          </a:bodyPr>
+          <a:lstStyle/>
+          <a:p>
+            <a:pPr indent="0" lvl="0" marL="0" rtl="0" algn="l">
+              <a:spcBef>
+                <a:spcPts val="0"/>
+              </a:spcBef>
+              <a:spcAft>
+                <a:spcPts val="0"/>
+              </a:spcAft>
+              <a:buNone/>
+            </a:pPr>
+            <a:r>
+              <a:rPr lang="en"/>
+              <a:t>Concurrency Problems </a:t>
+            </a:r>
+            <a:r>
+              <a:rPr b="1" lang="en"/>
+              <a:t>Deadlock Solutions</a:t>
+            </a:r>
+            <a:r>
+              <a:rPr lang="en"/>
+              <a:t> </a:t>
+            </a:r>
+            <a:endParaRPr/>
+          </a:p>
+        </p:txBody>
+      </p:sp>
+      <p:sp>
+        <p:nvSpPr>
+          <p:cNvPr id="220" name="Google Shape;220;p38"/>
+          <p:cNvSpPr txBox="1"/>
+          <p:nvPr>
+            <p:ph idx="1" type="body"/>
+          </p:nvPr>
+        </p:nvSpPr>
+        <p:spPr>
+          <a:xfrm>
+            <a:off x="311700" y="1152475"/>
+            <a:ext cx="8520600" cy="3416400"/>
+          </a:xfrm>
+          <a:prstGeom prst="rect">
+            <a:avLst/>
+          </a:prstGeom>
+        </p:spPr>
+        <p:txBody>
+          <a:bodyPr anchorCtr="0" anchor="t" bIns="34275" lIns="68575" spcFirstLastPara="1" rIns="68575" wrap="square" tIns="34275">
+            <a:normAutofit/>
+          </a:bodyPr>
+          <a:lstStyle/>
+          <a:p>
+            <a:pPr indent="-457200" lvl="0" marL="457200" rtl="0" algn="l">
+              <a:spcBef>
+                <a:spcPts val="800"/>
+              </a:spcBef>
+              <a:spcAft>
+                <a:spcPts val="0"/>
+              </a:spcAft>
+              <a:buClr>
+                <a:schemeClr val="dk1"/>
+              </a:buClr>
+              <a:buSzPts val="3600"/>
+              <a:buChar char="•"/>
+            </a:pPr>
+            <a:r>
+              <a:rPr lang="en" sz="3600">
+                <a:solidFill>
+                  <a:schemeClr val="dk1"/>
+                </a:solidFill>
+              </a:rPr>
+              <a:t>Try not to use block threads within each other (cycles, nests)</a:t>
+            </a:r>
+            <a:endParaRPr sz="3600">
+              <a:solidFill>
+                <a:schemeClr val="dk1"/>
+              </a:solidFill>
+            </a:endParaRPr>
+          </a:p>
+          <a:p>
+            <a:pPr indent="-457200" lvl="0" marL="457200" rtl="0" algn="l">
+              <a:spcBef>
+                <a:spcPts val="800"/>
+              </a:spcBef>
+              <a:spcAft>
+                <a:spcPts val="0"/>
+              </a:spcAft>
+              <a:buClr>
+                <a:schemeClr val="dk1"/>
+              </a:buClr>
+              <a:buSzPts val="3600"/>
+              <a:buChar char="•"/>
+            </a:pPr>
+            <a:r>
+              <a:rPr lang="en" sz="3600">
+                <a:solidFill>
+                  <a:schemeClr val="dk1"/>
+                </a:solidFill>
+              </a:rPr>
+              <a:t>Use timed waiting to avoid indefinite block</a:t>
+            </a:r>
+            <a:endParaRPr sz="3600">
+              <a:solidFill>
+                <a:schemeClr val="dk1"/>
+              </a:solidFill>
+            </a:endParaRPr>
+          </a:p>
+          <a:p>
+            <a:pPr indent="-457200" lvl="0" marL="457200" rtl="0" algn="l">
+              <a:spcBef>
+                <a:spcPts val="800"/>
+              </a:spcBef>
+              <a:spcAft>
+                <a:spcPts val="0"/>
+              </a:spcAft>
+              <a:buClr>
+                <a:schemeClr val="dk1"/>
+              </a:buClr>
+              <a:buSzPts val="3600"/>
+              <a:buChar char="•"/>
+            </a:pPr>
+            <a:r>
+              <a:rPr lang="en" sz="3600">
+                <a:solidFill>
+                  <a:schemeClr val="dk1"/>
+                </a:solidFill>
+              </a:rPr>
+              <a:t>Any other?</a:t>
+            </a:r>
+            <a:endParaRPr sz="3600">
+              <a:solidFill>
+                <a:schemeClr val="dk1"/>
+              </a:solidFill>
+            </a:endParaRPr>
+          </a:p>
+        </p:txBody>
+      </p:sp>
+    </p:spTree>
+  </p:cSld>
+  <p:clrMapOvr>
+    <a:masterClrMapping/>
+  </p:clrMapOvr>
+</p:sld>
+</file>
+
+<file path=ppt/slides/slide13.xml><?xml version="1.0" encoding="utf-8"?>
+<p:sld xmlns:a="http://schemas.openxmlformats.org/drawingml/2006/main" xmlns:r="http://schemas.openxmlformats.org/officeDocument/2006/relationships" xmlns:mc="http://schemas.openxmlformats.org/markup-compatibility/2006" xmlns:mv="urn:schemas-microsoft-com:mac:vml" xmlns:p="http://schemas.openxmlformats.org/presentationml/2006/main" xmlns:c="http://schemas.openxmlformats.org/drawingml/2006/chart" xmlns:dgm="http://schemas.openxmlformats.org/drawingml/2006/diagram" xmlns:o="urn:schemas-microsoft-com:office:office" xmlns:v="urn:schemas-microsoft-com:vml" xmlns:pvml="urn:schemas-microsoft-com:office:powerpoint" xmlns:com="http://schemas.openxmlformats.org/drawingml/2006/compatibility" xmlns:p14="http://schemas.microsoft.com/office/powerpoint/2010/main" xmlns:p15="http://schemas.microsoft.com/office/powerpoint/2012/main" xmlns:ahyp="http://schemas.microsoft.com/office/drawing/2018/hyperlinkcolor">
+  <p:cSld>
+    <p:spTree>
+      <p:nvGrpSpPr>
+        <p:cNvPr id="224" name="Shape 224"/>
+        <p:cNvGrpSpPr/>
+        <p:nvPr/>
+      </p:nvGrpSpPr>
+      <p:grpSpPr>
+        <a:xfrm>
+          <a:off x="0" y="0"/>
+          <a:ext cx="0" cy="0"/>
+          <a:chOff x="0" y="0"/>
+          <a:chExt cx="0" cy="0"/>
+        </a:xfrm>
+      </p:grpSpPr>
+      <p:sp>
+        <p:nvSpPr>
+          <p:cNvPr id="225" name="Google Shape;225;p39"/>
+          <p:cNvSpPr txBox="1"/>
+          <p:nvPr>
+            <p:ph type="title"/>
+          </p:nvPr>
+        </p:nvSpPr>
+        <p:spPr>
+          <a:xfrm>
+            <a:off x="311700" y="445025"/>
+            <a:ext cx="8520600" cy="572700"/>
+          </a:xfrm>
+          <a:prstGeom prst="rect">
+            <a:avLst/>
+          </a:prstGeom>
+        </p:spPr>
+        <p:txBody>
+          <a:bodyPr anchorCtr="0" anchor="ctr" bIns="34275" lIns="68575" spcFirstLastPara="1" rIns="68575" wrap="square" tIns="34275">
+            <a:normAutofit/>
+          </a:bodyPr>
+          <a:lstStyle/>
+          <a:p>
+            <a:pPr indent="0" lvl="0" marL="0" rtl="0" algn="l">
+              <a:spcBef>
+                <a:spcPts val="0"/>
+              </a:spcBef>
+              <a:spcAft>
+                <a:spcPts val="0"/>
+              </a:spcAft>
+              <a:buNone/>
+            </a:pPr>
+            <a:r>
+              <a:rPr lang="en"/>
+              <a:t>Concurrency Problems </a:t>
+            </a:r>
+            <a:r>
+              <a:rPr b="1" lang="en"/>
+              <a:t>Livelock</a:t>
+            </a:r>
+            <a:endParaRPr/>
+          </a:p>
+        </p:txBody>
+      </p:sp>
+      <p:sp>
+        <p:nvSpPr>
+          <p:cNvPr id="226" name="Google Shape;226;p39"/>
+          <p:cNvSpPr txBox="1"/>
+          <p:nvPr>
+            <p:ph idx="1" type="body"/>
+          </p:nvPr>
+        </p:nvSpPr>
+        <p:spPr>
+          <a:xfrm>
+            <a:off x="311700" y="1152475"/>
+            <a:ext cx="2644800" cy="3416400"/>
+          </a:xfrm>
+          <a:prstGeom prst="rect">
+            <a:avLst/>
+          </a:prstGeom>
+        </p:spPr>
+        <p:txBody>
+          <a:bodyPr anchorCtr="0" anchor="t" bIns="34275" lIns="68575" spcFirstLastPara="1" rIns="68575" wrap="square" tIns="34275">
+            <a:normAutofit lnSpcReduction="10000"/>
+          </a:bodyPr>
+          <a:lstStyle/>
+          <a:p>
+            <a:pPr indent="0" lvl="0" marL="0" rtl="0" algn="ctr">
+              <a:spcBef>
+                <a:spcPts val="800"/>
+              </a:spcBef>
+              <a:spcAft>
+                <a:spcPts val="0"/>
+              </a:spcAft>
+              <a:buNone/>
+            </a:pPr>
+            <a:r>
+              <a:rPr b="1" lang="en">
+                <a:solidFill>
+                  <a:schemeClr val="dk1"/>
+                </a:solidFill>
+              </a:rPr>
+              <a:t>THREAD 1</a:t>
+            </a:r>
+            <a:endParaRPr b="1">
+              <a:solidFill>
+                <a:schemeClr val="dk1"/>
+              </a:solidFill>
+            </a:endParaRPr>
+          </a:p>
+          <a:p>
+            <a:pPr indent="0" lvl="0" marL="0" rtl="0" algn="l">
+              <a:spcBef>
+                <a:spcPts val="800"/>
+              </a:spcBef>
+              <a:spcAft>
+                <a:spcPts val="0"/>
+              </a:spcAft>
+              <a:buNone/>
+            </a:pPr>
+            <a:r>
+              <a:rPr lang="en">
+                <a:solidFill>
+                  <a:schemeClr val="dk1"/>
+                </a:solidFill>
+                <a:latin typeface="Courier New"/>
+                <a:ea typeface="Courier New"/>
+                <a:cs typeface="Courier New"/>
+                <a:sym typeface="Courier New"/>
+              </a:rPr>
+              <a:t>while(y &lt; 2)</a:t>
+            </a:r>
+            <a:endParaRPr>
+              <a:solidFill>
+                <a:schemeClr val="dk1"/>
+              </a:solidFill>
+              <a:latin typeface="Courier New"/>
+              <a:ea typeface="Courier New"/>
+              <a:cs typeface="Courier New"/>
+              <a:sym typeface="Courier New"/>
+            </a:endParaRPr>
+          </a:p>
+          <a:p>
+            <a:pPr indent="0" lvl="0" marL="0" rtl="0" algn="l">
+              <a:spcBef>
+                <a:spcPts val="800"/>
+              </a:spcBef>
+              <a:spcAft>
+                <a:spcPts val="0"/>
+              </a:spcAft>
+              <a:buNone/>
+            </a:pPr>
+            <a:r>
+              <a:rPr lang="en">
+                <a:solidFill>
+                  <a:schemeClr val="dk1"/>
+                </a:solidFill>
+                <a:latin typeface="Courier New"/>
+                <a:ea typeface="Courier New"/>
+                <a:cs typeface="Courier New"/>
+                <a:sym typeface="Courier New"/>
+              </a:rPr>
+              <a:t>{</a:t>
+            </a:r>
+            <a:endParaRPr>
+              <a:solidFill>
+                <a:schemeClr val="dk1"/>
+              </a:solidFill>
+              <a:latin typeface="Courier New"/>
+              <a:ea typeface="Courier New"/>
+              <a:cs typeface="Courier New"/>
+              <a:sym typeface="Courier New"/>
+            </a:endParaRPr>
+          </a:p>
+          <a:p>
+            <a:pPr indent="457200" lvl="0" marL="0" rtl="0" algn="l">
+              <a:spcBef>
+                <a:spcPts val="800"/>
+              </a:spcBef>
+              <a:spcAft>
+                <a:spcPts val="0"/>
+              </a:spcAft>
+              <a:buNone/>
+            </a:pPr>
+            <a:r>
+              <a:rPr lang="en">
+                <a:solidFill>
+                  <a:schemeClr val="dk1"/>
+                </a:solidFill>
+                <a:latin typeface="Courier New"/>
+                <a:ea typeface="Courier New"/>
+                <a:cs typeface="Courier New"/>
+                <a:sym typeface="Courier New"/>
+              </a:rPr>
+              <a:t>synchronized</a:t>
+            </a:r>
+            <a:endParaRPr>
+              <a:solidFill>
+                <a:schemeClr val="dk1"/>
+              </a:solidFill>
+              <a:latin typeface="Courier New"/>
+              <a:ea typeface="Courier New"/>
+              <a:cs typeface="Courier New"/>
+              <a:sym typeface="Courier New"/>
+            </a:endParaRPr>
+          </a:p>
+          <a:p>
+            <a:pPr indent="457200" lvl="0" marL="0" rtl="0" algn="l">
+              <a:spcBef>
+                <a:spcPts val="800"/>
+              </a:spcBef>
+              <a:spcAft>
+                <a:spcPts val="0"/>
+              </a:spcAft>
+              <a:buNone/>
+            </a:pPr>
+            <a:r>
+              <a:rPr lang="en">
+                <a:solidFill>
+                  <a:schemeClr val="dk1"/>
+                </a:solidFill>
+                <a:latin typeface="Courier New"/>
+                <a:ea typeface="Courier New"/>
+                <a:cs typeface="Courier New"/>
+                <a:sym typeface="Courier New"/>
+              </a:rPr>
+              <a:t>{</a:t>
+            </a:r>
+            <a:endParaRPr>
+              <a:solidFill>
+                <a:schemeClr val="dk1"/>
+              </a:solidFill>
+              <a:latin typeface="Courier New"/>
+              <a:ea typeface="Courier New"/>
+              <a:cs typeface="Courier New"/>
+              <a:sym typeface="Courier New"/>
+            </a:endParaRPr>
+          </a:p>
+          <a:p>
+            <a:pPr indent="457200" lvl="0" marL="457200" rtl="0" algn="l">
+              <a:spcBef>
+                <a:spcPts val="800"/>
+              </a:spcBef>
+              <a:spcAft>
+                <a:spcPts val="0"/>
+              </a:spcAft>
+              <a:buNone/>
+            </a:pPr>
+            <a:r>
+              <a:rPr lang="en">
+                <a:solidFill>
+                  <a:schemeClr val="dk1"/>
+                </a:solidFill>
+                <a:latin typeface="Courier New"/>
+                <a:ea typeface="Courier New"/>
+                <a:cs typeface="Courier New"/>
+                <a:sym typeface="Courier New"/>
+              </a:rPr>
+              <a:t>x++;</a:t>
+            </a:r>
+            <a:endParaRPr>
+              <a:solidFill>
+                <a:schemeClr val="dk1"/>
+              </a:solidFill>
+              <a:latin typeface="Courier New"/>
+              <a:ea typeface="Courier New"/>
+              <a:cs typeface="Courier New"/>
+              <a:sym typeface="Courier New"/>
+            </a:endParaRPr>
+          </a:p>
+          <a:p>
+            <a:pPr indent="457200" lvl="0" marL="457200" rtl="0" algn="l">
+              <a:spcBef>
+                <a:spcPts val="800"/>
+              </a:spcBef>
+              <a:spcAft>
+                <a:spcPts val="0"/>
+              </a:spcAft>
+              <a:buNone/>
+            </a:pPr>
+            <a:r>
+              <a:rPr lang="en">
+                <a:solidFill>
+                  <a:schemeClr val="dk1"/>
+                </a:solidFill>
+                <a:latin typeface="Courier New"/>
+                <a:ea typeface="Courier New"/>
+                <a:cs typeface="Courier New"/>
+                <a:sym typeface="Courier New"/>
+              </a:rPr>
+              <a:t>y = x;</a:t>
+            </a:r>
+            <a:endParaRPr>
+              <a:solidFill>
+                <a:schemeClr val="dk1"/>
+              </a:solidFill>
+              <a:latin typeface="Courier New"/>
+              <a:ea typeface="Courier New"/>
+              <a:cs typeface="Courier New"/>
+              <a:sym typeface="Courier New"/>
+            </a:endParaRPr>
+          </a:p>
+          <a:p>
+            <a:pPr indent="457200" lvl="0" marL="0" rtl="0" algn="l">
+              <a:spcBef>
+                <a:spcPts val="800"/>
+              </a:spcBef>
+              <a:spcAft>
+                <a:spcPts val="0"/>
+              </a:spcAft>
+              <a:buNone/>
+            </a:pPr>
+            <a:r>
+              <a:rPr lang="en">
+                <a:solidFill>
+                  <a:schemeClr val="dk1"/>
+                </a:solidFill>
+                <a:latin typeface="Courier New"/>
+                <a:ea typeface="Courier New"/>
+                <a:cs typeface="Courier New"/>
+                <a:sym typeface="Courier New"/>
+              </a:rPr>
+              <a:t>}</a:t>
+            </a:r>
+            <a:endParaRPr>
+              <a:solidFill>
+                <a:schemeClr val="dk1"/>
+              </a:solidFill>
+              <a:latin typeface="Courier New"/>
+              <a:ea typeface="Courier New"/>
+              <a:cs typeface="Courier New"/>
+              <a:sym typeface="Courier New"/>
+            </a:endParaRPr>
+          </a:p>
+          <a:p>
+            <a:pPr indent="0" lvl="0" marL="0" rtl="0" algn="l">
+              <a:spcBef>
+                <a:spcPts val="800"/>
+              </a:spcBef>
+              <a:spcAft>
+                <a:spcPts val="0"/>
+              </a:spcAft>
+              <a:buNone/>
+            </a:pPr>
+            <a:r>
+              <a:rPr lang="en">
+                <a:solidFill>
+                  <a:schemeClr val="dk1"/>
+                </a:solidFill>
+                <a:latin typeface="Courier New"/>
+                <a:ea typeface="Courier New"/>
+                <a:cs typeface="Courier New"/>
+                <a:sym typeface="Courier New"/>
+              </a:rPr>
+              <a:t>}</a:t>
+            </a:r>
+            <a:endParaRPr>
+              <a:solidFill>
+                <a:schemeClr val="dk1"/>
+              </a:solidFill>
+              <a:latin typeface="Courier New"/>
+              <a:ea typeface="Courier New"/>
+              <a:cs typeface="Courier New"/>
+              <a:sym typeface="Courier New"/>
+            </a:endParaRPr>
+          </a:p>
+        </p:txBody>
+      </p:sp>
+      <p:sp>
+        <p:nvSpPr>
+          <p:cNvPr id="227" name="Google Shape;227;p39"/>
+          <p:cNvSpPr txBox="1"/>
+          <p:nvPr>
+            <p:ph idx="1" type="body"/>
+          </p:nvPr>
+        </p:nvSpPr>
+        <p:spPr>
+          <a:xfrm>
+            <a:off x="2956500" y="1152475"/>
+            <a:ext cx="2785500" cy="3416400"/>
+          </a:xfrm>
+          <a:prstGeom prst="rect">
+            <a:avLst/>
+          </a:prstGeom>
+        </p:spPr>
+        <p:txBody>
+          <a:bodyPr anchorCtr="0" anchor="t" bIns="34275" lIns="68575" spcFirstLastPara="1" rIns="68575" wrap="square" tIns="34275">
+            <a:normAutofit lnSpcReduction="10000"/>
+          </a:bodyPr>
+          <a:lstStyle/>
+          <a:p>
+            <a:pPr indent="0" lvl="0" marL="0" rtl="0" algn="ctr">
+              <a:spcBef>
+                <a:spcPts val="800"/>
+              </a:spcBef>
+              <a:spcAft>
+                <a:spcPts val="0"/>
+              </a:spcAft>
+              <a:buNone/>
+            </a:pPr>
+            <a:r>
+              <a:rPr b="1" lang="en">
+                <a:solidFill>
+                  <a:schemeClr val="dk1"/>
+                </a:solidFill>
+              </a:rPr>
+              <a:t>THREAD 2</a:t>
+            </a:r>
+            <a:endParaRPr b="1">
+              <a:solidFill>
+                <a:schemeClr val="dk1"/>
+              </a:solidFill>
+            </a:endParaRPr>
+          </a:p>
+          <a:p>
+            <a:pPr indent="0" lvl="0" marL="0" rtl="0" algn="l">
+              <a:spcBef>
+                <a:spcPts val="800"/>
+              </a:spcBef>
+              <a:spcAft>
+                <a:spcPts val="0"/>
+              </a:spcAft>
+              <a:buNone/>
+            </a:pPr>
+            <a:r>
+              <a:rPr lang="en">
+                <a:solidFill>
+                  <a:schemeClr val="dk1"/>
+                </a:solidFill>
+                <a:latin typeface="Courier New"/>
+                <a:ea typeface="Courier New"/>
+                <a:cs typeface="Courier New"/>
+                <a:sym typeface="Courier New"/>
+              </a:rPr>
+              <a:t>while(y &gt; -2)</a:t>
+            </a:r>
+            <a:endParaRPr>
+              <a:solidFill>
+                <a:schemeClr val="dk1"/>
+              </a:solidFill>
+              <a:latin typeface="Courier New"/>
+              <a:ea typeface="Courier New"/>
+              <a:cs typeface="Courier New"/>
+              <a:sym typeface="Courier New"/>
+            </a:endParaRPr>
+          </a:p>
+          <a:p>
+            <a:pPr indent="0" lvl="0" marL="0" rtl="0" algn="l">
+              <a:spcBef>
+                <a:spcPts val="800"/>
+              </a:spcBef>
+              <a:spcAft>
+                <a:spcPts val="0"/>
+              </a:spcAft>
+              <a:buNone/>
+            </a:pPr>
+            <a:r>
+              <a:rPr lang="en">
+                <a:solidFill>
+                  <a:schemeClr val="dk1"/>
+                </a:solidFill>
+                <a:latin typeface="Courier New"/>
+                <a:ea typeface="Courier New"/>
+                <a:cs typeface="Courier New"/>
+                <a:sym typeface="Courier New"/>
+              </a:rPr>
+              <a:t>{</a:t>
+            </a:r>
+            <a:endParaRPr>
+              <a:solidFill>
+                <a:schemeClr val="dk1"/>
+              </a:solidFill>
+              <a:latin typeface="Courier New"/>
+              <a:ea typeface="Courier New"/>
+              <a:cs typeface="Courier New"/>
+              <a:sym typeface="Courier New"/>
+            </a:endParaRPr>
+          </a:p>
+          <a:p>
+            <a:pPr indent="457200" lvl="0" marL="0" rtl="0" algn="l">
+              <a:spcBef>
+                <a:spcPts val="800"/>
+              </a:spcBef>
+              <a:spcAft>
+                <a:spcPts val="0"/>
+              </a:spcAft>
+              <a:buNone/>
+            </a:pPr>
+            <a:r>
+              <a:rPr lang="en">
+                <a:solidFill>
+                  <a:schemeClr val="dk1"/>
+                </a:solidFill>
+                <a:latin typeface="Courier New"/>
+                <a:ea typeface="Courier New"/>
+                <a:cs typeface="Courier New"/>
+                <a:sym typeface="Courier New"/>
+              </a:rPr>
+              <a:t>synchronized</a:t>
+            </a:r>
+            <a:endParaRPr>
+              <a:solidFill>
+                <a:schemeClr val="dk1"/>
+              </a:solidFill>
+              <a:latin typeface="Courier New"/>
+              <a:ea typeface="Courier New"/>
+              <a:cs typeface="Courier New"/>
+              <a:sym typeface="Courier New"/>
+            </a:endParaRPr>
+          </a:p>
+          <a:p>
+            <a:pPr indent="457200" lvl="0" marL="0" rtl="0" algn="l">
+              <a:spcBef>
+                <a:spcPts val="800"/>
+              </a:spcBef>
+              <a:spcAft>
+                <a:spcPts val="0"/>
+              </a:spcAft>
+              <a:buNone/>
+            </a:pPr>
+            <a:r>
+              <a:rPr lang="en">
+                <a:solidFill>
+                  <a:schemeClr val="dk1"/>
+                </a:solidFill>
+                <a:latin typeface="Courier New"/>
+                <a:ea typeface="Courier New"/>
+                <a:cs typeface="Courier New"/>
+                <a:sym typeface="Courier New"/>
+              </a:rPr>
+              <a:t>{</a:t>
+            </a:r>
+            <a:endParaRPr>
+              <a:solidFill>
+                <a:schemeClr val="dk1"/>
+              </a:solidFill>
+              <a:latin typeface="Courier New"/>
+              <a:ea typeface="Courier New"/>
+              <a:cs typeface="Courier New"/>
+              <a:sym typeface="Courier New"/>
+            </a:endParaRPr>
+          </a:p>
+          <a:p>
+            <a:pPr indent="457200" lvl="0" marL="457200" rtl="0" algn="l">
+              <a:spcBef>
+                <a:spcPts val="800"/>
+              </a:spcBef>
+              <a:spcAft>
+                <a:spcPts val="0"/>
+              </a:spcAft>
+              <a:buNone/>
+            </a:pPr>
+            <a:r>
+              <a:rPr lang="en">
+                <a:solidFill>
+                  <a:schemeClr val="dk1"/>
+                </a:solidFill>
+                <a:latin typeface="Courier New"/>
+                <a:ea typeface="Courier New"/>
+                <a:cs typeface="Courier New"/>
+                <a:sym typeface="Courier New"/>
+              </a:rPr>
+              <a:t>x--;</a:t>
+            </a:r>
+            <a:endParaRPr>
+              <a:solidFill>
+                <a:schemeClr val="dk1"/>
+              </a:solidFill>
+              <a:latin typeface="Courier New"/>
+              <a:ea typeface="Courier New"/>
+              <a:cs typeface="Courier New"/>
+              <a:sym typeface="Courier New"/>
+            </a:endParaRPr>
+          </a:p>
+          <a:p>
+            <a:pPr indent="457200" lvl="0" marL="457200" rtl="0" algn="l">
+              <a:spcBef>
+                <a:spcPts val="800"/>
+              </a:spcBef>
+              <a:spcAft>
+                <a:spcPts val="0"/>
+              </a:spcAft>
+              <a:buNone/>
+            </a:pPr>
+            <a:r>
+              <a:rPr lang="en">
+                <a:solidFill>
+                  <a:schemeClr val="dk1"/>
+                </a:solidFill>
+                <a:latin typeface="Courier New"/>
+                <a:ea typeface="Courier New"/>
+                <a:cs typeface="Courier New"/>
+                <a:sym typeface="Courier New"/>
+              </a:rPr>
+              <a:t>y = x;</a:t>
+            </a:r>
+            <a:endParaRPr>
+              <a:solidFill>
+                <a:schemeClr val="dk1"/>
+              </a:solidFill>
+              <a:latin typeface="Courier New"/>
+              <a:ea typeface="Courier New"/>
+              <a:cs typeface="Courier New"/>
+              <a:sym typeface="Courier New"/>
+            </a:endParaRPr>
+          </a:p>
+          <a:p>
+            <a:pPr indent="457200" lvl="0" marL="0" rtl="0" algn="l">
+              <a:spcBef>
+                <a:spcPts val="800"/>
+              </a:spcBef>
+              <a:spcAft>
+                <a:spcPts val="0"/>
+              </a:spcAft>
+              <a:buNone/>
+            </a:pPr>
+            <a:r>
+              <a:rPr lang="en">
+                <a:solidFill>
+                  <a:schemeClr val="dk1"/>
+                </a:solidFill>
+                <a:latin typeface="Courier New"/>
+                <a:ea typeface="Courier New"/>
+                <a:cs typeface="Courier New"/>
+                <a:sym typeface="Courier New"/>
+              </a:rPr>
+              <a:t>}</a:t>
+            </a:r>
+            <a:endParaRPr>
+              <a:solidFill>
+                <a:schemeClr val="dk1"/>
+              </a:solidFill>
+              <a:latin typeface="Courier New"/>
+              <a:ea typeface="Courier New"/>
+              <a:cs typeface="Courier New"/>
+              <a:sym typeface="Courier New"/>
+            </a:endParaRPr>
+          </a:p>
+          <a:p>
+            <a:pPr indent="0" lvl="0" marL="0" rtl="0" algn="l">
+              <a:spcBef>
+                <a:spcPts val="800"/>
+              </a:spcBef>
+              <a:spcAft>
+                <a:spcPts val="0"/>
+              </a:spcAft>
+              <a:buNone/>
+            </a:pPr>
+            <a:r>
+              <a:rPr lang="en">
+                <a:solidFill>
+                  <a:schemeClr val="dk1"/>
+                </a:solidFill>
+                <a:latin typeface="Courier New"/>
+                <a:ea typeface="Courier New"/>
+                <a:cs typeface="Courier New"/>
+                <a:sym typeface="Courier New"/>
+              </a:rPr>
+              <a:t>}</a:t>
+            </a:r>
+            <a:endParaRPr>
+              <a:solidFill>
+                <a:schemeClr val="dk1"/>
+              </a:solidFill>
+              <a:latin typeface="Courier New"/>
+              <a:ea typeface="Courier New"/>
+              <a:cs typeface="Courier New"/>
+              <a:sym typeface="Courier New"/>
+            </a:endParaRPr>
+          </a:p>
+        </p:txBody>
+      </p:sp>
+      <p:sp>
+        <p:nvSpPr>
+          <p:cNvPr id="228" name="Google Shape;228;p39"/>
+          <p:cNvSpPr txBox="1"/>
+          <p:nvPr>
+            <p:ph idx="1" type="body"/>
+          </p:nvPr>
+        </p:nvSpPr>
+        <p:spPr>
+          <a:xfrm>
+            <a:off x="6245675" y="1152475"/>
+            <a:ext cx="2586600" cy="3416400"/>
+          </a:xfrm>
+          <a:prstGeom prst="rect">
+            <a:avLst/>
+          </a:prstGeom>
+        </p:spPr>
+        <p:txBody>
+          <a:bodyPr anchorCtr="0" anchor="t" bIns="34275" lIns="68575" spcFirstLastPara="1" rIns="68575" wrap="square" tIns="34275">
+            <a:normAutofit fontScale="55000" lnSpcReduction="20000"/>
+          </a:bodyPr>
+          <a:lstStyle/>
+          <a:p>
+            <a:pPr indent="0" lvl="0" marL="0" rtl="0" algn="l">
+              <a:spcBef>
+                <a:spcPts val="800"/>
+              </a:spcBef>
+              <a:spcAft>
+                <a:spcPts val="0"/>
+              </a:spcAft>
+              <a:buNone/>
+            </a:pPr>
+            <a:r>
+              <a:rPr b="1" lang="en">
+                <a:solidFill>
+                  <a:schemeClr val="dk1"/>
+                </a:solidFill>
+              </a:rPr>
+              <a:t>possible output</a:t>
+            </a:r>
+            <a:endParaRPr b="1">
+              <a:solidFill>
+                <a:schemeClr val="dk1"/>
+              </a:solidFill>
+            </a:endParaRPr>
+          </a:p>
+          <a:p>
+            <a:pPr indent="0" lvl="0" marL="0" rtl="0" algn="l">
+              <a:spcBef>
+                <a:spcPts val="800"/>
+              </a:spcBef>
+              <a:spcAft>
+                <a:spcPts val="0"/>
+              </a:spcAft>
+              <a:buNone/>
+            </a:pPr>
+            <a:r>
+              <a:rPr b="1" lang="en">
+                <a:solidFill>
+                  <a:schemeClr val="dk1"/>
+                </a:solidFill>
+                <a:latin typeface="Courier New"/>
+                <a:ea typeface="Courier New"/>
+                <a:cs typeface="Courier New"/>
+                <a:sym typeface="Courier New"/>
+              </a:rPr>
+              <a:t>THREAD 1</a:t>
+            </a:r>
+            <a:endParaRPr b="1">
+              <a:solidFill>
+                <a:schemeClr val="dk1"/>
+              </a:solidFill>
+              <a:latin typeface="Courier New"/>
+              <a:ea typeface="Courier New"/>
+              <a:cs typeface="Courier New"/>
+              <a:sym typeface="Courier New"/>
+            </a:endParaRPr>
+          </a:p>
+          <a:p>
+            <a:pPr indent="0" lvl="0" marL="0" rtl="0" algn="l">
+              <a:spcBef>
+                <a:spcPts val="800"/>
+              </a:spcBef>
+              <a:spcAft>
+                <a:spcPts val="0"/>
+              </a:spcAft>
+              <a:buNone/>
+            </a:pPr>
+            <a:r>
+              <a:rPr lang="en">
+                <a:solidFill>
+                  <a:schemeClr val="dk1"/>
+                </a:solidFill>
+                <a:latin typeface="Courier New"/>
+                <a:ea typeface="Courier New"/>
+                <a:cs typeface="Courier New"/>
+                <a:sym typeface="Courier New"/>
+              </a:rPr>
+              <a:t>x = 0;</a:t>
+            </a:r>
+            <a:endParaRPr>
+              <a:solidFill>
+                <a:schemeClr val="dk1"/>
+              </a:solidFill>
+              <a:latin typeface="Courier New"/>
+              <a:ea typeface="Courier New"/>
+              <a:cs typeface="Courier New"/>
+              <a:sym typeface="Courier New"/>
+            </a:endParaRPr>
+          </a:p>
+          <a:p>
+            <a:pPr indent="0" lvl="0" marL="0" rtl="0" algn="l">
+              <a:spcBef>
+                <a:spcPts val="800"/>
+              </a:spcBef>
+              <a:spcAft>
+                <a:spcPts val="0"/>
+              </a:spcAft>
+              <a:buNone/>
+            </a:pPr>
+            <a:r>
+              <a:rPr lang="en">
+                <a:solidFill>
+                  <a:schemeClr val="dk1"/>
+                </a:solidFill>
+                <a:latin typeface="Courier New"/>
+                <a:ea typeface="Courier New"/>
+                <a:cs typeface="Courier New"/>
+                <a:sym typeface="Courier New"/>
+              </a:rPr>
+              <a:t>x = 1;</a:t>
+            </a:r>
+            <a:endParaRPr>
+              <a:solidFill>
+                <a:schemeClr val="dk1"/>
+              </a:solidFill>
+              <a:latin typeface="Courier New"/>
+              <a:ea typeface="Courier New"/>
+              <a:cs typeface="Courier New"/>
+              <a:sym typeface="Courier New"/>
+            </a:endParaRPr>
+          </a:p>
+          <a:p>
+            <a:pPr indent="0" lvl="0" marL="0" rtl="0" algn="l">
+              <a:spcBef>
+                <a:spcPts val="800"/>
+              </a:spcBef>
+              <a:spcAft>
+                <a:spcPts val="0"/>
+              </a:spcAft>
+              <a:buNone/>
+            </a:pPr>
+            <a:r>
+              <a:rPr b="1" lang="en">
+                <a:solidFill>
+                  <a:schemeClr val="dk1"/>
+                </a:solidFill>
+                <a:latin typeface="Courier New"/>
+                <a:ea typeface="Courier New"/>
+                <a:cs typeface="Courier New"/>
+                <a:sym typeface="Courier New"/>
+              </a:rPr>
+              <a:t>THREAD 2</a:t>
+            </a:r>
+            <a:endParaRPr b="1">
+              <a:solidFill>
+                <a:schemeClr val="dk1"/>
+              </a:solidFill>
+              <a:latin typeface="Courier New"/>
+              <a:ea typeface="Courier New"/>
+              <a:cs typeface="Courier New"/>
+              <a:sym typeface="Courier New"/>
+            </a:endParaRPr>
+          </a:p>
+          <a:p>
+            <a:pPr indent="0" lvl="0" marL="0" rtl="0" algn="l">
+              <a:spcBef>
+                <a:spcPts val="800"/>
+              </a:spcBef>
+              <a:spcAft>
+                <a:spcPts val="0"/>
+              </a:spcAft>
+              <a:buNone/>
+            </a:pPr>
+            <a:r>
+              <a:rPr lang="en">
+                <a:solidFill>
+                  <a:schemeClr val="dk1"/>
+                </a:solidFill>
+                <a:latin typeface="Courier New"/>
+                <a:ea typeface="Courier New"/>
+                <a:cs typeface="Courier New"/>
+                <a:sym typeface="Courier New"/>
+              </a:rPr>
+              <a:t>x = 0;</a:t>
+            </a:r>
+            <a:endParaRPr>
+              <a:solidFill>
+                <a:schemeClr val="dk1"/>
+              </a:solidFill>
+              <a:latin typeface="Courier New"/>
+              <a:ea typeface="Courier New"/>
+              <a:cs typeface="Courier New"/>
+              <a:sym typeface="Courier New"/>
+            </a:endParaRPr>
+          </a:p>
+          <a:p>
+            <a:pPr indent="0" lvl="0" marL="0" rtl="0" algn="l">
+              <a:spcBef>
+                <a:spcPts val="800"/>
+              </a:spcBef>
+              <a:spcAft>
+                <a:spcPts val="0"/>
+              </a:spcAft>
+              <a:buNone/>
+            </a:pPr>
+            <a:r>
+              <a:rPr lang="en">
+                <a:solidFill>
+                  <a:schemeClr val="dk1"/>
+                </a:solidFill>
+                <a:latin typeface="Courier New"/>
+                <a:ea typeface="Courier New"/>
+                <a:cs typeface="Courier New"/>
+                <a:sym typeface="Courier New"/>
+              </a:rPr>
+              <a:t>x = -1;</a:t>
+            </a:r>
+            <a:endParaRPr>
+              <a:solidFill>
+                <a:schemeClr val="dk1"/>
+              </a:solidFill>
+              <a:latin typeface="Courier New"/>
+              <a:ea typeface="Courier New"/>
+              <a:cs typeface="Courier New"/>
+              <a:sym typeface="Courier New"/>
+            </a:endParaRPr>
+          </a:p>
+          <a:p>
+            <a:pPr indent="0" lvl="0" marL="0" rtl="0" algn="l">
+              <a:spcBef>
+                <a:spcPts val="800"/>
+              </a:spcBef>
+              <a:spcAft>
+                <a:spcPts val="0"/>
+              </a:spcAft>
+              <a:buNone/>
+            </a:pPr>
+            <a:r>
+              <a:rPr b="1" lang="en">
+                <a:solidFill>
+                  <a:schemeClr val="dk1"/>
+                </a:solidFill>
+                <a:latin typeface="Courier New"/>
+                <a:ea typeface="Courier New"/>
+                <a:cs typeface="Courier New"/>
+                <a:sym typeface="Courier New"/>
+              </a:rPr>
+              <a:t>THREAD 1</a:t>
+            </a:r>
+            <a:endParaRPr b="1">
+              <a:solidFill>
+                <a:schemeClr val="dk1"/>
+              </a:solidFill>
+              <a:latin typeface="Courier New"/>
+              <a:ea typeface="Courier New"/>
+              <a:cs typeface="Courier New"/>
+              <a:sym typeface="Courier New"/>
+            </a:endParaRPr>
+          </a:p>
+          <a:p>
+            <a:pPr indent="0" lvl="0" marL="0" rtl="0" algn="l">
+              <a:spcBef>
+                <a:spcPts val="800"/>
+              </a:spcBef>
+              <a:spcAft>
+                <a:spcPts val="0"/>
+              </a:spcAft>
+              <a:buNone/>
+            </a:pPr>
+            <a:r>
+              <a:rPr lang="en">
+                <a:solidFill>
+                  <a:schemeClr val="dk1"/>
+                </a:solidFill>
+                <a:latin typeface="Courier New"/>
+                <a:ea typeface="Courier New"/>
+                <a:cs typeface="Courier New"/>
+                <a:sym typeface="Courier New"/>
+              </a:rPr>
+              <a:t>x = 0;</a:t>
+            </a:r>
+            <a:endParaRPr>
+              <a:solidFill>
+                <a:schemeClr val="dk1"/>
+              </a:solidFill>
+              <a:latin typeface="Courier New"/>
+              <a:ea typeface="Courier New"/>
+              <a:cs typeface="Courier New"/>
+              <a:sym typeface="Courier New"/>
+            </a:endParaRPr>
+          </a:p>
+          <a:p>
+            <a:pPr indent="0" lvl="0" marL="0" rtl="0" algn="l">
+              <a:spcBef>
+                <a:spcPts val="800"/>
+              </a:spcBef>
+              <a:spcAft>
+                <a:spcPts val="0"/>
+              </a:spcAft>
+              <a:buNone/>
+            </a:pPr>
+            <a:r>
+              <a:rPr b="1" lang="en">
+                <a:solidFill>
+                  <a:schemeClr val="dk1"/>
+                </a:solidFill>
+                <a:latin typeface="Courier New"/>
+                <a:ea typeface="Courier New"/>
+                <a:cs typeface="Courier New"/>
+                <a:sym typeface="Courier New"/>
+              </a:rPr>
+              <a:t>THREAD 2</a:t>
+            </a:r>
+            <a:endParaRPr b="1">
+              <a:solidFill>
+                <a:schemeClr val="dk1"/>
+              </a:solidFill>
+              <a:latin typeface="Courier New"/>
+              <a:ea typeface="Courier New"/>
+              <a:cs typeface="Courier New"/>
+              <a:sym typeface="Courier New"/>
+            </a:endParaRPr>
+          </a:p>
+          <a:p>
+            <a:pPr indent="0" lvl="0" marL="0" rtl="0" algn="l">
+              <a:spcBef>
+                <a:spcPts val="800"/>
+              </a:spcBef>
+              <a:spcAft>
+                <a:spcPts val="0"/>
+              </a:spcAft>
+              <a:buNone/>
+            </a:pPr>
+            <a:r>
+              <a:rPr lang="en">
+                <a:solidFill>
+                  <a:schemeClr val="dk1"/>
+                </a:solidFill>
+                <a:latin typeface="Courier New"/>
+                <a:ea typeface="Courier New"/>
+                <a:cs typeface="Courier New"/>
+                <a:sym typeface="Courier New"/>
+              </a:rPr>
+              <a:t>x = -1;</a:t>
+            </a:r>
+            <a:endParaRPr>
+              <a:solidFill>
+                <a:schemeClr val="dk1"/>
+              </a:solidFill>
+              <a:latin typeface="Courier New"/>
+              <a:ea typeface="Courier New"/>
+              <a:cs typeface="Courier New"/>
+              <a:sym typeface="Courier New"/>
+            </a:endParaRPr>
+          </a:p>
+          <a:p>
+            <a:pPr indent="0" lvl="0" marL="0" rtl="0" algn="l">
+              <a:spcBef>
+                <a:spcPts val="800"/>
+              </a:spcBef>
+              <a:spcAft>
+                <a:spcPts val="0"/>
+              </a:spcAft>
+              <a:buNone/>
+            </a:pPr>
+            <a:r>
+              <a:rPr b="1" lang="en">
+                <a:solidFill>
+                  <a:schemeClr val="dk1"/>
+                </a:solidFill>
+                <a:latin typeface="Courier New"/>
+                <a:ea typeface="Courier New"/>
+                <a:cs typeface="Courier New"/>
+                <a:sym typeface="Courier New"/>
+              </a:rPr>
+              <a:t>THREAD 1</a:t>
+            </a:r>
+            <a:endParaRPr b="1">
+              <a:solidFill>
+                <a:schemeClr val="dk1"/>
+              </a:solidFill>
+              <a:latin typeface="Courier New"/>
+              <a:ea typeface="Courier New"/>
+              <a:cs typeface="Courier New"/>
+              <a:sym typeface="Courier New"/>
+            </a:endParaRPr>
+          </a:p>
+          <a:p>
+            <a:pPr indent="0" lvl="0" marL="0" rtl="0" algn="l">
+              <a:spcBef>
+                <a:spcPts val="800"/>
+              </a:spcBef>
+              <a:spcAft>
+                <a:spcPts val="0"/>
+              </a:spcAft>
+              <a:buNone/>
+            </a:pPr>
+            <a:r>
+              <a:rPr lang="en">
+                <a:solidFill>
+                  <a:schemeClr val="dk1"/>
+                </a:solidFill>
+                <a:latin typeface="Courier New"/>
+                <a:ea typeface="Courier New"/>
+                <a:cs typeface="Courier New"/>
+                <a:sym typeface="Courier New"/>
+              </a:rPr>
+              <a:t>x = 0;</a:t>
+            </a:r>
+            <a:endParaRPr>
+              <a:solidFill>
+                <a:schemeClr val="dk1"/>
+              </a:solidFill>
+              <a:latin typeface="Courier New"/>
+              <a:ea typeface="Courier New"/>
+              <a:cs typeface="Courier New"/>
+              <a:sym typeface="Courier New"/>
+            </a:endParaRPr>
+          </a:p>
+          <a:p>
+            <a:pPr indent="0" lvl="0" marL="0" rtl="0" algn="l">
+              <a:spcBef>
+                <a:spcPts val="800"/>
+              </a:spcBef>
+              <a:spcAft>
+                <a:spcPts val="0"/>
+              </a:spcAft>
+              <a:buNone/>
+            </a:pPr>
+            <a:r>
+              <a:rPr lang="en">
+                <a:solidFill>
+                  <a:schemeClr val="dk1"/>
+                </a:solidFill>
+                <a:latin typeface="Courier New"/>
+                <a:ea typeface="Courier New"/>
+                <a:cs typeface="Courier New"/>
+                <a:sym typeface="Courier New"/>
+              </a:rPr>
+              <a:t>x = 1;</a:t>
+            </a:r>
+            <a:endParaRPr>
+              <a:solidFill>
+                <a:schemeClr val="dk1"/>
+              </a:solidFill>
+              <a:latin typeface="Courier New"/>
+              <a:ea typeface="Courier New"/>
+              <a:cs typeface="Courier New"/>
+              <a:sym typeface="Courier New"/>
+            </a:endParaRPr>
+          </a:p>
+          <a:p>
+            <a:pPr indent="0" lvl="0" marL="0" rtl="0" algn="l">
+              <a:spcBef>
+                <a:spcPts val="800"/>
+              </a:spcBef>
+              <a:spcAft>
+                <a:spcPts val="0"/>
+              </a:spcAft>
+              <a:buClr>
+                <a:schemeClr val="dk1"/>
+              </a:buClr>
+              <a:buSzPct val="52380"/>
+              <a:buFont typeface="Arial"/>
+              <a:buNone/>
+            </a:pPr>
+            <a:r>
+              <a:rPr lang="en">
+                <a:solidFill>
+                  <a:schemeClr val="dk1"/>
+                </a:solidFill>
+                <a:latin typeface="Courier New"/>
+                <a:ea typeface="Courier New"/>
+                <a:cs typeface="Courier New"/>
+                <a:sym typeface="Courier New"/>
+              </a:rPr>
+              <a:t>…</a:t>
+            </a:r>
+            <a:endParaRPr>
+              <a:solidFill>
+                <a:schemeClr val="dk1"/>
+              </a:solidFill>
+              <a:latin typeface="Courier New"/>
+              <a:ea typeface="Courier New"/>
+              <a:cs typeface="Courier New"/>
+              <a:sym typeface="Courier New"/>
+            </a:endParaRPr>
+          </a:p>
+        </p:txBody>
+      </p:sp>
+    </p:spTree>
+  </p:cSld>
+  <p:clrMapOvr>
+    <a:masterClrMapping/>
+  </p:clrMapOvr>
+</p:sld>
+</file>
+
+<file path=ppt/slides/slide14.xml><?xml version="1.0" encoding="utf-8"?>
+<p:sld xmlns:a="http://schemas.openxmlformats.org/drawingml/2006/main" xmlns:r="http://schemas.openxmlformats.org/officeDocument/2006/relationships" xmlns:mc="http://schemas.openxmlformats.org/markup-compatibility/2006" xmlns:mv="urn:schemas-microsoft-com:mac:vml" xmlns:p="http://schemas.openxmlformats.org/presentationml/2006/main" xmlns:c="http://schemas.openxmlformats.org/drawingml/2006/chart" xmlns:dgm="http://schemas.openxmlformats.org/drawingml/2006/diagram" xmlns:o="urn:schemas-microsoft-com:office:office" xmlns:v="urn:schemas-microsoft-com:vml" xmlns:pvml="urn:schemas-microsoft-com:office:powerpoint" xmlns:com="http://schemas.openxmlformats.org/drawingml/2006/compatibility" xmlns:p14="http://schemas.microsoft.com/office/powerpoint/2010/main" xmlns:p15="http://schemas.microsoft.com/office/powerpoint/2012/main" xmlns:ahyp="http://schemas.microsoft.com/office/drawing/2018/hyperlinkcolor">
+  <p:cSld>
+    <p:spTree>
+      <p:nvGrpSpPr>
+        <p:cNvPr id="232" name="Shape 232"/>
+        <p:cNvGrpSpPr/>
+        <p:nvPr/>
+      </p:nvGrpSpPr>
+      <p:grpSpPr>
+        <a:xfrm>
+          <a:off x="0" y="0"/>
+          <a:ext cx="0" cy="0"/>
+          <a:chOff x="0" y="0"/>
+          <a:chExt cx="0" cy="0"/>
+        </a:xfrm>
+      </p:grpSpPr>
+      <p:sp>
+        <p:nvSpPr>
+          <p:cNvPr id="233" name="Google Shape;233;p40"/>
+          <p:cNvSpPr txBox="1"/>
+          <p:nvPr>
+            <p:ph type="title"/>
+          </p:nvPr>
+        </p:nvSpPr>
+        <p:spPr>
+          <a:xfrm>
+            <a:off x="311700" y="445025"/>
+            <a:ext cx="8520600" cy="572700"/>
+          </a:xfrm>
+          <a:prstGeom prst="rect">
+            <a:avLst/>
+          </a:prstGeom>
+        </p:spPr>
+        <p:txBody>
+          <a:bodyPr anchorCtr="0" anchor="ctr" bIns="34275" lIns="68575" spcFirstLastPara="1" rIns="68575" wrap="square" tIns="34275">
+            <a:normAutofit/>
+          </a:bodyPr>
+          <a:lstStyle/>
+          <a:p>
+            <a:pPr indent="0" lvl="0" marL="0" rtl="0" algn="l">
+              <a:spcBef>
+                <a:spcPts val="0"/>
+              </a:spcBef>
+              <a:spcAft>
+                <a:spcPts val="0"/>
+              </a:spcAft>
+              <a:buNone/>
+            </a:pPr>
+            <a:r>
+              <a:rPr lang="en"/>
+              <a:t>Concurrency Problems </a:t>
+            </a:r>
+            <a:r>
+              <a:rPr b="1" lang="en"/>
+              <a:t>Livelock Example</a:t>
+            </a:r>
+            <a:endParaRPr/>
+          </a:p>
+        </p:txBody>
+      </p:sp>
+      <p:sp>
+        <p:nvSpPr>
+          <p:cNvPr id="234" name="Google Shape;234;p40"/>
+          <p:cNvSpPr txBox="1"/>
+          <p:nvPr>
+            <p:ph idx="1" type="body"/>
+          </p:nvPr>
+        </p:nvSpPr>
+        <p:spPr>
+          <a:xfrm>
+            <a:off x="311700" y="1152475"/>
+            <a:ext cx="8520600" cy="3416400"/>
+          </a:xfrm>
+          <a:prstGeom prst="rect">
+            <a:avLst/>
+          </a:prstGeom>
+        </p:spPr>
+        <p:txBody>
+          <a:bodyPr anchorCtr="0" anchor="t" bIns="34275" lIns="68575" spcFirstLastPara="1" rIns="68575" wrap="square" tIns="34275">
+            <a:normAutofit/>
+          </a:bodyPr>
+          <a:lstStyle/>
+          <a:p>
+            <a:pPr indent="0" lvl="0" marL="0" rtl="0" algn="l">
+              <a:spcBef>
+                <a:spcPts val="800"/>
+              </a:spcBef>
+              <a:spcAft>
+                <a:spcPts val="0"/>
+              </a:spcAft>
+              <a:buNone/>
+            </a:pPr>
+            <a:r>
+              <a:rPr lang="en" u="sng">
+                <a:solidFill>
+                  <a:schemeClr val="hlink"/>
+                </a:solidFill>
+                <a:hlinkClick r:id="rId3"/>
+              </a:rPr>
+              <a:t>C++ Livelock Example</a:t>
+            </a:r>
+            <a:endParaRPr/>
+          </a:p>
+          <a:p>
+            <a:pPr indent="0" lvl="0" marL="0" rtl="0" algn="ctr">
+              <a:spcBef>
+                <a:spcPts val="800"/>
+              </a:spcBef>
+              <a:spcAft>
+                <a:spcPts val="0"/>
+              </a:spcAft>
+              <a:buNone/>
+            </a:pPr>
+            <a:r>
+              <a:t/>
+            </a:r>
+            <a:endParaRPr>
+              <a:solidFill>
+                <a:schemeClr val="dk1"/>
+              </a:solidFill>
+            </a:endParaRPr>
+          </a:p>
+          <a:p>
+            <a:pPr indent="0" lvl="0" marL="0" rtl="0" algn="ctr">
+              <a:spcBef>
+                <a:spcPts val="800"/>
+              </a:spcBef>
+              <a:spcAft>
+                <a:spcPts val="0"/>
+              </a:spcAft>
+              <a:buNone/>
+            </a:pPr>
+            <a:r>
+              <a:rPr lang="en">
+                <a:solidFill>
+                  <a:schemeClr val="dk1"/>
+                </a:solidFill>
+              </a:rPr>
+              <a:t>How to figure out the error?</a:t>
+            </a:r>
+            <a:endParaRPr>
+              <a:solidFill>
+                <a:schemeClr val="dk1"/>
+              </a:solidFill>
+            </a:endParaRPr>
+          </a:p>
+          <a:p>
+            <a:pPr indent="0" lvl="0" marL="0" rtl="0" algn="ctr">
+              <a:spcBef>
+                <a:spcPts val="800"/>
+              </a:spcBef>
+              <a:spcAft>
+                <a:spcPts val="0"/>
+              </a:spcAft>
+              <a:buNone/>
+            </a:pPr>
+            <a:r>
+              <a:rPr lang="en">
+                <a:solidFill>
+                  <a:schemeClr val="dk1"/>
+                </a:solidFill>
+              </a:rPr>
+              <a:t>Offer solutions to the problem</a:t>
+            </a:r>
+            <a:endParaRPr/>
+          </a:p>
+        </p:txBody>
+      </p:sp>
+    </p:spTree>
+  </p:cSld>
+  <p:clrMapOvr>
+    <a:masterClrMapping/>
+  </p:clrMapOvr>
+</p:sld>
+</file>
+
+<file path=ppt/slides/slide15.xml><?xml version="1.0" encoding="utf-8"?>
+<p:sld xmlns:a="http://schemas.openxmlformats.org/drawingml/2006/main" xmlns:r="http://schemas.openxmlformats.org/officeDocument/2006/relationships" xmlns:mc="http://schemas.openxmlformats.org/markup-compatibility/2006" xmlns:mv="urn:schemas-microsoft-com:mac:vml" xmlns:p="http://schemas.openxmlformats.org/presentationml/2006/main" xmlns:c="http://schemas.openxmlformats.org/drawingml/2006/chart" xmlns:dgm="http://schemas.openxmlformats.org/drawingml/2006/diagram" xmlns:o="urn:schemas-microsoft-com:office:office" xmlns:v="urn:schemas-microsoft-com:vml" xmlns:pvml="urn:schemas-microsoft-com:office:powerpoint" xmlns:com="http://schemas.openxmlformats.org/drawingml/2006/compatibility" xmlns:p14="http://schemas.microsoft.com/office/powerpoint/2010/main" xmlns:p15="http://schemas.microsoft.com/office/powerpoint/2012/main" xmlns:ahyp="http://schemas.microsoft.com/office/drawing/2018/hyperlinkcolor">
+  <p:cSld>
+    <p:spTree>
+      <p:nvGrpSpPr>
+        <p:cNvPr id="238" name="Shape 238"/>
+        <p:cNvGrpSpPr/>
+        <p:nvPr/>
+      </p:nvGrpSpPr>
+      <p:grpSpPr>
+        <a:xfrm>
+          <a:off x="0" y="0"/>
+          <a:ext cx="0" cy="0"/>
+          <a:chOff x="0" y="0"/>
+          <a:chExt cx="0" cy="0"/>
+        </a:xfrm>
+      </p:grpSpPr>
+      <p:sp>
+        <p:nvSpPr>
+          <p:cNvPr id="239" name="Google Shape;239;p41"/>
+          <p:cNvSpPr txBox="1"/>
+          <p:nvPr>
+            <p:ph type="title"/>
+          </p:nvPr>
+        </p:nvSpPr>
+        <p:spPr>
+          <a:xfrm>
+            <a:off x="311700" y="445025"/>
+            <a:ext cx="8520600" cy="572700"/>
+          </a:xfrm>
+          <a:prstGeom prst="rect">
+            <a:avLst/>
+          </a:prstGeom>
+        </p:spPr>
+        <p:txBody>
+          <a:bodyPr anchorCtr="0" anchor="ctr" bIns="34275" lIns="68575" spcFirstLastPara="1" rIns="68575" wrap="square" tIns="34275">
+            <a:normAutofit/>
+          </a:bodyPr>
+          <a:lstStyle/>
+          <a:p>
+            <a:pPr indent="0" lvl="0" marL="0" rtl="0" algn="l">
+              <a:spcBef>
+                <a:spcPts val="0"/>
+              </a:spcBef>
+              <a:spcAft>
+                <a:spcPts val="0"/>
+              </a:spcAft>
+              <a:buNone/>
+            </a:pPr>
+            <a:r>
+              <a:rPr lang="en"/>
+              <a:t>Concurrency Problems </a:t>
+            </a:r>
+            <a:r>
+              <a:rPr b="1" lang="en"/>
+              <a:t>Livelock Solutions</a:t>
+            </a:r>
+            <a:endParaRPr/>
+          </a:p>
+        </p:txBody>
+      </p:sp>
+      <p:sp>
+        <p:nvSpPr>
+          <p:cNvPr id="240" name="Google Shape;240;p41"/>
+          <p:cNvSpPr txBox="1"/>
+          <p:nvPr>
+            <p:ph idx="1" type="body"/>
+          </p:nvPr>
+        </p:nvSpPr>
+        <p:spPr>
+          <a:xfrm>
+            <a:off x="311700" y="1152475"/>
+            <a:ext cx="8520600" cy="3416400"/>
+          </a:xfrm>
+          <a:prstGeom prst="rect">
+            <a:avLst/>
+          </a:prstGeom>
+        </p:spPr>
+        <p:txBody>
+          <a:bodyPr anchorCtr="0" anchor="t" bIns="34275" lIns="68575" spcFirstLastPara="1" rIns="68575" wrap="square" tIns="34275">
+            <a:normAutofit/>
+          </a:bodyPr>
+          <a:lstStyle/>
+          <a:p>
+            <a:pPr indent="0" lvl="0" marL="0" rtl="0" algn="l">
+              <a:spcBef>
+                <a:spcPts val="800"/>
+              </a:spcBef>
+              <a:spcAft>
+                <a:spcPts val="0"/>
+              </a:spcAft>
+              <a:buNone/>
+            </a:pPr>
+            <a:r>
+              <a:t/>
+            </a:r>
+            <a:endParaRPr>
+              <a:solidFill>
+                <a:schemeClr val="dk1"/>
+              </a:solidFill>
+            </a:endParaRPr>
+          </a:p>
+          <a:p>
+            <a:pPr indent="0" lvl="0" marL="0" rtl="0" algn="l">
+              <a:spcBef>
+                <a:spcPts val="800"/>
+              </a:spcBef>
+              <a:spcAft>
+                <a:spcPts val="0"/>
+              </a:spcAft>
+              <a:buNone/>
+            </a:pPr>
+            <a:r>
+              <a:t/>
+            </a:r>
+            <a:endParaRPr>
+              <a:solidFill>
+                <a:schemeClr val="dk1"/>
+              </a:solidFill>
+            </a:endParaRPr>
+          </a:p>
+          <a:p>
+            <a:pPr indent="0" lvl="0" marL="0" rtl="0" algn="l">
+              <a:spcBef>
+                <a:spcPts val="800"/>
+              </a:spcBef>
+              <a:spcAft>
+                <a:spcPts val="0"/>
+              </a:spcAft>
+              <a:buNone/>
+            </a:pPr>
+            <a:r>
+              <a:rPr lang="en">
+                <a:solidFill>
+                  <a:schemeClr val="dk1"/>
+                </a:solidFill>
+              </a:rPr>
+              <a:t>Identify livelock:</a:t>
+            </a:r>
+            <a:endParaRPr>
+              <a:solidFill>
+                <a:schemeClr val="dk1"/>
+              </a:solidFill>
+            </a:endParaRPr>
+          </a:p>
+          <a:p>
+            <a:pPr indent="-361950" lvl="0" marL="457200" rtl="0" algn="l">
+              <a:spcBef>
+                <a:spcPts val="800"/>
+              </a:spcBef>
+              <a:spcAft>
+                <a:spcPts val="0"/>
+              </a:spcAft>
+              <a:buClr>
+                <a:schemeClr val="dk1"/>
+              </a:buClr>
+              <a:buSzPts val="2100"/>
+              <a:buChar char="-"/>
+            </a:pPr>
+            <a:r>
+              <a:rPr lang="en">
+                <a:solidFill>
+                  <a:schemeClr val="dk1"/>
+                </a:solidFill>
+              </a:rPr>
+              <a:t>What if use counters for repeated situations?</a:t>
+            </a:r>
+            <a:endParaRPr>
+              <a:solidFill>
+                <a:schemeClr val="dk1"/>
+              </a:solidFill>
+            </a:endParaRPr>
+          </a:p>
+          <a:p>
+            <a:pPr indent="0" lvl="0" marL="457200" rtl="0" algn="l">
+              <a:spcBef>
+                <a:spcPts val="800"/>
+              </a:spcBef>
+              <a:spcAft>
+                <a:spcPts val="0"/>
+              </a:spcAft>
+              <a:buNone/>
+            </a:pPr>
+            <a:r>
+              <a:t/>
+            </a:r>
+            <a:endParaRPr>
+              <a:solidFill>
+                <a:schemeClr val="dk1"/>
+              </a:solidFill>
+            </a:endParaRPr>
+          </a:p>
+          <a:p>
+            <a:pPr indent="0" lvl="0" marL="0" rtl="0" algn="l">
+              <a:spcBef>
+                <a:spcPts val="800"/>
+              </a:spcBef>
+              <a:spcAft>
+                <a:spcPts val="0"/>
+              </a:spcAft>
+              <a:buNone/>
+            </a:pPr>
+            <a:r>
+              <a:t/>
+            </a:r>
+            <a:endParaRPr>
+              <a:solidFill>
+                <a:schemeClr val="dk1"/>
+              </a:solidFill>
+            </a:endParaRPr>
+          </a:p>
+          <a:p>
+            <a:pPr indent="0" lvl="0" marL="0" rtl="0" algn="l">
+              <a:spcBef>
+                <a:spcPts val="800"/>
+              </a:spcBef>
+              <a:spcAft>
+                <a:spcPts val="0"/>
+              </a:spcAft>
+              <a:buNone/>
+            </a:pPr>
+            <a:r>
+              <a:rPr lang="en">
+                <a:solidFill>
+                  <a:schemeClr val="dk1"/>
+                </a:solidFill>
+              </a:rPr>
+              <a:t>Solution depends to the problem:</a:t>
+            </a:r>
+            <a:endParaRPr>
+              <a:solidFill>
+                <a:schemeClr val="dk1"/>
+              </a:solidFill>
+            </a:endParaRPr>
+          </a:p>
+          <a:p>
+            <a:pPr indent="-361950" lvl="0" marL="457200" rtl="0" algn="l">
+              <a:spcBef>
+                <a:spcPts val="800"/>
+              </a:spcBef>
+              <a:spcAft>
+                <a:spcPts val="0"/>
+              </a:spcAft>
+              <a:buClr>
+                <a:schemeClr val="dk1"/>
+              </a:buClr>
+              <a:buSzPts val="2100"/>
+              <a:buChar char="-"/>
+            </a:pPr>
+            <a:r>
+              <a:rPr lang="en">
+                <a:solidFill>
+                  <a:schemeClr val="dk1"/>
+                </a:solidFill>
+              </a:rPr>
+              <a:t>Use different timed waiting for concurrent threads;</a:t>
+            </a:r>
+            <a:endParaRPr>
+              <a:solidFill>
+                <a:schemeClr val="dk1"/>
+              </a:solidFill>
+            </a:endParaRPr>
+          </a:p>
+        </p:txBody>
+      </p:sp>
+    </p:spTree>
+  </p:cSld>
+  <p:clrMapOvr>
+    <a:masterClrMapping/>
+  </p:clrMapOvr>
+</p:sld>
+</file>
+
+<file path=ppt/slides/slide16.xml><?xml version="1.0" encoding="utf-8"?>
+<p:sld xmlns:a="http://schemas.openxmlformats.org/drawingml/2006/main" xmlns:r="http://schemas.openxmlformats.org/officeDocument/2006/relationships" xmlns:mc="http://schemas.openxmlformats.org/markup-compatibility/2006" xmlns:mv="urn:schemas-microsoft-com:mac:vml" xmlns:p="http://schemas.openxmlformats.org/presentationml/2006/main" xmlns:c="http://schemas.openxmlformats.org/drawingml/2006/chart" xmlns:dgm="http://schemas.openxmlformats.org/drawingml/2006/diagram" xmlns:o="urn:schemas-microsoft-com:office:office" xmlns:v="urn:schemas-microsoft-com:vml" xmlns:pvml="urn:schemas-microsoft-com:office:powerpoint" xmlns:com="http://schemas.openxmlformats.org/drawingml/2006/compatibility" xmlns:p14="http://schemas.microsoft.com/office/powerpoint/2010/main" xmlns:p15="http://schemas.microsoft.com/office/powerpoint/2012/main" xmlns:ahyp="http://schemas.microsoft.com/office/drawing/2018/hyperlinkcolor">
+  <p:cSld>
+    <p:spTree>
+      <p:nvGrpSpPr>
+        <p:cNvPr id="244" name="Shape 244"/>
+        <p:cNvGrpSpPr/>
+        <p:nvPr/>
+      </p:nvGrpSpPr>
+      <p:grpSpPr>
+        <a:xfrm>
+          <a:off x="0" y="0"/>
+          <a:ext cx="0" cy="0"/>
+          <a:chOff x="0" y="0"/>
+          <a:chExt cx="0" cy="0"/>
+        </a:xfrm>
+      </p:grpSpPr>
+      <p:sp>
+        <p:nvSpPr>
+          <p:cNvPr id="245" name="Google Shape;245;p42"/>
+          <p:cNvSpPr txBox="1"/>
+          <p:nvPr>
+            <p:ph type="title"/>
+          </p:nvPr>
+        </p:nvSpPr>
+        <p:spPr>
+          <a:xfrm>
+            <a:off x="311700" y="445025"/>
+            <a:ext cx="8520600" cy="572700"/>
+          </a:xfrm>
+          <a:prstGeom prst="rect">
+            <a:avLst/>
+          </a:prstGeom>
+        </p:spPr>
+        <p:txBody>
+          <a:bodyPr anchorCtr="0" anchor="ctr" bIns="34275" lIns="68575" spcFirstLastPara="1" rIns="68575" wrap="square" tIns="34275">
+            <a:normAutofit/>
+          </a:bodyPr>
+          <a:lstStyle/>
+          <a:p>
+            <a:pPr indent="0" lvl="0" marL="0" rtl="0" algn="l">
+              <a:spcBef>
+                <a:spcPts val="0"/>
+              </a:spcBef>
+              <a:spcAft>
+                <a:spcPts val="0"/>
+              </a:spcAft>
+              <a:buNone/>
+            </a:pPr>
+            <a:r>
+              <a:rPr lang="en"/>
+              <a:t>Concurrency Problems </a:t>
+            </a:r>
+            <a:r>
+              <a:rPr b="1" lang="en"/>
+              <a:t>Starvation</a:t>
+            </a:r>
+            <a:endParaRPr/>
+          </a:p>
+        </p:txBody>
+      </p:sp>
+      <p:sp>
+        <p:nvSpPr>
+          <p:cNvPr id="246" name="Google Shape;246;p42"/>
+          <p:cNvSpPr txBox="1"/>
+          <p:nvPr>
+            <p:ph idx="1" type="body"/>
+          </p:nvPr>
+        </p:nvSpPr>
+        <p:spPr>
+          <a:xfrm>
+            <a:off x="311700" y="1152475"/>
+            <a:ext cx="2117400" cy="3416400"/>
+          </a:xfrm>
+          <a:prstGeom prst="rect">
+            <a:avLst/>
+          </a:prstGeom>
+        </p:spPr>
+        <p:txBody>
+          <a:bodyPr anchorCtr="0" anchor="t" bIns="34275" lIns="68575" spcFirstLastPara="1" rIns="68575" wrap="square" tIns="34275">
+            <a:normAutofit/>
+          </a:bodyPr>
+          <a:lstStyle/>
+          <a:p>
+            <a:pPr indent="0" lvl="0" marL="0" rtl="0" algn="ctr">
+              <a:spcBef>
+                <a:spcPts val="800"/>
+              </a:spcBef>
+              <a:spcAft>
+                <a:spcPts val="0"/>
+              </a:spcAft>
+              <a:buNone/>
+            </a:pPr>
+            <a:r>
+              <a:rPr b="1" lang="en">
+                <a:solidFill>
+                  <a:schemeClr val="dk1"/>
+                </a:solidFill>
+              </a:rPr>
+              <a:t>THREAD 1</a:t>
+            </a:r>
+            <a:endParaRPr b="1">
+              <a:solidFill>
+                <a:schemeClr val="dk1"/>
+              </a:solidFill>
+            </a:endParaRPr>
+          </a:p>
+          <a:p>
+            <a:pPr indent="0" lvl="0" marL="0" rtl="0" algn="l">
+              <a:spcBef>
+                <a:spcPts val="800"/>
+              </a:spcBef>
+              <a:spcAft>
+                <a:spcPts val="0"/>
+              </a:spcAft>
+              <a:buNone/>
+            </a:pPr>
+            <a:r>
+              <a:rPr lang="en" sz="1600">
+                <a:solidFill>
+                  <a:schemeClr val="dk1"/>
+                </a:solidFill>
+                <a:latin typeface="Courier New"/>
+                <a:ea typeface="Courier New"/>
+                <a:cs typeface="Courier New"/>
+                <a:sym typeface="Courier New"/>
+              </a:rPr>
+              <a:t>while(x &lt; 4)</a:t>
+            </a:r>
+            <a:endParaRPr sz="1600">
+              <a:solidFill>
+                <a:schemeClr val="dk1"/>
+              </a:solidFill>
+              <a:latin typeface="Courier New"/>
+              <a:ea typeface="Courier New"/>
+              <a:cs typeface="Courier New"/>
+              <a:sym typeface="Courier New"/>
+            </a:endParaRPr>
+          </a:p>
+          <a:p>
+            <a:pPr indent="0" lvl="0" marL="0" rtl="0" algn="l">
+              <a:spcBef>
+                <a:spcPts val="800"/>
+              </a:spcBef>
+              <a:spcAft>
+                <a:spcPts val="0"/>
+              </a:spcAft>
+              <a:buNone/>
+            </a:pPr>
+            <a:r>
+              <a:rPr lang="en" sz="1600">
+                <a:solidFill>
+                  <a:schemeClr val="dk1"/>
+                </a:solidFill>
+                <a:latin typeface="Courier New"/>
+                <a:ea typeface="Courier New"/>
+                <a:cs typeface="Courier New"/>
+                <a:sym typeface="Courier New"/>
+              </a:rPr>
+              <a:t>{</a:t>
+            </a:r>
+            <a:endParaRPr sz="1600">
+              <a:solidFill>
+                <a:schemeClr val="dk1"/>
+              </a:solidFill>
+              <a:latin typeface="Courier New"/>
+              <a:ea typeface="Courier New"/>
+              <a:cs typeface="Courier New"/>
+              <a:sym typeface="Courier New"/>
+            </a:endParaRPr>
+          </a:p>
+          <a:p>
+            <a:pPr indent="457200" lvl="0" marL="0" rtl="0" algn="l">
+              <a:spcBef>
+                <a:spcPts val="800"/>
+              </a:spcBef>
+              <a:spcAft>
+                <a:spcPts val="0"/>
+              </a:spcAft>
+              <a:buNone/>
+            </a:pPr>
+            <a:r>
+              <a:rPr lang="en" sz="1600">
+                <a:solidFill>
+                  <a:schemeClr val="dk1"/>
+                </a:solidFill>
+                <a:latin typeface="Courier New"/>
+                <a:ea typeface="Courier New"/>
+                <a:cs typeface="Courier New"/>
+                <a:sym typeface="Courier New"/>
+              </a:rPr>
+              <a:t>synchronized(sharedObject)</a:t>
+            </a:r>
+            <a:endParaRPr sz="1600">
+              <a:solidFill>
+                <a:schemeClr val="dk1"/>
+              </a:solidFill>
+              <a:latin typeface="Courier New"/>
+              <a:ea typeface="Courier New"/>
+              <a:cs typeface="Courier New"/>
+              <a:sym typeface="Courier New"/>
+            </a:endParaRPr>
+          </a:p>
+          <a:p>
+            <a:pPr indent="457200" lvl="0" marL="0" rtl="0" algn="l">
+              <a:spcBef>
+                <a:spcPts val="800"/>
+              </a:spcBef>
+              <a:spcAft>
+                <a:spcPts val="0"/>
+              </a:spcAft>
+              <a:buNone/>
+            </a:pPr>
+            <a:r>
+              <a:rPr lang="en" sz="1600">
+                <a:solidFill>
+                  <a:schemeClr val="dk1"/>
+                </a:solidFill>
+                <a:latin typeface="Courier New"/>
+                <a:ea typeface="Courier New"/>
+                <a:cs typeface="Courier New"/>
+                <a:sym typeface="Courier New"/>
+              </a:rPr>
+              <a:t>{</a:t>
+            </a:r>
+            <a:endParaRPr sz="1600">
+              <a:solidFill>
+                <a:schemeClr val="dk1"/>
+              </a:solidFill>
+              <a:latin typeface="Courier New"/>
+              <a:ea typeface="Courier New"/>
+              <a:cs typeface="Courier New"/>
+              <a:sym typeface="Courier New"/>
+            </a:endParaRPr>
+          </a:p>
+          <a:p>
+            <a:pPr indent="457200" lvl="0" marL="457200" rtl="0" algn="l">
+              <a:spcBef>
+                <a:spcPts val="800"/>
+              </a:spcBef>
+              <a:spcAft>
+                <a:spcPts val="0"/>
+              </a:spcAft>
+              <a:buNone/>
+            </a:pPr>
+            <a:r>
+              <a:rPr lang="en" sz="1600">
+                <a:solidFill>
+                  <a:schemeClr val="dk1"/>
+                </a:solidFill>
+                <a:latin typeface="Courier New"/>
+                <a:ea typeface="Courier New"/>
+                <a:cs typeface="Courier New"/>
+                <a:sym typeface="Courier New"/>
+              </a:rPr>
+              <a:t>x++;</a:t>
+            </a:r>
+            <a:endParaRPr sz="1600">
+              <a:solidFill>
+                <a:schemeClr val="dk1"/>
+              </a:solidFill>
+              <a:latin typeface="Courier New"/>
+              <a:ea typeface="Courier New"/>
+              <a:cs typeface="Courier New"/>
+              <a:sym typeface="Courier New"/>
+            </a:endParaRPr>
+          </a:p>
+          <a:p>
+            <a:pPr indent="457200" lvl="0" marL="0" rtl="0" algn="l">
+              <a:spcBef>
+                <a:spcPts val="800"/>
+              </a:spcBef>
+              <a:spcAft>
+                <a:spcPts val="0"/>
+              </a:spcAft>
+              <a:buNone/>
+            </a:pPr>
+            <a:r>
+              <a:rPr lang="en" sz="1600">
+                <a:solidFill>
+                  <a:schemeClr val="dk1"/>
+                </a:solidFill>
+                <a:latin typeface="Courier New"/>
+                <a:ea typeface="Courier New"/>
+                <a:cs typeface="Courier New"/>
+                <a:sym typeface="Courier New"/>
+              </a:rPr>
+              <a:t>}</a:t>
+            </a:r>
+            <a:endParaRPr sz="1600">
+              <a:solidFill>
+                <a:schemeClr val="dk1"/>
+              </a:solidFill>
+              <a:latin typeface="Courier New"/>
+              <a:ea typeface="Courier New"/>
+              <a:cs typeface="Courier New"/>
+              <a:sym typeface="Courier New"/>
+            </a:endParaRPr>
+          </a:p>
+          <a:p>
+            <a:pPr indent="0" lvl="0" marL="0" rtl="0" algn="l">
+              <a:spcBef>
+                <a:spcPts val="800"/>
+              </a:spcBef>
+              <a:spcAft>
+                <a:spcPts val="0"/>
+              </a:spcAft>
+              <a:buNone/>
+            </a:pPr>
+            <a:r>
+              <a:rPr lang="en" sz="1600">
+                <a:solidFill>
+                  <a:schemeClr val="dk1"/>
+                </a:solidFill>
+                <a:latin typeface="Courier New"/>
+                <a:ea typeface="Courier New"/>
+                <a:cs typeface="Courier New"/>
+                <a:sym typeface="Courier New"/>
+              </a:rPr>
+              <a:t>}</a:t>
+            </a:r>
+            <a:endParaRPr sz="1600">
+              <a:solidFill>
+                <a:schemeClr val="dk1"/>
+              </a:solidFill>
+              <a:latin typeface="Courier New"/>
+              <a:ea typeface="Courier New"/>
+              <a:cs typeface="Courier New"/>
+              <a:sym typeface="Courier New"/>
+            </a:endParaRPr>
+          </a:p>
+        </p:txBody>
+      </p:sp>
+      <p:sp>
+        <p:nvSpPr>
+          <p:cNvPr id="247" name="Google Shape;247;p42"/>
+          <p:cNvSpPr txBox="1"/>
+          <p:nvPr>
+            <p:ph idx="1" type="body"/>
+          </p:nvPr>
+        </p:nvSpPr>
+        <p:spPr>
+          <a:xfrm>
+            <a:off x="2429100" y="1152475"/>
+            <a:ext cx="2117400" cy="3416400"/>
+          </a:xfrm>
+          <a:prstGeom prst="rect">
+            <a:avLst/>
+          </a:prstGeom>
+        </p:spPr>
+        <p:txBody>
+          <a:bodyPr anchorCtr="0" anchor="t" bIns="34275" lIns="68575" spcFirstLastPara="1" rIns="68575" wrap="square" tIns="34275">
+            <a:normAutofit/>
+          </a:bodyPr>
+          <a:lstStyle/>
+          <a:p>
+            <a:pPr indent="0" lvl="0" marL="0" rtl="0" algn="ctr">
+              <a:spcBef>
+                <a:spcPts val="800"/>
+              </a:spcBef>
+              <a:spcAft>
+                <a:spcPts val="0"/>
+              </a:spcAft>
+              <a:buNone/>
+            </a:pPr>
+            <a:r>
+              <a:rPr b="1" lang="en">
+                <a:solidFill>
+                  <a:schemeClr val="dk1"/>
+                </a:solidFill>
+              </a:rPr>
+              <a:t>THREAD 2</a:t>
+            </a:r>
+            <a:endParaRPr b="1">
+              <a:solidFill>
+                <a:schemeClr val="dk1"/>
+              </a:solidFill>
+            </a:endParaRPr>
+          </a:p>
+          <a:p>
+            <a:pPr indent="0" lvl="0" marL="0" rtl="0" algn="l">
+              <a:spcBef>
+                <a:spcPts val="800"/>
+              </a:spcBef>
+              <a:spcAft>
+                <a:spcPts val="0"/>
+              </a:spcAft>
+              <a:buNone/>
+            </a:pPr>
+            <a:r>
+              <a:rPr lang="en" sz="1600">
+                <a:solidFill>
+                  <a:schemeClr val="dk1"/>
+                </a:solidFill>
+                <a:latin typeface="Courier New"/>
+                <a:ea typeface="Courier New"/>
+                <a:cs typeface="Courier New"/>
+                <a:sym typeface="Courier New"/>
+              </a:rPr>
+              <a:t>while(x &lt; 4)</a:t>
+            </a:r>
+            <a:endParaRPr sz="1600">
+              <a:solidFill>
+                <a:schemeClr val="dk1"/>
+              </a:solidFill>
+              <a:latin typeface="Courier New"/>
+              <a:ea typeface="Courier New"/>
+              <a:cs typeface="Courier New"/>
+              <a:sym typeface="Courier New"/>
+            </a:endParaRPr>
+          </a:p>
+          <a:p>
+            <a:pPr indent="0" lvl="0" marL="0" rtl="0" algn="l">
+              <a:spcBef>
+                <a:spcPts val="800"/>
+              </a:spcBef>
+              <a:spcAft>
+                <a:spcPts val="0"/>
+              </a:spcAft>
+              <a:buNone/>
+            </a:pPr>
+            <a:r>
+              <a:rPr lang="en" sz="1600">
+                <a:solidFill>
+                  <a:schemeClr val="dk1"/>
+                </a:solidFill>
+                <a:latin typeface="Courier New"/>
+                <a:ea typeface="Courier New"/>
+                <a:cs typeface="Courier New"/>
+                <a:sym typeface="Courier New"/>
+              </a:rPr>
+              <a:t>{</a:t>
+            </a:r>
+            <a:endParaRPr sz="1600">
+              <a:solidFill>
+                <a:schemeClr val="dk1"/>
+              </a:solidFill>
+              <a:latin typeface="Courier New"/>
+              <a:ea typeface="Courier New"/>
+              <a:cs typeface="Courier New"/>
+              <a:sym typeface="Courier New"/>
+            </a:endParaRPr>
+          </a:p>
+          <a:p>
+            <a:pPr indent="457200" lvl="0" marL="0" rtl="0" algn="l">
+              <a:spcBef>
+                <a:spcPts val="800"/>
+              </a:spcBef>
+              <a:spcAft>
+                <a:spcPts val="0"/>
+              </a:spcAft>
+              <a:buNone/>
+            </a:pPr>
+            <a:r>
+              <a:rPr lang="en" sz="1600">
+                <a:solidFill>
+                  <a:schemeClr val="dk1"/>
+                </a:solidFill>
+                <a:latin typeface="Courier New"/>
+                <a:ea typeface="Courier New"/>
+                <a:cs typeface="Courier New"/>
+                <a:sym typeface="Courier New"/>
+              </a:rPr>
+              <a:t>synchronized(sharedObject)</a:t>
+            </a:r>
+            <a:endParaRPr sz="1600">
+              <a:solidFill>
+                <a:schemeClr val="dk1"/>
+              </a:solidFill>
+              <a:latin typeface="Courier New"/>
+              <a:ea typeface="Courier New"/>
+              <a:cs typeface="Courier New"/>
+              <a:sym typeface="Courier New"/>
+            </a:endParaRPr>
+          </a:p>
+          <a:p>
+            <a:pPr indent="457200" lvl="0" marL="0" rtl="0" algn="l">
+              <a:spcBef>
+                <a:spcPts val="800"/>
+              </a:spcBef>
+              <a:spcAft>
+                <a:spcPts val="0"/>
+              </a:spcAft>
+              <a:buNone/>
+            </a:pPr>
+            <a:r>
+              <a:rPr lang="en" sz="1600">
+                <a:solidFill>
+                  <a:schemeClr val="dk1"/>
+                </a:solidFill>
+                <a:latin typeface="Courier New"/>
+                <a:ea typeface="Courier New"/>
+                <a:cs typeface="Courier New"/>
+                <a:sym typeface="Courier New"/>
+              </a:rPr>
+              <a:t>{</a:t>
+            </a:r>
+            <a:endParaRPr sz="1600">
+              <a:solidFill>
+                <a:schemeClr val="dk1"/>
+              </a:solidFill>
+              <a:latin typeface="Courier New"/>
+              <a:ea typeface="Courier New"/>
+              <a:cs typeface="Courier New"/>
+              <a:sym typeface="Courier New"/>
+            </a:endParaRPr>
+          </a:p>
+          <a:p>
+            <a:pPr indent="457200" lvl="0" marL="457200" rtl="0" algn="l">
+              <a:spcBef>
+                <a:spcPts val="800"/>
+              </a:spcBef>
+              <a:spcAft>
+                <a:spcPts val="0"/>
+              </a:spcAft>
+              <a:buNone/>
+            </a:pPr>
+            <a:r>
+              <a:rPr lang="en" sz="1600">
+                <a:solidFill>
+                  <a:schemeClr val="dk1"/>
+                </a:solidFill>
+                <a:latin typeface="Courier New"/>
+                <a:ea typeface="Courier New"/>
+                <a:cs typeface="Courier New"/>
+                <a:sym typeface="Courier New"/>
+              </a:rPr>
+              <a:t>x++;</a:t>
+            </a:r>
+            <a:endParaRPr sz="1600">
+              <a:solidFill>
+                <a:schemeClr val="dk1"/>
+              </a:solidFill>
+              <a:latin typeface="Courier New"/>
+              <a:ea typeface="Courier New"/>
+              <a:cs typeface="Courier New"/>
+              <a:sym typeface="Courier New"/>
+            </a:endParaRPr>
+          </a:p>
+          <a:p>
+            <a:pPr indent="457200" lvl="0" marL="0" rtl="0" algn="l">
+              <a:spcBef>
+                <a:spcPts val="800"/>
+              </a:spcBef>
+              <a:spcAft>
+                <a:spcPts val="0"/>
+              </a:spcAft>
+              <a:buNone/>
+            </a:pPr>
+            <a:r>
+              <a:rPr lang="en" sz="1600">
+                <a:solidFill>
+                  <a:schemeClr val="dk1"/>
+                </a:solidFill>
+                <a:latin typeface="Courier New"/>
+                <a:ea typeface="Courier New"/>
+                <a:cs typeface="Courier New"/>
+                <a:sym typeface="Courier New"/>
+              </a:rPr>
+              <a:t>}</a:t>
+            </a:r>
+            <a:endParaRPr sz="1600">
+              <a:solidFill>
+                <a:schemeClr val="dk1"/>
+              </a:solidFill>
+              <a:latin typeface="Courier New"/>
+              <a:ea typeface="Courier New"/>
+              <a:cs typeface="Courier New"/>
+              <a:sym typeface="Courier New"/>
+            </a:endParaRPr>
+          </a:p>
+          <a:p>
+            <a:pPr indent="0" lvl="0" marL="0" rtl="0" algn="l">
+              <a:spcBef>
+                <a:spcPts val="800"/>
+              </a:spcBef>
+              <a:spcAft>
+                <a:spcPts val="0"/>
+              </a:spcAft>
+              <a:buNone/>
+            </a:pPr>
+            <a:r>
+              <a:rPr lang="en" sz="1600">
+                <a:solidFill>
+                  <a:schemeClr val="dk1"/>
+                </a:solidFill>
+                <a:latin typeface="Courier New"/>
+                <a:ea typeface="Courier New"/>
+                <a:cs typeface="Courier New"/>
+                <a:sym typeface="Courier New"/>
+              </a:rPr>
+              <a:t>}</a:t>
+            </a:r>
+            <a:endParaRPr sz="1600">
+              <a:solidFill>
+                <a:schemeClr val="dk1"/>
+              </a:solidFill>
+              <a:latin typeface="Courier New"/>
+              <a:ea typeface="Courier New"/>
+              <a:cs typeface="Courier New"/>
+              <a:sym typeface="Courier New"/>
+            </a:endParaRPr>
+          </a:p>
+        </p:txBody>
+      </p:sp>
+      <p:sp>
+        <p:nvSpPr>
+          <p:cNvPr id="248" name="Google Shape;248;p42"/>
+          <p:cNvSpPr txBox="1"/>
+          <p:nvPr>
+            <p:ph idx="1" type="body"/>
+          </p:nvPr>
+        </p:nvSpPr>
+        <p:spPr>
+          <a:xfrm>
+            <a:off x="6663900" y="1152475"/>
+            <a:ext cx="2168400" cy="3416400"/>
+          </a:xfrm>
+          <a:prstGeom prst="rect">
+            <a:avLst/>
+          </a:prstGeom>
+        </p:spPr>
+        <p:txBody>
+          <a:bodyPr anchorCtr="0" anchor="t" bIns="34275" lIns="68575" spcFirstLastPara="1" rIns="68575" wrap="square" tIns="34275">
+            <a:normAutofit fontScale="47500" lnSpcReduction="20000"/>
+          </a:bodyPr>
+          <a:lstStyle/>
+          <a:p>
+            <a:pPr indent="0" lvl="0" marL="0" rtl="0" algn="ctr">
+              <a:spcBef>
+                <a:spcPts val="800"/>
+              </a:spcBef>
+              <a:spcAft>
+                <a:spcPts val="0"/>
+              </a:spcAft>
+              <a:buNone/>
+            </a:pPr>
+            <a:r>
+              <a:rPr b="1" lang="en">
+                <a:solidFill>
+                  <a:schemeClr val="dk1"/>
+                </a:solidFill>
+              </a:rPr>
+              <a:t>possible output</a:t>
+            </a:r>
+            <a:endParaRPr b="1">
+              <a:solidFill>
+                <a:schemeClr val="dk1"/>
+              </a:solidFill>
+            </a:endParaRPr>
+          </a:p>
+          <a:p>
+            <a:pPr indent="0" lvl="0" marL="0" rtl="0" algn="ctr">
+              <a:spcBef>
+                <a:spcPts val="800"/>
+              </a:spcBef>
+              <a:spcAft>
+                <a:spcPts val="0"/>
+              </a:spcAft>
+              <a:buNone/>
+            </a:pPr>
+            <a:r>
+              <a:rPr b="1" lang="en">
+                <a:solidFill>
+                  <a:schemeClr val="dk1"/>
+                </a:solidFill>
+                <a:latin typeface="Courier New"/>
+                <a:ea typeface="Courier New"/>
+                <a:cs typeface="Courier New"/>
+                <a:sym typeface="Courier New"/>
+              </a:rPr>
+              <a:t>THREAD 1</a:t>
+            </a:r>
+            <a:endParaRPr b="1">
+              <a:solidFill>
+                <a:schemeClr val="dk1"/>
+              </a:solidFill>
+              <a:latin typeface="Courier New"/>
+              <a:ea typeface="Courier New"/>
+              <a:cs typeface="Courier New"/>
+              <a:sym typeface="Courier New"/>
+            </a:endParaRPr>
+          </a:p>
+          <a:p>
+            <a:pPr indent="0" lvl="0" marL="0" rtl="0" algn="ctr">
+              <a:spcBef>
+                <a:spcPts val="800"/>
+              </a:spcBef>
+              <a:spcAft>
+                <a:spcPts val="0"/>
+              </a:spcAft>
+              <a:buNone/>
+            </a:pPr>
+            <a:r>
+              <a:rPr lang="en">
+                <a:solidFill>
+                  <a:schemeClr val="dk1"/>
+                </a:solidFill>
+                <a:latin typeface="Courier New"/>
+                <a:ea typeface="Courier New"/>
+                <a:cs typeface="Courier New"/>
+                <a:sym typeface="Courier New"/>
+              </a:rPr>
+              <a:t>x = 1;</a:t>
+            </a:r>
+            <a:endParaRPr>
+              <a:solidFill>
+                <a:schemeClr val="dk1"/>
+              </a:solidFill>
+              <a:latin typeface="Courier New"/>
+              <a:ea typeface="Courier New"/>
+              <a:cs typeface="Courier New"/>
+              <a:sym typeface="Courier New"/>
+            </a:endParaRPr>
+          </a:p>
+          <a:p>
+            <a:pPr indent="0" lvl="0" marL="0" rtl="0" algn="ctr">
+              <a:spcBef>
+                <a:spcPts val="800"/>
+              </a:spcBef>
+              <a:spcAft>
+                <a:spcPts val="0"/>
+              </a:spcAft>
+              <a:buNone/>
+            </a:pPr>
+            <a:r>
+              <a:rPr lang="en">
+                <a:solidFill>
+                  <a:schemeClr val="dk1"/>
+                </a:solidFill>
+                <a:latin typeface="Courier New"/>
+                <a:ea typeface="Courier New"/>
+                <a:cs typeface="Courier New"/>
+                <a:sym typeface="Courier New"/>
+              </a:rPr>
+              <a:t>x = 2;</a:t>
+            </a:r>
+            <a:endParaRPr>
+              <a:solidFill>
+                <a:schemeClr val="dk1"/>
+              </a:solidFill>
+              <a:latin typeface="Courier New"/>
+              <a:ea typeface="Courier New"/>
+              <a:cs typeface="Courier New"/>
+              <a:sym typeface="Courier New"/>
+            </a:endParaRPr>
+          </a:p>
+          <a:p>
+            <a:pPr indent="0" lvl="0" marL="0" rtl="0" algn="ctr">
+              <a:spcBef>
+                <a:spcPts val="800"/>
+              </a:spcBef>
+              <a:spcAft>
+                <a:spcPts val="0"/>
+              </a:spcAft>
+              <a:buClr>
+                <a:schemeClr val="dk1"/>
+              </a:buClr>
+              <a:buSzPct val="52380"/>
+              <a:buFont typeface="Arial"/>
+              <a:buNone/>
+            </a:pPr>
+            <a:r>
+              <a:rPr lang="en">
+                <a:solidFill>
+                  <a:schemeClr val="dk1"/>
+                </a:solidFill>
+                <a:latin typeface="Courier New"/>
+                <a:ea typeface="Courier New"/>
+                <a:cs typeface="Courier New"/>
+                <a:sym typeface="Courier New"/>
+              </a:rPr>
+              <a:t>x = 3;</a:t>
+            </a:r>
+            <a:endParaRPr>
+              <a:solidFill>
+                <a:schemeClr val="dk1"/>
+              </a:solidFill>
+              <a:latin typeface="Courier New"/>
+              <a:ea typeface="Courier New"/>
+              <a:cs typeface="Courier New"/>
+              <a:sym typeface="Courier New"/>
+            </a:endParaRPr>
+          </a:p>
+          <a:p>
+            <a:pPr indent="0" lvl="0" marL="0" rtl="0" algn="ctr">
+              <a:spcBef>
+                <a:spcPts val="800"/>
+              </a:spcBef>
+              <a:spcAft>
+                <a:spcPts val="0"/>
+              </a:spcAft>
+              <a:buClr>
+                <a:schemeClr val="dk1"/>
+              </a:buClr>
+              <a:buSzPct val="52380"/>
+              <a:buFont typeface="Arial"/>
+              <a:buNone/>
+            </a:pPr>
+            <a:r>
+              <a:rPr lang="en">
+                <a:solidFill>
+                  <a:schemeClr val="dk1"/>
+                </a:solidFill>
+                <a:latin typeface="Courier New"/>
+                <a:ea typeface="Courier New"/>
+                <a:cs typeface="Courier New"/>
+                <a:sym typeface="Courier New"/>
+              </a:rPr>
+              <a:t>x = 4;</a:t>
+            </a:r>
+            <a:endParaRPr>
+              <a:solidFill>
+                <a:schemeClr val="dk1"/>
+              </a:solidFill>
+              <a:latin typeface="Courier New"/>
+              <a:ea typeface="Courier New"/>
+              <a:cs typeface="Courier New"/>
+              <a:sym typeface="Courier New"/>
+            </a:endParaRPr>
+          </a:p>
+          <a:p>
+            <a:pPr indent="0" lvl="0" marL="0" rtl="0" algn="ctr">
+              <a:spcBef>
+                <a:spcPts val="800"/>
+              </a:spcBef>
+              <a:spcAft>
+                <a:spcPts val="0"/>
+              </a:spcAft>
+              <a:buNone/>
+            </a:pPr>
+            <a:r>
+              <a:rPr b="1" lang="en">
+                <a:solidFill>
+                  <a:schemeClr val="dk1"/>
+                </a:solidFill>
+                <a:latin typeface="Courier New"/>
+                <a:ea typeface="Courier New"/>
+                <a:cs typeface="Courier New"/>
+                <a:sym typeface="Courier New"/>
+              </a:rPr>
+              <a:t>THREAD 2</a:t>
+            </a:r>
+            <a:endParaRPr b="1">
+              <a:solidFill>
+                <a:schemeClr val="dk1"/>
+              </a:solidFill>
+              <a:latin typeface="Courier New"/>
+              <a:ea typeface="Courier New"/>
+              <a:cs typeface="Courier New"/>
+              <a:sym typeface="Courier New"/>
+            </a:endParaRPr>
+          </a:p>
+          <a:p>
+            <a:pPr indent="0" lvl="0" marL="0" rtl="0" algn="ctr">
+              <a:spcBef>
+                <a:spcPts val="800"/>
+              </a:spcBef>
+              <a:spcAft>
+                <a:spcPts val="0"/>
+              </a:spcAft>
+              <a:buClr>
+                <a:schemeClr val="dk1"/>
+              </a:buClr>
+              <a:buSzPct val="52380"/>
+              <a:buFont typeface="Arial"/>
+              <a:buNone/>
+            </a:pPr>
+            <a:r>
+              <a:rPr lang="en">
+                <a:solidFill>
+                  <a:schemeClr val="dk1"/>
+                </a:solidFill>
+                <a:latin typeface="Courier New"/>
+                <a:ea typeface="Courier New"/>
+                <a:cs typeface="Courier New"/>
+                <a:sym typeface="Courier New"/>
+              </a:rPr>
+              <a:t>x = 1;</a:t>
+            </a:r>
+            <a:endParaRPr>
+              <a:solidFill>
+                <a:schemeClr val="dk1"/>
+              </a:solidFill>
+              <a:latin typeface="Courier New"/>
+              <a:ea typeface="Courier New"/>
+              <a:cs typeface="Courier New"/>
+              <a:sym typeface="Courier New"/>
+            </a:endParaRPr>
+          </a:p>
+          <a:p>
+            <a:pPr indent="0" lvl="0" marL="0" rtl="0" algn="ctr">
+              <a:spcBef>
+                <a:spcPts val="800"/>
+              </a:spcBef>
+              <a:spcAft>
+                <a:spcPts val="0"/>
+              </a:spcAft>
+              <a:buClr>
+                <a:schemeClr val="dk1"/>
+              </a:buClr>
+              <a:buSzPct val="52380"/>
+              <a:buFont typeface="Arial"/>
+              <a:buNone/>
+            </a:pPr>
+            <a:r>
+              <a:rPr lang="en">
+                <a:solidFill>
+                  <a:schemeClr val="dk1"/>
+                </a:solidFill>
+                <a:latin typeface="Courier New"/>
+                <a:ea typeface="Courier New"/>
+                <a:cs typeface="Courier New"/>
+                <a:sym typeface="Courier New"/>
+              </a:rPr>
+              <a:t>x = 2;</a:t>
+            </a:r>
+            <a:endParaRPr>
+              <a:solidFill>
+                <a:schemeClr val="dk1"/>
+              </a:solidFill>
+              <a:latin typeface="Courier New"/>
+              <a:ea typeface="Courier New"/>
+              <a:cs typeface="Courier New"/>
+              <a:sym typeface="Courier New"/>
+            </a:endParaRPr>
+          </a:p>
+          <a:p>
+            <a:pPr indent="0" lvl="0" marL="0" rtl="0" algn="ctr">
+              <a:spcBef>
+                <a:spcPts val="800"/>
+              </a:spcBef>
+              <a:spcAft>
+                <a:spcPts val="0"/>
+              </a:spcAft>
+              <a:buClr>
+                <a:schemeClr val="dk1"/>
+              </a:buClr>
+              <a:buSzPct val="52380"/>
+              <a:buFont typeface="Arial"/>
+              <a:buNone/>
+            </a:pPr>
+            <a:r>
+              <a:rPr lang="en">
+                <a:solidFill>
+                  <a:schemeClr val="dk1"/>
+                </a:solidFill>
+                <a:latin typeface="Courier New"/>
+                <a:ea typeface="Courier New"/>
+                <a:cs typeface="Courier New"/>
+                <a:sym typeface="Courier New"/>
+              </a:rPr>
+              <a:t>x = 3;</a:t>
+            </a:r>
+            <a:endParaRPr>
+              <a:solidFill>
+                <a:schemeClr val="dk1"/>
+              </a:solidFill>
+              <a:latin typeface="Courier New"/>
+              <a:ea typeface="Courier New"/>
+              <a:cs typeface="Courier New"/>
+              <a:sym typeface="Courier New"/>
+            </a:endParaRPr>
+          </a:p>
+          <a:p>
+            <a:pPr indent="0" lvl="0" marL="0" rtl="0" algn="ctr">
+              <a:spcBef>
+                <a:spcPts val="800"/>
+              </a:spcBef>
+              <a:spcAft>
+                <a:spcPts val="0"/>
+              </a:spcAft>
+              <a:buClr>
+                <a:schemeClr val="dk1"/>
+              </a:buClr>
+              <a:buSzPct val="52380"/>
+              <a:buFont typeface="Arial"/>
+              <a:buNone/>
+            </a:pPr>
+            <a:r>
+              <a:rPr lang="en">
+                <a:solidFill>
+                  <a:schemeClr val="dk1"/>
+                </a:solidFill>
+                <a:latin typeface="Courier New"/>
+                <a:ea typeface="Courier New"/>
+                <a:cs typeface="Courier New"/>
+                <a:sym typeface="Courier New"/>
+              </a:rPr>
+              <a:t>x = 4;</a:t>
+            </a:r>
+            <a:endParaRPr>
+              <a:solidFill>
+                <a:schemeClr val="dk1"/>
+              </a:solidFill>
+              <a:latin typeface="Courier New"/>
+              <a:ea typeface="Courier New"/>
+              <a:cs typeface="Courier New"/>
+              <a:sym typeface="Courier New"/>
+            </a:endParaRPr>
+          </a:p>
+          <a:p>
+            <a:pPr indent="0" lvl="0" marL="0" rtl="0" algn="ctr">
+              <a:spcBef>
+                <a:spcPts val="800"/>
+              </a:spcBef>
+              <a:spcAft>
+                <a:spcPts val="0"/>
+              </a:spcAft>
+              <a:buNone/>
+            </a:pPr>
+            <a:r>
+              <a:rPr b="1" lang="en">
+                <a:solidFill>
+                  <a:schemeClr val="dk1"/>
+                </a:solidFill>
+                <a:latin typeface="Courier New"/>
+                <a:ea typeface="Courier New"/>
+                <a:cs typeface="Courier New"/>
+                <a:sym typeface="Courier New"/>
+              </a:rPr>
+              <a:t>THREAD N</a:t>
+            </a:r>
+            <a:endParaRPr b="1">
+              <a:solidFill>
+                <a:schemeClr val="dk1"/>
+              </a:solidFill>
+              <a:latin typeface="Courier New"/>
+              <a:ea typeface="Courier New"/>
+              <a:cs typeface="Courier New"/>
+              <a:sym typeface="Courier New"/>
+            </a:endParaRPr>
+          </a:p>
+          <a:p>
+            <a:pPr indent="0" lvl="0" marL="0" rtl="0" algn="ctr">
+              <a:spcBef>
+                <a:spcPts val="800"/>
+              </a:spcBef>
+              <a:spcAft>
+                <a:spcPts val="0"/>
+              </a:spcAft>
+              <a:buClr>
+                <a:schemeClr val="dk1"/>
+              </a:buClr>
+              <a:buSzPct val="52380"/>
+              <a:buFont typeface="Arial"/>
+              <a:buNone/>
+            </a:pPr>
+            <a:r>
+              <a:rPr lang="en">
+                <a:solidFill>
+                  <a:schemeClr val="dk1"/>
+                </a:solidFill>
+                <a:latin typeface="Courier New"/>
+                <a:ea typeface="Courier New"/>
+                <a:cs typeface="Courier New"/>
+                <a:sym typeface="Courier New"/>
+              </a:rPr>
+              <a:t>x = 1;</a:t>
+            </a:r>
+            <a:endParaRPr>
+              <a:solidFill>
+                <a:schemeClr val="dk1"/>
+              </a:solidFill>
+              <a:latin typeface="Courier New"/>
+              <a:ea typeface="Courier New"/>
+              <a:cs typeface="Courier New"/>
+              <a:sym typeface="Courier New"/>
+            </a:endParaRPr>
+          </a:p>
+          <a:p>
+            <a:pPr indent="0" lvl="0" marL="0" rtl="0" algn="ctr">
+              <a:spcBef>
+                <a:spcPts val="800"/>
+              </a:spcBef>
+              <a:spcAft>
+                <a:spcPts val="0"/>
+              </a:spcAft>
+              <a:buClr>
+                <a:schemeClr val="dk1"/>
+              </a:buClr>
+              <a:buSzPct val="52380"/>
+              <a:buFont typeface="Arial"/>
+              <a:buNone/>
+            </a:pPr>
+            <a:r>
+              <a:rPr lang="en">
+                <a:solidFill>
+                  <a:schemeClr val="dk1"/>
+                </a:solidFill>
+                <a:latin typeface="Courier New"/>
+                <a:ea typeface="Courier New"/>
+                <a:cs typeface="Courier New"/>
+                <a:sym typeface="Courier New"/>
+              </a:rPr>
+              <a:t>x = 2;</a:t>
+            </a:r>
+            <a:endParaRPr>
+              <a:solidFill>
+                <a:schemeClr val="dk1"/>
+              </a:solidFill>
+              <a:latin typeface="Courier New"/>
+              <a:ea typeface="Courier New"/>
+              <a:cs typeface="Courier New"/>
+              <a:sym typeface="Courier New"/>
+            </a:endParaRPr>
+          </a:p>
+          <a:p>
+            <a:pPr indent="0" lvl="0" marL="0" rtl="0" algn="ctr">
+              <a:spcBef>
+                <a:spcPts val="800"/>
+              </a:spcBef>
+              <a:spcAft>
+                <a:spcPts val="0"/>
+              </a:spcAft>
+              <a:buClr>
+                <a:schemeClr val="dk1"/>
+              </a:buClr>
+              <a:buSzPct val="52380"/>
+              <a:buFont typeface="Arial"/>
+              <a:buNone/>
+            </a:pPr>
+            <a:r>
+              <a:rPr lang="en">
+                <a:solidFill>
+                  <a:schemeClr val="dk1"/>
+                </a:solidFill>
+                <a:latin typeface="Courier New"/>
+                <a:ea typeface="Courier New"/>
+                <a:cs typeface="Courier New"/>
+                <a:sym typeface="Courier New"/>
+              </a:rPr>
+              <a:t>x = 3;</a:t>
+            </a:r>
+            <a:endParaRPr>
+              <a:solidFill>
+                <a:schemeClr val="dk1"/>
+              </a:solidFill>
+              <a:latin typeface="Courier New"/>
+              <a:ea typeface="Courier New"/>
+              <a:cs typeface="Courier New"/>
+              <a:sym typeface="Courier New"/>
+            </a:endParaRPr>
+          </a:p>
+          <a:p>
+            <a:pPr indent="0" lvl="0" marL="0" rtl="0" algn="ctr">
+              <a:spcBef>
+                <a:spcPts val="800"/>
+              </a:spcBef>
+              <a:spcAft>
+                <a:spcPts val="0"/>
+              </a:spcAft>
+              <a:buNone/>
+            </a:pPr>
+            <a:r>
+              <a:rPr lang="en">
+                <a:solidFill>
+                  <a:schemeClr val="dk1"/>
+                </a:solidFill>
+                <a:latin typeface="Courier New"/>
+                <a:ea typeface="Courier New"/>
+                <a:cs typeface="Courier New"/>
+                <a:sym typeface="Courier New"/>
+              </a:rPr>
+              <a:t>x = 4;</a:t>
+            </a:r>
+            <a:endParaRPr>
+              <a:solidFill>
+                <a:schemeClr val="dk1"/>
+              </a:solidFill>
+              <a:latin typeface="Courier New"/>
+              <a:ea typeface="Courier New"/>
+              <a:cs typeface="Courier New"/>
+              <a:sym typeface="Courier New"/>
+            </a:endParaRPr>
+          </a:p>
+        </p:txBody>
+      </p:sp>
+      <p:sp>
+        <p:nvSpPr>
+          <p:cNvPr id="249" name="Google Shape;249;p42"/>
+          <p:cNvSpPr txBox="1"/>
+          <p:nvPr>
+            <p:ph idx="1" type="body"/>
+          </p:nvPr>
+        </p:nvSpPr>
+        <p:spPr>
+          <a:xfrm>
+            <a:off x="4546500" y="1152475"/>
+            <a:ext cx="2117400" cy="3416400"/>
+          </a:xfrm>
+          <a:prstGeom prst="rect">
+            <a:avLst/>
+          </a:prstGeom>
+        </p:spPr>
+        <p:txBody>
+          <a:bodyPr anchorCtr="0" anchor="t" bIns="34275" lIns="68575" spcFirstLastPara="1" rIns="68575" wrap="square" tIns="34275">
+            <a:normAutofit/>
+          </a:bodyPr>
+          <a:lstStyle/>
+          <a:p>
+            <a:pPr indent="0" lvl="0" marL="0" rtl="0" algn="ctr">
+              <a:spcBef>
+                <a:spcPts val="800"/>
+              </a:spcBef>
+              <a:spcAft>
+                <a:spcPts val="0"/>
+              </a:spcAft>
+              <a:buNone/>
+            </a:pPr>
+            <a:r>
+              <a:rPr b="1" lang="en">
+                <a:solidFill>
+                  <a:schemeClr val="dk1"/>
+                </a:solidFill>
+              </a:rPr>
+              <a:t>THREAD N</a:t>
+            </a:r>
+            <a:endParaRPr b="1">
+              <a:solidFill>
+                <a:schemeClr val="dk1"/>
+              </a:solidFill>
+            </a:endParaRPr>
+          </a:p>
+          <a:p>
+            <a:pPr indent="0" lvl="0" marL="0" rtl="0" algn="l">
+              <a:spcBef>
+                <a:spcPts val="800"/>
+              </a:spcBef>
+              <a:spcAft>
+                <a:spcPts val="0"/>
+              </a:spcAft>
+              <a:buNone/>
+            </a:pPr>
+            <a:r>
+              <a:rPr lang="en" sz="1600">
+                <a:solidFill>
+                  <a:schemeClr val="dk1"/>
+                </a:solidFill>
+                <a:latin typeface="Courier New"/>
+                <a:ea typeface="Courier New"/>
+                <a:cs typeface="Courier New"/>
+                <a:sym typeface="Courier New"/>
+              </a:rPr>
+              <a:t>while(x &lt; 4)</a:t>
+            </a:r>
+            <a:endParaRPr sz="1600">
+              <a:solidFill>
+                <a:schemeClr val="dk1"/>
+              </a:solidFill>
+              <a:latin typeface="Courier New"/>
+              <a:ea typeface="Courier New"/>
+              <a:cs typeface="Courier New"/>
+              <a:sym typeface="Courier New"/>
+            </a:endParaRPr>
+          </a:p>
+          <a:p>
+            <a:pPr indent="0" lvl="0" marL="0" rtl="0" algn="l">
+              <a:spcBef>
+                <a:spcPts val="800"/>
+              </a:spcBef>
+              <a:spcAft>
+                <a:spcPts val="0"/>
+              </a:spcAft>
+              <a:buNone/>
+            </a:pPr>
+            <a:r>
+              <a:rPr lang="en" sz="1600">
+                <a:solidFill>
+                  <a:schemeClr val="dk1"/>
+                </a:solidFill>
+                <a:latin typeface="Courier New"/>
+                <a:ea typeface="Courier New"/>
+                <a:cs typeface="Courier New"/>
+                <a:sym typeface="Courier New"/>
+              </a:rPr>
+              <a:t>{</a:t>
+            </a:r>
+            <a:endParaRPr sz="1600">
+              <a:solidFill>
+                <a:schemeClr val="dk1"/>
+              </a:solidFill>
+              <a:latin typeface="Courier New"/>
+              <a:ea typeface="Courier New"/>
+              <a:cs typeface="Courier New"/>
+              <a:sym typeface="Courier New"/>
+            </a:endParaRPr>
+          </a:p>
+          <a:p>
+            <a:pPr indent="457200" lvl="0" marL="0" rtl="0" algn="l">
+              <a:spcBef>
+                <a:spcPts val="800"/>
+              </a:spcBef>
+              <a:spcAft>
+                <a:spcPts val="0"/>
+              </a:spcAft>
+              <a:buNone/>
+            </a:pPr>
+            <a:r>
+              <a:rPr lang="en" sz="1600">
+                <a:solidFill>
+                  <a:schemeClr val="dk1"/>
+                </a:solidFill>
+                <a:latin typeface="Courier New"/>
+                <a:ea typeface="Courier New"/>
+                <a:cs typeface="Courier New"/>
+                <a:sym typeface="Courier New"/>
+              </a:rPr>
+              <a:t>synchronized(sharedObject)</a:t>
+            </a:r>
+            <a:endParaRPr sz="1600">
+              <a:solidFill>
+                <a:schemeClr val="dk1"/>
+              </a:solidFill>
+              <a:latin typeface="Courier New"/>
+              <a:ea typeface="Courier New"/>
+              <a:cs typeface="Courier New"/>
+              <a:sym typeface="Courier New"/>
+            </a:endParaRPr>
+          </a:p>
+          <a:p>
+            <a:pPr indent="457200" lvl="0" marL="0" rtl="0" algn="l">
+              <a:spcBef>
+                <a:spcPts val="800"/>
+              </a:spcBef>
+              <a:spcAft>
+                <a:spcPts val="0"/>
+              </a:spcAft>
+              <a:buNone/>
+            </a:pPr>
+            <a:r>
+              <a:rPr lang="en" sz="1600">
+                <a:solidFill>
+                  <a:schemeClr val="dk1"/>
+                </a:solidFill>
+                <a:latin typeface="Courier New"/>
+                <a:ea typeface="Courier New"/>
+                <a:cs typeface="Courier New"/>
+                <a:sym typeface="Courier New"/>
+              </a:rPr>
+              <a:t>{</a:t>
+            </a:r>
+            <a:endParaRPr sz="1600">
+              <a:solidFill>
+                <a:schemeClr val="dk1"/>
+              </a:solidFill>
+              <a:latin typeface="Courier New"/>
+              <a:ea typeface="Courier New"/>
+              <a:cs typeface="Courier New"/>
+              <a:sym typeface="Courier New"/>
+            </a:endParaRPr>
+          </a:p>
+          <a:p>
+            <a:pPr indent="457200" lvl="0" marL="457200" rtl="0" algn="l">
+              <a:spcBef>
+                <a:spcPts val="800"/>
+              </a:spcBef>
+              <a:spcAft>
+                <a:spcPts val="0"/>
+              </a:spcAft>
+              <a:buNone/>
+            </a:pPr>
+            <a:r>
+              <a:rPr lang="en" sz="1600">
+                <a:solidFill>
+                  <a:schemeClr val="dk1"/>
+                </a:solidFill>
+                <a:latin typeface="Courier New"/>
+                <a:ea typeface="Courier New"/>
+                <a:cs typeface="Courier New"/>
+                <a:sym typeface="Courier New"/>
+              </a:rPr>
+              <a:t>x++;</a:t>
+            </a:r>
+            <a:endParaRPr sz="1600">
+              <a:solidFill>
+                <a:schemeClr val="dk1"/>
+              </a:solidFill>
+              <a:latin typeface="Courier New"/>
+              <a:ea typeface="Courier New"/>
+              <a:cs typeface="Courier New"/>
+              <a:sym typeface="Courier New"/>
+            </a:endParaRPr>
+          </a:p>
+          <a:p>
+            <a:pPr indent="457200" lvl="0" marL="0" rtl="0" algn="l">
+              <a:spcBef>
+                <a:spcPts val="800"/>
+              </a:spcBef>
+              <a:spcAft>
+                <a:spcPts val="0"/>
+              </a:spcAft>
+              <a:buNone/>
+            </a:pPr>
+            <a:r>
+              <a:rPr lang="en" sz="1600">
+                <a:solidFill>
+                  <a:schemeClr val="dk1"/>
+                </a:solidFill>
+                <a:latin typeface="Courier New"/>
+                <a:ea typeface="Courier New"/>
+                <a:cs typeface="Courier New"/>
+                <a:sym typeface="Courier New"/>
+              </a:rPr>
+              <a:t>}</a:t>
+            </a:r>
+            <a:endParaRPr sz="1600">
+              <a:solidFill>
+                <a:schemeClr val="dk1"/>
+              </a:solidFill>
+              <a:latin typeface="Courier New"/>
+              <a:ea typeface="Courier New"/>
+              <a:cs typeface="Courier New"/>
+              <a:sym typeface="Courier New"/>
+            </a:endParaRPr>
+          </a:p>
+          <a:p>
+            <a:pPr indent="0" lvl="0" marL="0" rtl="0" algn="l">
+              <a:spcBef>
+                <a:spcPts val="800"/>
+              </a:spcBef>
+              <a:spcAft>
+                <a:spcPts val="0"/>
+              </a:spcAft>
+              <a:buNone/>
+            </a:pPr>
+            <a:r>
+              <a:rPr lang="en" sz="1600">
+                <a:solidFill>
+                  <a:schemeClr val="dk1"/>
+                </a:solidFill>
+                <a:latin typeface="Courier New"/>
+                <a:ea typeface="Courier New"/>
+                <a:cs typeface="Courier New"/>
+                <a:sym typeface="Courier New"/>
+              </a:rPr>
+              <a:t>}</a:t>
+            </a:r>
+            <a:endParaRPr sz="1600">
+              <a:solidFill>
+                <a:schemeClr val="dk1"/>
+              </a:solidFill>
+              <a:latin typeface="Courier New"/>
+              <a:ea typeface="Courier New"/>
+              <a:cs typeface="Courier New"/>
+              <a:sym typeface="Courier New"/>
+            </a:endParaRPr>
+          </a:p>
+        </p:txBody>
+      </p:sp>
+    </p:spTree>
+  </p:cSld>
+  <p:clrMapOvr>
+    <a:masterClrMapping/>
+  </p:clrMapOvr>
+</p:sld>
+</file>
+
+<file path=ppt/slides/slide17.xml><?xml version="1.0" encoding="utf-8"?>
+<p:sld xmlns:a="http://schemas.openxmlformats.org/drawingml/2006/main" xmlns:r="http://schemas.openxmlformats.org/officeDocument/2006/relationships" xmlns:mc="http://schemas.openxmlformats.org/markup-compatibility/2006" xmlns:mv="urn:schemas-microsoft-com:mac:vml" xmlns:p="http://schemas.openxmlformats.org/presentationml/2006/main" xmlns:c="http://schemas.openxmlformats.org/drawingml/2006/chart" xmlns:dgm="http://schemas.openxmlformats.org/drawingml/2006/diagram" xmlns:o="urn:schemas-microsoft-com:office:office" xmlns:v="urn:schemas-microsoft-com:vml" xmlns:pvml="urn:schemas-microsoft-com:office:powerpoint" xmlns:com="http://schemas.openxmlformats.org/drawingml/2006/compatibility" xmlns:p14="http://schemas.microsoft.com/office/powerpoint/2010/main" xmlns:p15="http://schemas.microsoft.com/office/powerpoint/2012/main" xmlns:ahyp="http://schemas.microsoft.com/office/drawing/2018/hyperlinkcolor">
+  <p:cSld>
+    <p:spTree>
+      <p:nvGrpSpPr>
+        <p:cNvPr id="253" name="Shape 253"/>
+        <p:cNvGrpSpPr/>
+        <p:nvPr/>
+      </p:nvGrpSpPr>
+      <p:grpSpPr>
+        <a:xfrm>
+          <a:off x="0" y="0"/>
+          <a:ext cx="0" cy="0"/>
+          <a:chOff x="0" y="0"/>
+          <a:chExt cx="0" cy="0"/>
+        </a:xfrm>
+      </p:grpSpPr>
+      <p:sp>
+        <p:nvSpPr>
+          <p:cNvPr id="254" name="Google Shape;254;p43"/>
+          <p:cNvSpPr txBox="1"/>
+          <p:nvPr>
+            <p:ph type="title"/>
+          </p:nvPr>
+        </p:nvSpPr>
+        <p:spPr>
+          <a:xfrm>
+            <a:off x="311700" y="445025"/>
+            <a:ext cx="8520600" cy="572700"/>
+          </a:xfrm>
+          <a:prstGeom prst="rect">
+            <a:avLst/>
+          </a:prstGeom>
+        </p:spPr>
+        <p:txBody>
+          <a:bodyPr anchorCtr="0" anchor="ctr" bIns="34275" lIns="68575" spcFirstLastPara="1" rIns="68575" wrap="square" tIns="34275">
+            <a:normAutofit/>
+          </a:bodyPr>
+          <a:lstStyle/>
+          <a:p>
+            <a:pPr indent="0" lvl="0" marL="0" rtl="0" algn="l">
+              <a:spcBef>
+                <a:spcPts val="0"/>
+              </a:spcBef>
+              <a:spcAft>
+                <a:spcPts val="0"/>
+              </a:spcAft>
+              <a:buNone/>
+            </a:pPr>
+            <a:r>
+              <a:rPr lang="en"/>
+              <a:t>Concurrency Problems </a:t>
+            </a:r>
+            <a:r>
+              <a:rPr b="1" lang="en"/>
+              <a:t>Starvation Example</a:t>
+            </a:r>
+            <a:endParaRPr/>
+          </a:p>
+        </p:txBody>
+      </p:sp>
+      <p:sp>
+        <p:nvSpPr>
+          <p:cNvPr id="255" name="Google Shape;255;p43"/>
+          <p:cNvSpPr txBox="1"/>
+          <p:nvPr>
+            <p:ph idx="1" type="body"/>
+          </p:nvPr>
+        </p:nvSpPr>
+        <p:spPr>
+          <a:xfrm>
+            <a:off x="311700" y="1152475"/>
+            <a:ext cx="8520600" cy="3416400"/>
+          </a:xfrm>
+          <a:prstGeom prst="rect">
+            <a:avLst/>
+          </a:prstGeom>
+        </p:spPr>
+        <p:txBody>
+          <a:bodyPr anchorCtr="0" anchor="t" bIns="34275" lIns="68575" spcFirstLastPara="1" rIns="68575" wrap="square" tIns="34275">
+            <a:normAutofit/>
+          </a:bodyPr>
+          <a:lstStyle/>
+          <a:p>
+            <a:pPr indent="0" lvl="0" marL="0" rtl="0" algn="l">
+              <a:spcBef>
+                <a:spcPts val="800"/>
+              </a:spcBef>
+              <a:spcAft>
+                <a:spcPts val="0"/>
+              </a:spcAft>
+              <a:buNone/>
+            </a:pPr>
+            <a:r>
+              <a:rPr lang="en" u="sng">
+                <a:solidFill>
+                  <a:schemeClr val="hlink"/>
+                </a:solidFill>
+                <a:hlinkClick r:id="rId3"/>
+              </a:rPr>
+              <a:t>C++ Starvation Example</a:t>
+            </a:r>
+            <a:endParaRPr/>
+          </a:p>
+        </p:txBody>
+      </p:sp>
+    </p:spTree>
+  </p:cSld>
+  <p:clrMapOvr>
+    <a:masterClrMapping/>
+  </p:clrMapOvr>
+</p:sld>
+</file>
+
+<file path=ppt/slides/slide18.xml><?xml version="1.0" encoding="utf-8"?>
+<p:sld xmlns:a="http://schemas.openxmlformats.org/drawingml/2006/main" xmlns:r="http://schemas.openxmlformats.org/officeDocument/2006/relationships" xmlns:mc="http://schemas.openxmlformats.org/markup-compatibility/2006" xmlns:mv="urn:schemas-microsoft-com:mac:vml" xmlns:p="http://schemas.openxmlformats.org/presentationml/2006/main" xmlns:c="http://schemas.openxmlformats.org/drawingml/2006/chart" xmlns:dgm="http://schemas.openxmlformats.org/drawingml/2006/diagram" xmlns:o="urn:schemas-microsoft-com:office:office" xmlns:v="urn:schemas-microsoft-com:vml" xmlns:pvml="urn:schemas-microsoft-com:office:powerpoint" xmlns:com="http://schemas.openxmlformats.org/drawingml/2006/compatibility" xmlns:p14="http://schemas.microsoft.com/office/powerpoint/2010/main" xmlns:p15="http://schemas.microsoft.com/office/powerpoint/2012/main" xmlns:ahyp="http://schemas.microsoft.com/office/drawing/2018/hyperlinkcolor">
+  <p:cSld>
+    <p:spTree>
+      <p:nvGrpSpPr>
+        <p:cNvPr id="259" name="Shape 259"/>
+        <p:cNvGrpSpPr/>
+        <p:nvPr/>
+      </p:nvGrpSpPr>
+      <p:grpSpPr>
+        <a:xfrm>
+          <a:off x="0" y="0"/>
+          <a:ext cx="0" cy="0"/>
+          <a:chOff x="0" y="0"/>
+          <a:chExt cx="0" cy="0"/>
+        </a:xfrm>
+      </p:grpSpPr>
+      <p:sp>
+        <p:nvSpPr>
+          <p:cNvPr id="260" name="Google Shape;260;p44"/>
+          <p:cNvSpPr txBox="1"/>
+          <p:nvPr>
+            <p:ph type="title"/>
+          </p:nvPr>
+        </p:nvSpPr>
+        <p:spPr>
+          <a:xfrm>
+            <a:off x="311700" y="445025"/>
+            <a:ext cx="8520600" cy="572700"/>
+          </a:xfrm>
+          <a:prstGeom prst="rect">
+            <a:avLst/>
+          </a:prstGeom>
+        </p:spPr>
+        <p:txBody>
+          <a:bodyPr anchorCtr="0" anchor="ctr" bIns="34275" lIns="68575" spcFirstLastPara="1" rIns="68575" wrap="square" tIns="34275">
+            <a:normAutofit/>
+          </a:bodyPr>
+          <a:lstStyle/>
+          <a:p>
+            <a:pPr indent="0" lvl="0" marL="0" rtl="0" algn="l">
+              <a:spcBef>
+                <a:spcPts val="0"/>
+              </a:spcBef>
+              <a:spcAft>
+                <a:spcPts val="0"/>
+              </a:spcAft>
+              <a:buNone/>
+            </a:pPr>
+            <a:r>
+              <a:rPr lang="en"/>
+              <a:t>Concurrency Problems </a:t>
+            </a:r>
+            <a:r>
+              <a:rPr b="1" lang="en"/>
+              <a:t>Starvation Solutions</a:t>
+            </a:r>
+            <a:endParaRPr/>
+          </a:p>
+        </p:txBody>
+      </p:sp>
+      <p:sp>
+        <p:nvSpPr>
+          <p:cNvPr id="261" name="Google Shape;261;p44"/>
+          <p:cNvSpPr txBox="1"/>
+          <p:nvPr>
+            <p:ph idx="1" type="body"/>
+          </p:nvPr>
+        </p:nvSpPr>
+        <p:spPr>
+          <a:xfrm>
+            <a:off x="311700" y="1152475"/>
+            <a:ext cx="8520600" cy="3416400"/>
+          </a:xfrm>
+          <a:prstGeom prst="rect">
+            <a:avLst/>
+          </a:prstGeom>
+        </p:spPr>
+        <p:txBody>
+          <a:bodyPr anchorCtr="0" anchor="t" bIns="34275" lIns="68575" spcFirstLastPara="1" rIns="68575" wrap="square" tIns="34275">
+            <a:normAutofit/>
+          </a:bodyPr>
+          <a:lstStyle/>
+          <a:p>
+            <a:pPr indent="0" lvl="0" marL="0" rtl="0" algn="l">
+              <a:spcBef>
+                <a:spcPts val="800"/>
+              </a:spcBef>
+              <a:spcAft>
+                <a:spcPts val="0"/>
+              </a:spcAft>
+              <a:buNone/>
+            </a:pPr>
+            <a:r>
+              <a:t/>
+            </a:r>
+            <a:endParaRPr>
+              <a:solidFill>
+                <a:schemeClr val="dk1"/>
+              </a:solidFill>
+            </a:endParaRPr>
+          </a:p>
+          <a:p>
+            <a:pPr indent="0" lvl="0" marL="0" rtl="0" algn="l">
+              <a:spcBef>
+                <a:spcPts val="800"/>
+              </a:spcBef>
+              <a:spcAft>
+                <a:spcPts val="0"/>
+              </a:spcAft>
+              <a:buNone/>
+            </a:pPr>
+            <a:r>
+              <a:t/>
+            </a:r>
+            <a:endParaRPr>
+              <a:solidFill>
+                <a:schemeClr val="dk1"/>
+              </a:solidFill>
+            </a:endParaRPr>
+          </a:p>
+          <a:p>
+            <a:pPr indent="0" lvl="0" marL="0" rtl="0" algn="l">
+              <a:spcBef>
+                <a:spcPts val="800"/>
+              </a:spcBef>
+              <a:spcAft>
+                <a:spcPts val="0"/>
+              </a:spcAft>
+              <a:buNone/>
+            </a:pPr>
+            <a:r>
+              <a:rPr lang="en">
+                <a:solidFill>
+                  <a:schemeClr val="dk1"/>
+                </a:solidFill>
+              </a:rPr>
+              <a:t>Identify starvation:</a:t>
+            </a:r>
+            <a:endParaRPr>
+              <a:solidFill>
+                <a:schemeClr val="dk1"/>
+              </a:solidFill>
+            </a:endParaRPr>
+          </a:p>
+          <a:p>
+            <a:pPr indent="-361950" lvl="0" marL="457200" rtl="0" algn="l">
+              <a:spcBef>
+                <a:spcPts val="800"/>
+              </a:spcBef>
+              <a:spcAft>
+                <a:spcPts val="0"/>
+              </a:spcAft>
+              <a:buClr>
+                <a:schemeClr val="dk1"/>
+              </a:buClr>
+              <a:buSzPts val="2100"/>
+              <a:buChar char="-"/>
+            </a:pPr>
+            <a:r>
+              <a:rPr lang="en">
+                <a:solidFill>
+                  <a:schemeClr val="dk1"/>
+                </a:solidFill>
+              </a:rPr>
+              <a:t>Are threads running randomly or in particular order?</a:t>
+            </a:r>
+            <a:endParaRPr>
+              <a:solidFill>
+                <a:schemeClr val="dk1"/>
+              </a:solidFill>
+            </a:endParaRPr>
+          </a:p>
+          <a:p>
+            <a:pPr indent="0" lvl="0" marL="457200" rtl="0" algn="l">
+              <a:spcBef>
+                <a:spcPts val="800"/>
+              </a:spcBef>
+              <a:spcAft>
+                <a:spcPts val="0"/>
+              </a:spcAft>
+              <a:buNone/>
+            </a:pPr>
+            <a:r>
+              <a:t/>
+            </a:r>
+            <a:endParaRPr>
+              <a:solidFill>
+                <a:schemeClr val="dk1"/>
+              </a:solidFill>
+            </a:endParaRPr>
+          </a:p>
+          <a:p>
+            <a:pPr indent="0" lvl="0" marL="0" rtl="0" algn="l">
+              <a:spcBef>
+                <a:spcPts val="800"/>
+              </a:spcBef>
+              <a:spcAft>
+                <a:spcPts val="0"/>
+              </a:spcAft>
+              <a:buNone/>
+            </a:pPr>
+            <a:r>
+              <a:t/>
+            </a:r>
+            <a:endParaRPr>
+              <a:solidFill>
+                <a:schemeClr val="dk1"/>
+              </a:solidFill>
+            </a:endParaRPr>
+          </a:p>
+          <a:p>
+            <a:pPr indent="0" lvl="0" marL="0" rtl="0" algn="l">
+              <a:spcBef>
+                <a:spcPts val="800"/>
+              </a:spcBef>
+              <a:spcAft>
+                <a:spcPts val="0"/>
+              </a:spcAft>
+              <a:buNone/>
+            </a:pPr>
+            <a:r>
+              <a:rPr lang="en">
+                <a:solidFill>
+                  <a:schemeClr val="dk1"/>
+                </a:solidFill>
+              </a:rPr>
+              <a:t>Solution:</a:t>
+            </a:r>
+            <a:endParaRPr>
+              <a:solidFill>
+                <a:schemeClr val="dk1"/>
+              </a:solidFill>
+            </a:endParaRPr>
+          </a:p>
+          <a:p>
+            <a:pPr indent="-361950" lvl="0" marL="457200" rtl="0" algn="l">
+              <a:spcBef>
+                <a:spcPts val="800"/>
+              </a:spcBef>
+              <a:spcAft>
+                <a:spcPts val="0"/>
+              </a:spcAft>
+              <a:buClr>
+                <a:schemeClr val="dk1"/>
+              </a:buClr>
+              <a:buSzPts val="2100"/>
+              <a:buChar char="-"/>
+            </a:pPr>
+            <a:r>
+              <a:rPr lang="en">
+                <a:solidFill>
+                  <a:schemeClr val="dk1"/>
+                </a:solidFill>
+              </a:rPr>
+              <a:t>Use scheduling</a:t>
+            </a:r>
+            <a:endParaRPr>
+              <a:solidFill>
+                <a:schemeClr val="dk1"/>
+              </a:solidFill>
+            </a:endParaRPr>
+          </a:p>
+        </p:txBody>
+      </p:sp>
+    </p:spTree>
+  </p:cSld>
+  <p:clrMapOvr>
+    <a:masterClrMapping/>
+  </p:clrMapOvr>
+</p:sld>
+</file>
+
+<file path=ppt/slides/slide19.xml><?xml version="1.0" encoding="utf-8"?>
+<p:sld xmlns:a="http://schemas.openxmlformats.org/drawingml/2006/main" xmlns:r="http://schemas.openxmlformats.org/officeDocument/2006/relationships" xmlns:mc="http://schemas.openxmlformats.org/markup-compatibility/2006" xmlns:mv="urn:schemas-microsoft-com:mac:vml" xmlns:p="http://schemas.openxmlformats.org/presentationml/2006/main" xmlns:c="http://schemas.openxmlformats.org/drawingml/2006/chart" xmlns:dgm="http://schemas.openxmlformats.org/drawingml/2006/diagram" xmlns:o="urn:schemas-microsoft-com:office:office" xmlns:v="urn:schemas-microsoft-com:vml" xmlns:pvml="urn:schemas-microsoft-com:office:powerpoint" xmlns:com="http://schemas.openxmlformats.org/drawingml/2006/compatibility" xmlns:p14="http://schemas.microsoft.com/office/powerpoint/2010/main" xmlns:p15="http://schemas.microsoft.com/office/powerpoint/2012/main" xmlns:ahyp="http://schemas.microsoft.com/office/drawing/2018/hyperlinkcolor">
+  <p:cSld>
+    <p:spTree>
+      <p:nvGrpSpPr>
+        <p:cNvPr id="265" name="Shape 265"/>
+        <p:cNvGrpSpPr/>
+        <p:nvPr/>
+      </p:nvGrpSpPr>
+      <p:grpSpPr>
+        <a:xfrm>
+          <a:off x="0" y="0"/>
+          <a:ext cx="0" cy="0"/>
+          <a:chOff x="0" y="0"/>
+          <a:chExt cx="0" cy="0"/>
+        </a:xfrm>
+      </p:grpSpPr>
+      <p:sp>
+        <p:nvSpPr>
+          <p:cNvPr id="266" name="Google Shape;266;p45"/>
           <p:cNvSpPr txBox="1"/>
           <p:nvPr>
             <p:ph type="title"/>
@@ -21604,7 +27076,7 @@
             </a:pPr>
             <a:r>
               <a:rPr lang="en"/>
-              <a:t>Table of contents</a:t>
+              <a:t>Summary</a:t>
             </a:r>
             <a:endParaRPr/>
           </a:p>
@@ -21612,7 +27084,887 @@
       </p:sp>
       <p:sp>
         <p:nvSpPr>
-          <p:cNvPr id="143" name="Google Shape;143;p27"/>
+          <p:cNvPr id="267" name="Google Shape;267;p45"/>
+          <p:cNvSpPr txBox="1"/>
+          <p:nvPr>
+            <p:ph idx="1" type="body"/>
+          </p:nvPr>
+        </p:nvSpPr>
+        <p:spPr>
+          <a:xfrm>
+            <a:off x="311700" y="1152475"/>
+            <a:ext cx="8520600" cy="3416400"/>
+          </a:xfrm>
+          <a:prstGeom prst="rect">
+            <a:avLst/>
+          </a:prstGeom>
+        </p:spPr>
+        <p:txBody>
+          <a:bodyPr anchorCtr="0" anchor="t" bIns="91425" lIns="91425" spcFirstLastPara="1" rIns="91425" wrap="square" tIns="91425">
+            <a:noAutofit/>
+          </a:bodyPr>
+          <a:lstStyle/>
+          <a:p>
+            <a:pPr indent="0" lvl="0" marL="0" rtl="0" algn="l">
+              <a:spcBef>
+                <a:spcPts val="0"/>
+              </a:spcBef>
+              <a:spcAft>
+                <a:spcPts val="0"/>
+              </a:spcAft>
+              <a:buNone/>
+            </a:pPr>
+            <a:r>
+              <a:rPr lang="en" sz="2000">
+                <a:solidFill>
+                  <a:schemeClr val="dk1"/>
+                </a:solidFill>
+                <a:latin typeface="Times New Roman"/>
+                <a:ea typeface="Times New Roman"/>
+                <a:cs typeface="Times New Roman"/>
+                <a:sym typeface="Times New Roman"/>
+              </a:rPr>
+              <a:t>There are several ways to declare and operate threads in C++;</a:t>
+            </a:r>
+            <a:endParaRPr sz="2000">
+              <a:solidFill>
+                <a:schemeClr val="dk1"/>
+              </a:solidFill>
+              <a:latin typeface="Times New Roman"/>
+              <a:ea typeface="Times New Roman"/>
+              <a:cs typeface="Times New Roman"/>
+              <a:sym typeface="Times New Roman"/>
+            </a:endParaRPr>
+          </a:p>
+          <a:p>
+            <a:pPr indent="0" lvl="0" marL="0" rtl="0" algn="l">
+              <a:spcBef>
+                <a:spcPts val="1200"/>
+              </a:spcBef>
+              <a:spcAft>
+                <a:spcPts val="0"/>
+              </a:spcAft>
+              <a:buNone/>
+            </a:pPr>
+            <a:r>
+              <a:rPr lang="en" sz="2000">
+                <a:solidFill>
+                  <a:schemeClr val="dk1"/>
+                </a:solidFill>
+                <a:latin typeface="Times New Roman"/>
+                <a:ea typeface="Times New Roman"/>
+                <a:cs typeface="Times New Roman"/>
+                <a:sym typeface="Times New Roman"/>
+              </a:rPr>
+              <a:t>Thread synchronization allows only one thread to work with data;</a:t>
+            </a:r>
+            <a:endParaRPr sz="2000">
+              <a:solidFill>
+                <a:schemeClr val="dk1"/>
+              </a:solidFill>
+              <a:latin typeface="Times New Roman"/>
+              <a:ea typeface="Times New Roman"/>
+              <a:cs typeface="Times New Roman"/>
+              <a:sym typeface="Times New Roman"/>
+            </a:endParaRPr>
+          </a:p>
+          <a:p>
+            <a:pPr indent="0" lvl="0" marL="0" rtl="0" algn="l">
+              <a:spcBef>
+                <a:spcPts val="1200"/>
+              </a:spcBef>
+              <a:spcAft>
+                <a:spcPts val="0"/>
+              </a:spcAft>
+              <a:buNone/>
+            </a:pPr>
+            <a:r>
+              <a:rPr lang="en" sz="2000">
+                <a:solidFill>
+                  <a:schemeClr val="dk1"/>
+                </a:solidFill>
+                <a:latin typeface="Times New Roman"/>
+                <a:ea typeface="Times New Roman"/>
+                <a:cs typeface="Times New Roman"/>
+                <a:sym typeface="Times New Roman"/>
+              </a:rPr>
+              <a:t>Thread synchronization prevents unpredictable results;</a:t>
+            </a:r>
+            <a:endParaRPr sz="2000">
+              <a:solidFill>
+                <a:schemeClr val="dk1"/>
+              </a:solidFill>
+              <a:latin typeface="Times New Roman"/>
+              <a:ea typeface="Times New Roman"/>
+              <a:cs typeface="Times New Roman"/>
+              <a:sym typeface="Times New Roman"/>
+            </a:endParaRPr>
+          </a:p>
+          <a:p>
+            <a:pPr indent="0" lvl="0" marL="0" rtl="0" algn="l">
+              <a:lnSpc>
+                <a:spcPct val="90000"/>
+              </a:lnSpc>
+              <a:spcBef>
+                <a:spcPts val="1200"/>
+              </a:spcBef>
+              <a:spcAft>
+                <a:spcPts val="0"/>
+              </a:spcAft>
+              <a:buClr>
+                <a:schemeClr val="dk1"/>
+              </a:buClr>
+              <a:buSzPts val="1100"/>
+              <a:buFont typeface="Arial"/>
+              <a:buNone/>
+            </a:pPr>
+            <a:r>
+              <a:rPr lang="en" sz="2000">
+                <a:solidFill>
+                  <a:schemeClr val="dk1"/>
+                </a:solidFill>
+                <a:latin typeface="Times New Roman"/>
+                <a:ea typeface="Times New Roman"/>
+                <a:cs typeface="Times New Roman"/>
+                <a:sym typeface="Times New Roman"/>
+              </a:rPr>
+              <a:t>Threads organization is important to avoid liveness problems: deadlock,  livelock and starvation;</a:t>
+            </a:r>
+            <a:endParaRPr sz="2000">
+              <a:solidFill>
+                <a:schemeClr val="dk1"/>
+              </a:solidFill>
+              <a:latin typeface="Times New Roman"/>
+              <a:ea typeface="Times New Roman"/>
+              <a:cs typeface="Times New Roman"/>
+              <a:sym typeface="Times New Roman"/>
+            </a:endParaRPr>
+          </a:p>
+          <a:p>
+            <a:pPr indent="0" lvl="0" marL="0" rtl="0" algn="just">
+              <a:lnSpc>
+                <a:spcPct val="90000"/>
+              </a:lnSpc>
+              <a:spcBef>
+                <a:spcPts val="800"/>
+              </a:spcBef>
+              <a:spcAft>
+                <a:spcPts val="0"/>
+              </a:spcAft>
+              <a:buNone/>
+            </a:pPr>
+            <a:r>
+              <a:rPr lang="en" sz="2000">
+                <a:solidFill>
+                  <a:schemeClr val="dk1"/>
+                </a:solidFill>
+                <a:latin typeface="Times New Roman"/>
+                <a:ea typeface="Times New Roman"/>
+                <a:cs typeface="Times New Roman"/>
+                <a:sym typeface="Times New Roman"/>
+              </a:rPr>
+              <a:t>Famous problems in concurrency: Producer-Consumer Relationship (bounded-buffer problem), dining philosophers, readers-writers problem etc. have several solutions each.</a:t>
+            </a:r>
+            <a:endParaRPr sz="2000">
+              <a:latin typeface="Times New Roman"/>
+              <a:ea typeface="Times New Roman"/>
+              <a:cs typeface="Times New Roman"/>
+              <a:sym typeface="Times New Roman"/>
+            </a:endParaRPr>
+          </a:p>
+        </p:txBody>
+      </p:sp>
+    </p:spTree>
+  </p:cSld>
+  <p:clrMapOvr>
+    <a:masterClrMapping/>
+  </p:clrMapOvr>
+</p:sld>
+</file>
+
+<file path=ppt/slides/slide2.xml><?xml version="1.0" encoding="utf-8"?>
+<p:sld xmlns:a="http://schemas.openxmlformats.org/drawingml/2006/main" xmlns:r="http://schemas.openxmlformats.org/officeDocument/2006/relationships" xmlns:mc="http://schemas.openxmlformats.org/markup-compatibility/2006" xmlns:mv="urn:schemas-microsoft-com:mac:vml" xmlns:p="http://schemas.openxmlformats.org/presentationml/2006/main" xmlns:c="http://schemas.openxmlformats.org/drawingml/2006/chart" xmlns:dgm="http://schemas.openxmlformats.org/drawingml/2006/diagram" xmlns:o="urn:schemas-microsoft-com:office:office" xmlns:v="urn:schemas-microsoft-com:vml" xmlns:pvml="urn:schemas-microsoft-com:office:powerpoint" xmlns:com="http://schemas.openxmlformats.org/drawingml/2006/compatibility" xmlns:p14="http://schemas.microsoft.com/office/powerpoint/2010/main" xmlns:p15="http://schemas.microsoft.com/office/powerpoint/2012/main" xmlns:ahyp="http://schemas.microsoft.com/office/drawing/2018/hyperlinkcolor">
+  <p:cSld>
+    <p:spTree>
+      <p:nvGrpSpPr>
+        <p:cNvPr id="145" name="Shape 145"/>
+        <p:cNvGrpSpPr/>
+        <p:nvPr/>
+      </p:nvGrpSpPr>
+      <p:grpSpPr>
+        <a:xfrm>
+          <a:off x="0" y="0"/>
+          <a:ext cx="0" cy="0"/>
+          <a:chOff x="0" y="0"/>
+          <a:chExt cx="0" cy="0"/>
+        </a:xfrm>
+      </p:grpSpPr>
+      <p:sp>
+        <p:nvSpPr>
+          <p:cNvPr id="146" name="Google Shape;146;p28"/>
+          <p:cNvSpPr txBox="1"/>
+          <p:nvPr>
+            <p:ph type="title"/>
+          </p:nvPr>
+        </p:nvSpPr>
+        <p:spPr>
+          <a:xfrm>
+            <a:off x="311700" y="445025"/>
+            <a:ext cx="8520600" cy="572700"/>
+          </a:xfrm>
+          <a:prstGeom prst="rect">
+            <a:avLst/>
+          </a:prstGeom>
+        </p:spPr>
+        <p:txBody>
+          <a:bodyPr anchorCtr="0" anchor="t" bIns="91425" lIns="91425" spcFirstLastPara="1" rIns="91425" wrap="square" tIns="91425">
+            <a:normAutofit fontScale="90000"/>
+          </a:bodyPr>
+          <a:lstStyle/>
+          <a:p>
+            <a:pPr indent="0" lvl="0" marL="0" rtl="0" algn="l">
+              <a:spcBef>
+                <a:spcPts val="0"/>
+              </a:spcBef>
+              <a:spcAft>
+                <a:spcPts val="0"/>
+              </a:spcAft>
+              <a:buNone/>
+            </a:pPr>
+            <a:r>
+              <a:rPr lang="en">
+                <a:latin typeface="Times New Roman"/>
+                <a:ea typeface="Times New Roman"/>
+                <a:cs typeface="Times New Roman"/>
+                <a:sym typeface="Times New Roman"/>
+              </a:rPr>
+              <a:t>Table of contents</a:t>
+            </a:r>
+            <a:endParaRPr>
+              <a:latin typeface="Times New Roman"/>
+              <a:ea typeface="Times New Roman"/>
+              <a:cs typeface="Times New Roman"/>
+              <a:sym typeface="Times New Roman"/>
+            </a:endParaRPr>
+          </a:p>
+        </p:txBody>
+      </p:sp>
+      <p:sp>
+        <p:nvSpPr>
+          <p:cNvPr id="147" name="Google Shape;147;p28"/>
+          <p:cNvSpPr txBox="1"/>
+          <p:nvPr>
+            <p:ph idx="1" type="body"/>
+          </p:nvPr>
+        </p:nvSpPr>
+        <p:spPr>
+          <a:xfrm>
+            <a:off x="311700" y="1152475"/>
+            <a:ext cx="8520600" cy="3416400"/>
+          </a:xfrm>
+          <a:prstGeom prst="rect">
+            <a:avLst/>
+          </a:prstGeom>
+        </p:spPr>
+        <p:txBody>
+          <a:bodyPr anchorCtr="0" anchor="t" bIns="91425" lIns="91425" spcFirstLastPara="1" rIns="91425" wrap="square" tIns="91425">
+            <a:noAutofit/>
+          </a:bodyPr>
+          <a:lstStyle/>
+          <a:p>
+            <a:pPr indent="0" lvl="0" marL="0" rtl="0" algn="l">
+              <a:lnSpc>
+                <a:spcPct val="95000"/>
+              </a:lnSpc>
+              <a:spcBef>
+                <a:spcPts val="0"/>
+              </a:spcBef>
+              <a:spcAft>
+                <a:spcPts val="0"/>
+              </a:spcAft>
+              <a:buSzPts val="1018"/>
+              <a:buNone/>
+            </a:pPr>
+            <a:r>
+              <a:rPr b="1" lang="en" sz="2000">
+                <a:solidFill>
+                  <a:schemeClr val="dk1"/>
+                </a:solidFill>
+                <a:latin typeface="Times New Roman"/>
+                <a:ea typeface="Times New Roman"/>
+                <a:cs typeface="Times New Roman"/>
+                <a:sym typeface="Times New Roman"/>
+              </a:rPr>
+              <a:t>Multithreading</a:t>
+            </a:r>
+            <a:endParaRPr sz="2000">
+              <a:solidFill>
+                <a:schemeClr val="dk1"/>
+              </a:solidFill>
+              <a:latin typeface="Times New Roman"/>
+              <a:ea typeface="Times New Roman"/>
+              <a:cs typeface="Times New Roman"/>
+              <a:sym typeface="Times New Roman"/>
+            </a:endParaRPr>
+          </a:p>
+          <a:p>
+            <a:pPr indent="457200" lvl="0" marL="0" rtl="0" algn="l">
+              <a:lnSpc>
+                <a:spcPct val="95000"/>
+              </a:lnSpc>
+              <a:spcBef>
+                <a:spcPts val="1200"/>
+              </a:spcBef>
+              <a:spcAft>
+                <a:spcPts val="0"/>
+              </a:spcAft>
+              <a:buSzPts val="1018"/>
+              <a:buNone/>
+            </a:pPr>
+            <a:r>
+              <a:rPr lang="en" sz="2000">
+                <a:solidFill>
+                  <a:schemeClr val="dk1"/>
+                </a:solidFill>
+                <a:latin typeface="Times New Roman"/>
+                <a:ea typeface="Times New Roman"/>
+                <a:cs typeface="Times New Roman"/>
+                <a:sym typeface="Times New Roman"/>
+              </a:rPr>
+              <a:t>Thread States</a:t>
+            </a:r>
+            <a:endParaRPr b="1" sz="2000">
+              <a:solidFill>
+                <a:schemeClr val="dk1"/>
+              </a:solidFill>
+              <a:latin typeface="Times New Roman"/>
+              <a:ea typeface="Times New Roman"/>
+              <a:cs typeface="Times New Roman"/>
+              <a:sym typeface="Times New Roman"/>
+            </a:endParaRPr>
+          </a:p>
+          <a:p>
+            <a:pPr indent="0" lvl="0" marL="0" rtl="0" algn="l">
+              <a:lnSpc>
+                <a:spcPct val="95000"/>
+              </a:lnSpc>
+              <a:spcBef>
+                <a:spcPts val="1200"/>
+              </a:spcBef>
+              <a:spcAft>
+                <a:spcPts val="0"/>
+              </a:spcAft>
+              <a:buSzPts val="1018"/>
+              <a:buNone/>
+            </a:pPr>
+            <a:r>
+              <a:rPr b="1" lang="en" sz="2000">
+                <a:solidFill>
+                  <a:schemeClr val="dk1"/>
+                </a:solidFill>
+                <a:latin typeface="Times New Roman"/>
+                <a:ea typeface="Times New Roman"/>
+                <a:cs typeface="Times New Roman"/>
+                <a:sym typeface="Times New Roman"/>
+              </a:rPr>
+              <a:t>Concurrency</a:t>
+            </a:r>
+            <a:endParaRPr b="1" sz="2000">
+              <a:solidFill>
+                <a:schemeClr val="dk1"/>
+              </a:solidFill>
+              <a:latin typeface="Times New Roman"/>
+              <a:ea typeface="Times New Roman"/>
+              <a:cs typeface="Times New Roman"/>
+              <a:sym typeface="Times New Roman"/>
+            </a:endParaRPr>
+          </a:p>
+          <a:p>
+            <a:pPr indent="0" lvl="0" marL="0" rtl="0" algn="l">
+              <a:lnSpc>
+                <a:spcPct val="95000"/>
+              </a:lnSpc>
+              <a:spcBef>
+                <a:spcPts val="1200"/>
+              </a:spcBef>
+              <a:spcAft>
+                <a:spcPts val="0"/>
+              </a:spcAft>
+              <a:buSzPts val="1018"/>
+              <a:buNone/>
+            </a:pPr>
+            <a:r>
+              <a:rPr lang="en" sz="2000">
+                <a:solidFill>
+                  <a:schemeClr val="dk1"/>
+                </a:solidFill>
+                <a:latin typeface="Times New Roman"/>
+                <a:ea typeface="Times New Roman"/>
+                <a:cs typeface="Times New Roman"/>
+                <a:sym typeface="Times New Roman"/>
+              </a:rPr>
+              <a:t>	Sharing data among threads</a:t>
+            </a:r>
+            <a:endParaRPr sz="2000">
+              <a:solidFill>
+                <a:schemeClr val="dk1"/>
+              </a:solidFill>
+              <a:latin typeface="Times New Roman"/>
+              <a:ea typeface="Times New Roman"/>
+              <a:cs typeface="Times New Roman"/>
+              <a:sym typeface="Times New Roman"/>
+            </a:endParaRPr>
+          </a:p>
+          <a:p>
+            <a:pPr indent="457200" lvl="0" marL="0" rtl="0" algn="l">
+              <a:lnSpc>
+                <a:spcPct val="95000"/>
+              </a:lnSpc>
+              <a:spcBef>
+                <a:spcPts val="1200"/>
+              </a:spcBef>
+              <a:spcAft>
+                <a:spcPts val="0"/>
+              </a:spcAft>
+              <a:buSzPts val="1018"/>
+              <a:buNone/>
+            </a:pPr>
+            <a:r>
+              <a:rPr lang="en" sz="2000">
+                <a:solidFill>
+                  <a:schemeClr val="dk1"/>
+                </a:solidFill>
+                <a:latin typeface="Times New Roman"/>
+                <a:ea typeface="Times New Roman"/>
+                <a:cs typeface="Times New Roman"/>
+                <a:sym typeface="Times New Roman"/>
+              </a:rPr>
+              <a:t>Thread Synchronization</a:t>
+            </a:r>
+            <a:endParaRPr sz="2000">
+              <a:solidFill>
+                <a:schemeClr val="dk1"/>
+              </a:solidFill>
+              <a:latin typeface="Times New Roman"/>
+              <a:ea typeface="Times New Roman"/>
+              <a:cs typeface="Times New Roman"/>
+              <a:sym typeface="Times New Roman"/>
+            </a:endParaRPr>
+          </a:p>
+          <a:p>
+            <a:pPr indent="0" lvl="0" marL="0" rtl="0" algn="l">
+              <a:lnSpc>
+                <a:spcPct val="95000"/>
+              </a:lnSpc>
+              <a:spcBef>
+                <a:spcPts val="1200"/>
+              </a:spcBef>
+              <a:spcAft>
+                <a:spcPts val="0"/>
+              </a:spcAft>
+              <a:buClr>
+                <a:schemeClr val="dk1"/>
+              </a:buClr>
+              <a:buSzPts val="1018"/>
+              <a:buFont typeface="Arial"/>
+              <a:buNone/>
+            </a:pPr>
+            <a:r>
+              <a:rPr b="1" lang="en" sz="2000">
+                <a:solidFill>
+                  <a:schemeClr val="dk1"/>
+                </a:solidFill>
+                <a:latin typeface="Times New Roman"/>
+                <a:ea typeface="Times New Roman"/>
+                <a:cs typeface="Times New Roman"/>
+                <a:sym typeface="Times New Roman"/>
+              </a:rPr>
+              <a:t>Concurrency (Liveness) problems</a:t>
+            </a:r>
+            <a:endParaRPr b="1" sz="2000">
+              <a:solidFill>
+                <a:schemeClr val="dk1"/>
+              </a:solidFill>
+              <a:latin typeface="Times New Roman"/>
+              <a:ea typeface="Times New Roman"/>
+              <a:cs typeface="Times New Roman"/>
+              <a:sym typeface="Times New Roman"/>
+            </a:endParaRPr>
+          </a:p>
+          <a:p>
+            <a:pPr indent="0" lvl="0" marL="0" rtl="0" algn="l">
+              <a:lnSpc>
+                <a:spcPct val="95000"/>
+              </a:lnSpc>
+              <a:spcBef>
+                <a:spcPts val="1200"/>
+              </a:spcBef>
+              <a:spcAft>
+                <a:spcPts val="1200"/>
+              </a:spcAft>
+              <a:buSzPts val="1018"/>
+              <a:buNone/>
+            </a:pPr>
+            <a:r>
+              <a:rPr lang="en" sz="2000">
+                <a:solidFill>
+                  <a:schemeClr val="dk1"/>
+                </a:solidFill>
+                <a:latin typeface="Times New Roman"/>
+                <a:ea typeface="Times New Roman"/>
+                <a:cs typeface="Times New Roman"/>
+                <a:sym typeface="Times New Roman"/>
+              </a:rPr>
+              <a:t>	</a:t>
+            </a:r>
+            <a:r>
+              <a:rPr i="1" lang="en" sz="2000">
+                <a:solidFill>
+                  <a:schemeClr val="dk1"/>
+                </a:solidFill>
+                <a:latin typeface="Times New Roman"/>
+                <a:ea typeface="Times New Roman"/>
+                <a:cs typeface="Times New Roman"/>
+                <a:sym typeface="Times New Roman"/>
+              </a:rPr>
+              <a:t>Deadlock, Livelock, Starvation</a:t>
+            </a:r>
+            <a:endParaRPr sz="2000">
+              <a:solidFill>
+                <a:schemeClr val="dk1"/>
+              </a:solidFill>
+              <a:latin typeface="Times New Roman"/>
+              <a:ea typeface="Times New Roman"/>
+              <a:cs typeface="Times New Roman"/>
+              <a:sym typeface="Times New Roman"/>
+            </a:endParaRPr>
+          </a:p>
+        </p:txBody>
+      </p:sp>
+      <p:sp>
+        <p:nvSpPr>
+          <p:cNvPr id="148" name="Google Shape;148;p28"/>
+          <p:cNvSpPr txBox="1"/>
+          <p:nvPr>
+            <p:ph idx="12" type="sldNum"/>
+          </p:nvPr>
+        </p:nvSpPr>
+        <p:spPr>
+          <a:xfrm>
+            <a:off x="8472458" y="4663217"/>
+            <a:ext cx="548700" cy="393600"/>
+          </a:xfrm>
+          <a:prstGeom prst="rect">
+            <a:avLst/>
+          </a:prstGeom>
+        </p:spPr>
+        <p:txBody>
+          <a:bodyPr anchorCtr="0" anchor="ctr" bIns="91425" lIns="91425" spcFirstLastPara="1" rIns="91425" wrap="square" tIns="91425">
+            <a:normAutofit/>
+          </a:bodyPr>
+          <a:lstStyle/>
+          <a:p>
+            <a:pPr indent="0" lvl="0" marL="0" rtl="0" algn="r">
+              <a:spcBef>
+                <a:spcPts val="0"/>
+              </a:spcBef>
+              <a:spcAft>
+                <a:spcPts val="0"/>
+              </a:spcAft>
+              <a:buNone/>
+            </a:pPr>
+            <a:fld id="{00000000-1234-1234-1234-123412341234}" type="slidenum">
+              <a:rPr lang="en"/>
+              <a:t>‹#›</a:t>
+            </a:fld>
+            <a:endParaRPr/>
+          </a:p>
+        </p:txBody>
+      </p:sp>
+    </p:spTree>
+  </p:cSld>
+  <p:clrMapOvr>
+    <a:masterClrMapping/>
+  </p:clrMapOvr>
+</p:sld>
+</file>
+
+<file path=ppt/slides/slide20.xml><?xml version="1.0" encoding="utf-8"?>
+<p:sld xmlns:a="http://schemas.openxmlformats.org/drawingml/2006/main" xmlns:r="http://schemas.openxmlformats.org/officeDocument/2006/relationships" xmlns:mc="http://schemas.openxmlformats.org/markup-compatibility/2006" xmlns:mv="urn:schemas-microsoft-com:mac:vml" xmlns:p="http://schemas.openxmlformats.org/presentationml/2006/main" xmlns:c="http://schemas.openxmlformats.org/drawingml/2006/chart" xmlns:dgm="http://schemas.openxmlformats.org/drawingml/2006/diagram" xmlns:o="urn:schemas-microsoft-com:office:office" xmlns:v="urn:schemas-microsoft-com:vml" xmlns:pvml="urn:schemas-microsoft-com:office:powerpoint" xmlns:com="http://schemas.openxmlformats.org/drawingml/2006/compatibility" xmlns:p14="http://schemas.microsoft.com/office/powerpoint/2010/main" xmlns:p15="http://schemas.microsoft.com/office/powerpoint/2012/main" xmlns:ahyp="http://schemas.microsoft.com/office/drawing/2018/hyperlinkcolor">
+  <p:cSld>
+    <p:spTree>
+      <p:nvGrpSpPr>
+        <p:cNvPr id="271" name="Shape 271"/>
+        <p:cNvGrpSpPr/>
+        <p:nvPr/>
+      </p:nvGrpSpPr>
+      <p:grpSpPr>
+        <a:xfrm>
+          <a:off x="0" y="0"/>
+          <a:ext cx="0" cy="0"/>
+          <a:chOff x="0" y="0"/>
+          <a:chExt cx="0" cy="0"/>
+        </a:xfrm>
+      </p:grpSpPr>
+      <p:sp>
+        <p:nvSpPr>
+          <p:cNvPr id="272" name="Google Shape;272;p46"/>
+          <p:cNvSpPr txBox="1"/>
+          <p:nvPr>
+            <p:ph type="title"/>
+          </p:nvPr>
+        </p:nvSpPr>
+        <p:spPr>
+          <a:xfrm>
+            <a:off x="311700" y="445025"/>
+            <a:ext cx="8520600" cy="572700"/>
+          </a:xfrm>
+          <a:prstGeom prst="rect">
+            <a:avLst/>
+          </a:prstGeom>
+        </p:spPr>
+        <p:txBody>
+          <a:bodyPr anchorCtr="0" anchor="t" bIns="91425" lIns="91425" spcFirstLastPara="1" rIns="91425" wrap="square" tIns="91425">
+            <a:normAutofit fontScale="90000"/>
+          </a:bodyPr>
+          <a:lstStyle/>
+          <a:p>
+            <a:pPr indent="0" lvl="0" marL="0" rtl="0" algn="l">
+              <a:spcBef>
+                <a:spcPts val="0"/>
+              </a:spcBef>
+              <a:spcAft>
+                <a:spcPts val="0"/>
+              </a:spcAft>
+              <a:buNone/>
+            </a:pPr>
+            <a:r>
+              <a:rPr lang="en"/>
+              <a:t>Class work and Homework</a:t>
+            </a:r>
+            <a:endParaRPr/>
+          </a:p>
+        </p:txBody>
+      </p:sp>
+      <p:sp>
+        <p:nvSpPr>
+          <p:cNvPr id="273" name="Google Shape;273;p46"/>
+          <p:cNvSpPr txBox="1"/>
+          <p:nvPr>
+            <p:ph idx="1" type="body"/>
+          </p:nvPr>
+        </p:nvSpPr>
+        <p:spPr>
+          <a:xfrm>
+            <a:off x="311700" y="1152475"/>
+            <a:ext cx="8520600" cy="3416400"/>
+          </a:xfrm>
+          <a:prstGeom prst="rect">
+            <a:avLst/>
+          </a:prstGeom>
+        </p:spPr>
+        <p:txBody>
+          <a:bodyPr anchorCtr="0" anchor="t" bIns="91425" lIns="91425" spcFirstLastPara="1" rIns="91425" wrap="square" tIns="91425">
+            <a:normAutofit/>
+          </a:bodyPr>
+          <a:lstStyle/>
+          <a:p>
+            <a:pPr indent="-342900" lvl="0" marL="457200" rtl="0" algn="l">
+              <a:spcBef>
+                <a:spcPts val="0"/>
+              </a:spcBef>
+              <a:spcAft>
+                <a:spcPts val="0"/>
+              </a:spcAft>
+              <a:buClr>
+                <a:schemeClr val="dk1"/>
+              </a:buClr>
+              <a:buSzPts val="1800"/>
+              <a:buChar char="●"/>
+            </a:pPr>
+            <a:r>
+              <a:rPr lang="en">
+                <a:solidFill>
+                  <a:schemeClr val="dk1"/>
+                </a:solidFill>
+              </a:rPr>
+              <a:t>Read about liveness problems: deadlock, livelock and starvation</a:t>
+            </a:r>
+            <a:endParaRPr>
+              <a:solidFill>
+                <a:schemeClr val="dk1"/>
+              </a:solidFill>
+            </a:endParaRPr>
+          </a:p>
+          <a:p>
+            <a:pPr indent="-342900" lvl="0" marL="457200" rtl="0" algn="l">
+              <a:spcBef>
+                <a:spcPts val="0"/>
+              </a:spcBef>
+              <a:spcAft>
+                <a:spcPts val="0"/>
+              </a:spcAft>
+              <a:buClr>
+                <a:schemeClr val="dk1"/>
+              </a:buClr>
+              <a:buSzPts val="1800"/>
+              <a:buChar char="●"/>
+            </a:pPr>
+            <a:r>
+              <a:rPr lang="en">
+                <a:solidFill>
+                  <a:schemeClr val="dk1"/>
+                </a:solidFill>
+              </a:rPr>
+              <a:t>Understand and implement reasons and solutions</a:t>
+            </a:r>
+            <a:endParaRPr>
+              <a:solidFill>
+                <a:schemeClr val="dk1"/>
+              </a:solidFill>
+            </a:endParaRPr>
+          </a:p>
+          <a:p>
+            <a:pPr indent="-342900" lvl="0" marL="457200" rtl="0" algn="l">
+              <a:spcBef>
+                <a:spcPts val="0"/>
+              </a:spcBef>
+              <a:spcAft>
+                <a:spcPts val="0"/>
+              </a:spcAft>
+              <a:buClr>
+                <a:schemeClr val="dk1"/>
+              </a:buClr>
+              <a:buSzPts val="1800"/>
+              <a:buChar char="●"/>
+            </a:pPr>
+            <a:r>
+              <a:rPr lang="en">
+                <a:solidFill>
+                  <a:schemeClr val="dk1"/>
+                </a:solidFill>
+              </a:rPr>
+              <a:t>Please check if cuda is installed on your PC</a:t>
+            </a:r>
+            <a:endParaRPr>
+              <a:solidFill>
+                <a:schemeClr val="dk1"/>
+              </a:solidFill>
+            </a:endParaRPr>
+          </a:p>
+          <a:p>
+            <a:pPr indent="-342900" lvl="0" marL="457200" rtl="0" algn="l">
+              <a:spcBef>
+                <a:spcPts val="0"/>
+              </a:spcBef>
+              <a:spcAft>
+                <a:spcPts val="0"/>
+              </a:spcAft>
+              <a:buClr>
+                <a:schemeClr val="dk1"/>
+              </a:buClr>
+              <a:buSzPts val="1800"/>
+              <a:buChar char="●"/>
+            </a:pPr>
+            <a:r>
+              <a:rPr lang="en">
+                <a:solidFill>
+                  <a:schemeClr val="dk1"/>
+                </a:solidFill>
+              </a:rPr>
+              <a:t>Sign up to learn.nvidia.com</a:t>
+            </a:r>
+            <a:endParaRPr>
+              <a:solidFill>
+                <a:schemeClr val="dk1"/>
+              </a:solidFill>
+            </a:endParaRPr>
+          </a:p>
+          <a:p>
+            <a:pPr indent="0" lvl="0" marL="0" rtl="0" algn="l">
+              <a:spcBef>
+                <a:spcPts val="1200"/>
+              </a:spcBef>
+              <a:spcAft>
+                <a:spcPts val="1200"/>
+              </a:spcAft>
+              <a:buNone/>
+            </a:pPr>
+            <a:r>
+              <a:t/>
+            </a:r>
+            <a:endParaRPr/>
+          </a:p>
+        </p:txBody>
+      </p:sp>
+    </p:spTree>
+  </p:cSld>
+  <p:clrMapOvr>
+    <a:masterClrMapping/>
+  </p:clrMapOvr>
+</p:sld>
+</file>
+
+<file path=ppt/slides/slide21.xml><?xml version="1.0" encoding="utf-8"?>
+<p:sld xmlns:a="http://schemas.openxmlformats.org/drawingml/2006/main" xmlns:r="http://schemas.openxmlformats.org/officeDocument/2006/relationships" xmlns:mc="http://schemas.openxmlformats.org/markup-compatibility/2006" xmlns:mv="urn:schemas-microsoft-com:mac:vml" xmlns:p="http://schemas.openxmlformats.org/presentationml/2006/main" xmlns:c="http://schemas.openxmlformats.org/drawingml/2006/chart" xmlns:dgm="http://schemas.openxmlformats.org/drawingml/2006/diagram" xmlns:o="urn:schemas-microsoft-com:office:office" xmlns:v="urn:schemas-microsoft-com:vml" xmlns:pvml="urn:schemas-microsoft-com:office:powerpoint" xmlns:com="http://schemas.openxmlformats.org/drawingml/2006/compatibility" xmlns:p14="http://schemas.microsoft.com/office/powerpoint/2010/main" xmlns:p15="http://schemas.microsoft.com/office/powerpoint/2012/main" xmlns:ahyp="http://schemas.microsoft.com/office/drawing/2018/hyperlinkcolor">
+  <p:cSld>
+    <p:spTree>
+      <p:nvGrpSpPr>
+        <p:cNvPr id="277" name="Shape 277"/>
+        <p:cNvGrpSpPr/>
+        <p:nvPr/>
+      </p:nvGrpSpPr>
+      <p:grpSpPr>
+        <a:xfrm>
+          <a:off x="0" y="0"/>
+          <a:ext cx="0" cy="0"/>
+          <a:chOff x="0" y="0"/>
+          <a:chExt cx="0" cy="0"/>
+        </a:xfrm>
+      </p:grpSpPr>
+      <p:sp>
+        <p:nvSpPr>
+          <p:cNvPr id="278" name="Google Shape;278;p47"/>
+          <p:cNvSpPr txBox="1"/>
+          <p:nvPr>
+            <p:ph type="title"/>
+          </p:nvPr>
+        </p:nvSpPr>
+        <p:spPr>
+          <a:xfrm>
+            <a:off x="311700" y="445025"/>
+            <a:ext cx="8520600" cy="572700"/>
+          </a:xfrm>
+          <a:prstGeom prst="rect">
+            <a:avLst/>
+          </a:prstGeom>
+        </p:spPr>
+        <p:txBody>
+          <a:bodyPr anchorCtr="0" anchor="t" bIns="91425" lIns="91425" spcFirstLastPara="1" rIns="91425" wrap="square" tIns="91425">
+            <a:normAutofit fontScale="90000"/>
+          </a:bodyPr>
+          <a:lstStyle/>
+          <a:p>
+            <a:pPr indent="0" lvl="0" marL="0" rtl="0" algn="l">
+              <a:spcBef>
+                <a:spcPts val="0"/>
+              </a:spcBef>
+              <a:spcAft>
+                <a:spcPts val="0"/>
+              </a:spcAft>
+              <a:buNone/>
+            </a:pPr>
+            <a:r>
+              <a:rPr lang="en"/>
+              <a:t>Resources</a:t>
+            </a:r>
+            <a:endParaRPr/>
+          </a:p>
+        </p:txBody>
+      </p:sp>
+      <p:sp>
+        <p:nvSpPr>
+          <p:cNvPr id="279" name="Google Shape;279;p47"/>
           <p:cNvSpPr txBox="1"/>
           <p:nvPr>
             <p:ph idx="1" type="body"/>
@@ -21634,6 +27986,9 @@
           <a:lstStyle/>
           <a:p>
             <a:pPr indent="0" lvl="0" marL="0" rtl="0" algn="l">
+              <a:lnSpc>
+                <a:spcPct val="100000"/>
+              </a:lnSpc>
               <a:spcBef>
                 <a:spcPts val="0"/>
               </a:spcBef>
@@ -21643,38 +27998,30 @@
               <a:buNone/>
             </a:pPr>
             <a:r>
-              <a:rPr b="1" lang="en" sz="2200">
+              <a:rPr lang="en">
                 <a:solidFill>
                   <a:schemeClr val="dk1"/>
                 </a:solidFill>
               </a:rPr>
-              <a:t>Multithreading</a:t>
+              <a:t>Paul J. Deitel. C++20 Fundamentals, 3rd Edition. 202</a:t>
             </a:r>
-            <a:endParaRPr sz="2200">
-              <a:solidFill>
-                <a:schemeClr val="dk1"/>
-              </a:solidFill>
-            </a:endParaRPr>
-          </a:p>
-          <a:p>
-            <a:pPr indent="457200" lvl="0" marL="0" rtl="0" algn="l">
-              <a:spcBef>
-                <a:spcPts val="1200"/>
-              </a:spcBef>
-              <a:spcAft>
-                <a:spcPts val="0"/>
-              </a:spcAft>
-              <a:buNone/>
-            </a:pPr>
             <a:r>
-              <a:rPr lang="en" sz="2200">
+              <a:rPr lang="en">
                 <a:solidFill>
                   <a:schemeClr val="dk1"/>
                 </a:solidFill>
               </a:rPr>
-              <a:t>Thread States</a:t>
+              <a:t>4</a:t>
             </a:r>
-            <a:endParaRPr b="1" sz="2200">
+            <a:r>
+              <a:rPr lang="en">
+                <a:solidFill>
+                  <a:schemeClr val="dk1"/>
+                </a:solidFill>
+              </a:rPr>
+              <a:t>;</a:t>
+            </a:r>
+            <a:endParaRPr>
               <a:solidFill>
                 <a:schemeClr val="dk1"/>
               </a:solidFill>
@@ -21682,8 +28029,11 @@
           </a:p>
           <a:p>
             <a:pPr indent="0" lvl="0" marL="0" rtl="0" algn="l">
-              <a:spcBef>
-                <a:spcPts val="1200"/>
+              <a:lnSpc>
+                <a:spcPct val="100000"/>
+              </a:lnSpc>
+              <a:spcBef>
+                <a:spcPts val="0"/>
               </a:spcBef>
               <a:spcAft>
                 <a:spcPts val="0"/>
@@ -21691,14 +28041,9 @@
               <a:buNone/>
             </a:pPr>
             <a:r>
-              <a:rPr b="1" lang="en" sz="2200">
-                <a:solidFill>
-                  <a:schemeClr val="dk1"/>
-                </a:solidFill>
-              </a:rPr>
-              <a:t>Concurrency</a:t>
+              <a:t/>
             </a:r>
-            <a:endParaRPr b="1" sz="2200">
+            <a:endParaRPr>
               <a:solidFill>
                 <a:schemeClr val="dk1"/>
               </a:solidFill>
@@ -21706,8 +28051,11 @@
           </a:p>
           <a:p>
             <a:pPr indent="0" lvl="0" marL="0" rtl="0" algn="l">
-              <a:spcBef>
-                <a:spcPts val="1200"/>
+              <a:lnSpc>
+                <a:spcPct val="100000"/>
+              </a:lnSpc>
+              <a:spcBef>
+                <a:spcPts val="0"/>
               </a:spcBef>
               <a:spcAft>
                 <a:spcPts val="0"/>
@@ -21715,69 +28063,46 @@
               <a:buNone/>
             </a:pPr>
             <a:r>
-              <a:rPr lang="en" sz="2200">
+              <a:rPr lang="en">
                 <a:solidFill>
                   <a:schemeClr val="dk1"/>
                 </a:solidFill>
               </a:rPr>
-              <a:t>	Sharing data among threads</a:t>
+              <a:t>Harvey Deitel, and Paul J. Deitel. C++20 for Programmers: An Object's-Natural Approach, 3rd Edition, 2022;</a:t>
             </a:r>
-            <a:endParaRPr sz="2200">
+            <a:endParaRPr>
               <a:solidFill>
                 <a:schemeClr val="dk1"/>
               </a:solidFill>
             </a:endParaRPr>
           </a:p>
           <a:p>
-            <a:pPr indent="457200" lvl="0" marL="0" rtl="0" algn="l">
-              <a:spcBef>
-                <a:spcPts val="1200"/>
-              </a:spcBef>
-              <a:spcAft>
-                <a:spcPts val="1200"/>
+            <a:pPr indent="0" lvl="0" marL="0" rtl="0" algn="l">
+              <a:lnSpc>
+                <a:spcPct val="100000"/>
+              </a:lnSpc>
+              <a:spcBef>
+                <a:spcPts val="0"/>
+              </a:spcBef>
+              <a:spcAft>
+                <a:spcPts val="0"/>
               </a:spcAft>
               <a:buNone/>
             </a:pPr>
             <a:r>
-              <a:rPr lang="en" sz="2200">
-                <a:solidFill>
-                  <a:schemeClr val="dk1"/>
-                </a:solidFill>
-              </a:rPr>
-              <a:t>Thread Synchronization</a:t>
+              <a:t/>
             </a:r>
-            <a:endParaRPr sz="2200">
+            <a:endParaRPr>
               <a:solidFill>
                 <a:schemeClr val="dk1"/>
               </a:solidFill>
             </a:endParaRPr>
           </a:p>
-        </p:txBody>
-      </p:sp>
-      <p:sp>
-        <p:nvSpPr>
-          <p:cNvPr id="144" name="Google Shape;144;p27"/>
-          <p:cNvSpPr txBox="1"/>
-          <p:nvPr>
-            <p:ph idx="12" type="sldNum"/>
-          </p:nvPr>
-        </p:nvSpPr>
-        <p:spPr>
-          <a:xfrm>
-            <a:off x="8472458" y="4663217"/>
-            <a:ext cx="548700" cy="393600"/>
-          </a:xfrm>
-          <a:prstGeom prst="rect">
-            <a:avLst/>
-          </a:prstGeom>
-        </p:spPr>
-        <p:txBody>
-          <a:bodyPr anchorCtr="0" anchor="ctr" bIns="91425" lIns="91425" spcFirstLastPara="1" rIns="91425" wrap="square" tIns="91425">
-            <a:normAutofit/>
-          </a:bodyPr>
-          <a:lstStyle/>
           <a:p>
-            <a:pPr indent="0" lvl="0" marL="0" rtl="0" algn="r">
+            <a:pPr indent="0" lvl="0" marL="0" rtl="0" algn="l">
+              <a:lnSpc>
+                <a:spcPct val="100000"/>
+              </a:lnSpc>
               <a:spcBef>
                 <a:spcPts val="0"/>
               </a:spcBef>
@@ -21786,11 +28111,19 @@
               </a:spcAft>
               <a:buNone/>
             </a:pPr>
-            <a:fld id="{00000000-1234-1234-1234-123412341234}" type="slidenum">
-              <a:rPr lang="en"/>
-              <a:t>‹#›</a:t>
-            </a:fld>
-            <a:endParaRPr/>
+            <a:r>
+              <a:rPr lang="en">
+                <a:solidFill>
+                  <a:schemeClr val="dk1"/>
+                </a:solidFill>
+              </a:rPr>
+              <a:t>Anthony Williams. C++ Concurrency in Action, Second Edition, 2019;</a:t>
+            </a:r>
+            <a:endParaRPr>
+              <a:solidFill>
+                <a:schemeClr val="dk1"/>
+              </a:solidFill>
+            </a:endParaRPr>
           </a:p>
         </p:txBody>
       </p:sp>
@@ -21802,12 +28135,12 @@
 </p:sld>
 </file>
 
-<file path=ppt/slides/slide3.xml><?xml version="1.0" encoding="utf-8"?>
+<file path=ppt/slides/slide22.xml><?xml version="1.0" encoding="utf-8"?>
 <p:sld xmlns:a="http://schemas.openxmlformats.org/drawingml/2006/main" xmlns:r="http://schemas.openxmlformats.org/officeDocument/2006/relationships" xmlns:mc="http://schemas.openxmlformats.org/markup-compatibility/2006" xmlns:mv="urn:schemas-microsoft-com:mac:vml" xmlns:p="http://schemas.openxmlformats.org/presentationml/2006/main" xmlns:c="http://schemas.openxmlformats.org/drawingml/2006/chart" xmlns:dgm="http://schemas.openxmlformats.org/drawingml/2006/diagram" xmlns:o="urn:schemas-microsoft-com:office:office" xmlns:v="urn:schemas-microsoft-com:vml" xmlns:pvml="urn:schemas-microsoft-com:office:powerpoint" xmlns:com="http://schemas.openxmlformats.org/drawingml/2006/compatibility" xmlns:p14="http://schemas.microsoft.com/office/powerpoint/2010/main" xmlns:p15="http://schemas.microsoft.com/office/powerpoint/2012/main" xmlns:ahyp="http://schemas.microsoft.com/office/drawing/2018/hyperlinkcolor">
   <p:cSld>
     <p:spTree>
       <p:nvGrpSpPr>
-        <p:cNvPr id="148" name="Shape 148"/>
+        <p:cNvPr id="283" name="Shape 283"/>
         <p:cNvGrpSpPr/>
         <p:nvPr/>
       </p:nvGrpSpPr>
@@ -21821,7 +28154,7 @@
       </p:grpSpPr>
       <p:sp>
         <p:nvSpPr>
-          <p:cNvPr id="149" name="Google Shape;149;p28"/>
+          <p:cNvPr id="284" name="Google Shape;284;p48"/>
           <p:cNvSpPr txBox="1"/>
           <p:nvPr>
             <p:ph type="title"/>
@@ -21853,6 +28186,212 @@
             </a:pPr>
             <a:r>
               <a:rPr lang="en"/>
+              <a:t>HPC, CUDA internships, jobs</a:t>
+            </a:r>
+            <a:endParaRPr/>
+          </a:p>
+        </p:txBody>
+      </p:sp>
+      <p:sp>
+        <p:nvSpPr>
+          <p:cNvPr id="285" name="Google Shape;285;p48"/>
+          <p:cNvSpPr txBox="1"/>
+          <p:nvPr>
+            <p:ph idx="1" type="body"/>
+          </p:nvPr>
+        </p:nvSpPr>
+        <p:spPr>
+          <a:xfrm>
+            <a:off x="311700" y="1152475"/>
+            <a:ext cx="8520600" cy="3416400"/>
+          </a:xfrm>
+          <a:prstGeom prst="rect">
+            <a:avLst/>
+          </a:prstGeom>
+        </p:spPr>
+        <p:txBody>
+          <a:bodyPr anchorCtr="0" anchor="t" bIns="91425" lIns="91425" spcFirstLastPara="1" rIns="91425" wrap="square" tIns="91425">
+            <a:normAutofit/>
+          </a:bodyPr>
+          <a:lstStyle/>
+          <a:p>
+            <a:pPr indent="0" lvl="0" marL="0" rtl="0" algn="l">
+              <a:spcBef>
+                <a:spcPts val="0"/>
+              </a:spcBef>
+              <a:spcAft>
+                <a:spcPts val="0"/>
+              </a:spcAft>
+              <a:buNone/>
+            </a:pPr>
+            <a:r>
+              <a:rPr lang="en" u="sng">
+                <a:solidFill>
+                  <a:schemeClr val="hlink"/>
+                </a:solidFill>
+                <a:hlinkClick r:id="rId3"/>
+              </a:rPr>
+              <a:t>https://scholarshipdb.net/scholarships?q=cuda&amp;listed=Last-24-hours</a:t>
+            </a:r>
+            <a:endParaRPr>
+              <a:solidFill>
+                <a:schemeClr val="dk1"/>
+              </a:solidFill>
+            </a:endParaRPr>
+          </a:p>
+          <a:p>
+            <a:pPr indent="0" lvl="0" marL="0" rtl="0" algn="l">
+              <a:spcBef>
+                <a:spcPts val="1200"/>
+              </a:spcBef>
+              <a:spcAft>
+                <a:spcPts val="0"/>
+              </a:spcAft>
+              <a:buNone/>
+            </a:pPr>
+            <a:r>
+              <a:t/>
+            </a:r>
+            <a:endParaRPr>
+              <a:solidFill>
+                <a:schemeClr val="dk1"/>
+              </a:solidFill>
+            </a:endParaRPr>
+          </a:p>
+          <a:p>
+            <a:pPr indent="0" lvl="0" marL="0" rtl="0" algn="l">
+              <a:spcBef>
+                <a:spcPts val="1200"/>
+              </a:spcBef>
+              <a:spcAft>
+                <a:spcPts val="0"/>
+              </a:spcAft>
+              <a:buNone/>
+            </a:pPr>
+            <a:r>
+              <a:rPr lang="en" u="sng">
+                <a:solidFill>
+                  <a:schemeClr val="hlink"/>
+                </a:solidFill>
+                <a:hlinkClick r:id="rId4"/>
+              </a:rPr>
+              <a:t>https://scholarshipdb.net/scholarships?q=gpu&amp;listed=Last-24-hours</a:t>
+            </a:r>
+            <a:endParaRPr>
+              <a:solidFill>
+                <a:schemeClr val="dk1"/>
+              </a:solidFill>
+            </a:endParaRPr>
+          </a:p>
+          <a:p>
+            <a:pPr indent="0" lvl="0" marL="0" rtl="0" algn="l">
+              <a:spcBef>
+                <a:spcPts val="1200"/>
+              </a:spcBef>
+              <a:spcAft>
+                <a:spcPts val="0"/>
+              </a:spcAft>
+              <a:buNone/>
+            </a:pPr>
+            <a:r>
+              <a:t/>
+            </a:r>
+            <a:endParaRPr>
+              <a:solidFill>
+                <a:schemeClr val="dk1"/>
+              </a:solidFill>
+            </a:endParaRPr>
+          </a:p>
+          <a:p>
+            <a:pPr indent="0" lvl="0" marL="0" rtl="0" algn="l">
+              <a:spcBef>
+                <a:spcPts val="1200"/>
+              </a:spcBef>
+              <a:spcAft>
+                <a:spcPts val="1200"/>
+              </a:spcAft>
+              <a:buClr>
+                <a:schemeClr val="dk1"/>
+              </a:buClr>
+              <a:buSzPts val="1100"/>
+              <a:buFont typeface="Arial"/>
+              <a:buNone/>
+            </a:pPr>
+            <a:r>
+              <a:rPr lang="en">
+                <a:solidFill>
+                  <a:schemeClr val="dk1"/>
+                </a:solidFill>
+              </a:rPr>
+              <a:t>sign up to learn.nvidia.com</a:t>
+            </a:r>
+            <a:endParaRPr>
+              <a:solidFill>
+                <a:schemeClr val="dk1"/>
+              </a:solidFill>
+            </a:endParaRPr>
+          </a:p>
+        </p:txBody>
+      </p:sp>
+    </p:spTree>
+  </p:cSld>
+  <p:clrMapOvr>
+    <a:masterClrMapping/>
+  </p:clrMapOvr>
+</p:sld>
+</file>
+
+<file path=ppt/slides/slide3.xml><?xml version="1.0" encoding="utf-8"?>
+<p:sld xmlns:a="http://schemas.openxmlformats.org/drawingml/2006/main" xmlns:r="http://schemas.openxmlformats.org/officeDocument/2006/relationships" xmlns:mc="http://schemas.openxmlformats.org/markup-compatibility/2006" xmlns:mv="urn:schemas-microsoft-com:mac:vml" xmlns:p="http://schemas.openxmlformats.org/presentationml/2006/main" xmlns:c="http://schemas.openxmlformats.org/drawingml/2006/chart" xmlns:dgm="http://schemas.openxmlformats.org/drawingml/2006/diagram" xmlns:o="urn:schemas-microsoft-com:office:office" xmlns:v="urn:schemas-microsoft-com:vml" xmlns:pvml="urn:schemas-microsoft-com:office:powerpoint" xmlns:com="http://schemas.openxmlformats.org/drawingml/2006/compatibility" xmlns:p14="http://schemas.microsoft.com/office/powerpoint/2010/main" xmlns:p15="http://schemas.microsoft.com/office/powerpoint/2012/main" xmlns:ahyp="http://schemas.microsoft.com/office/drawing/2018/hyperlinkcolor">
+  <p:cSld>
+    <p:spTree>
+      <p:nvGrpSpPr>
+        <p:cNvPr id="152" name="Shape 152"/>
+        <p:cNvGrpSpPr/>
+        <p:nvPr/>
+      </p:nvGrpSpPr>
+      <p:grpSpPr>
+        <a:xfrm>
+          <a:off x="0" y="0"/>
+          <a:ext cx="0" cy="0"/>
+          <a:chOff x="0" y="0"/>
+          <a:chExt cx="0" cy="0"/>
+        </a:xfrm>
+      </p:grpSpPr>
+      <p:sp>
+        <p:nvSpPr>
+          <p:cNvPr id="153" name="Google Shape;153;p29"/>
+          <p:cNvSpPr txBox="1"/>
+          <p:nvPr>
+            <p:ph type="title"/>
+          </p:nvPr>
+        </p:nvSpPr>
+        <p:spPr>
+          <a:xfrm>
+            <a:off x="311700" y="445025"/>
+            <a:ext cx="8520600" cy="572700"/>
+          </a:xfrm>
+          <a:prstGeom prst="rect">
+            <a:avLst/>
+          </a:prstGeom>
+        </p:spPr>
+        <p:txBody>
+          <a:bodyPr anchorCtr="0" anchor="t" bIns="91425" lIns="91425" spcFirstLastPara="1" rIns="91425" wrap="square" tIns="91425">
+            <a:normAutofit fontScale="90000"/>
+          </a:bodyPr>
+          <a:lstStyle/>
+          <a:p>
+            <a:pPr indent="0" lvl="0" marL="0" rtl="0" algn="l">
+              <a:spcBef>
+                <a:spcPts val="0"/>
+              </a:spcBef>
+              <a:spcAft>
+                <a:spcPts val="0"/>
+              </a:spcAft>
+              <a:buNone/>
+            </a:pPr>
+            <a:r>
+              <a:rPr lang="en"/>
               <a:t>C++ thread states</a:t>
             </a:r>
             <a:endParaRPr/>
@@ -21861,7 +28400,7 @@
       </p:sp>
       <p:pic>
         <p:nvPicPr>
-          <p:cNvPr id="150" name="Google Shape;150;p28"/>
+          <p:cNvPr id="154" name="Google Shape;154;p29"/>
           <p:cNvPicPr preferRelativeResize="0"/>
           <p:nvPr/>
         </p:nvPicPr>
@@ -21889,7 +28428,7 @@
       </p:pic>
       <p:sp>
         <p:nvSpPr>
-          <p:cNvPr id="151" name="Google Shape;151;p28"/>
+          <p:cNvPr id="155" name="Google Shape;155;p29"/>
           <p:cNvSpPr txBox="1"/>
           <p:nvPr/>
         </p:nvSpPr>
@@ -21941,7 +28480,7 @@
       </p:sp>
       <p:sp>
         <p:nvSpPr>
-          <p:cNvPr id="152" name="Google Shape;152;p28"/>
+          <p:cNvPr id="156" name="Google Shape;156;p29"/>
           <p:cNvSpPr/>
           <p:nvPr/>
         </p:nvSpPr>
@@ -22243,7 +28782,7 @@
   <p:cSld>
     <p:spTree>
       <p:nvGrpSpPr>
-        <p:cNvPr id="156" name="Shape 156"/>
+        <p:cNvPr id="160" name="Shape 160"/>
         <p:cNvGrpSpPr/>
         <p:nvPr/>
       </p:nvGrpSpPr>
@@ -22257,7 +28796,7 @@
       </p:grpSpPr>
       <p:sp>
         <p:nvSpPr>
-          <p:cNvPr id="157" name="Google Shape;157;p29"/>
+          <p:cNvPr id="161" name="Google Shape;161;p30"/>
           <p:cNvSpPr txBox="1"/>
           <p:nvPr>
             <p:ph type="title"/>
@@ -22301,7 +28840,7 @@
       </p:sp>
       <p:sp>
         <p:nvSpPr>
-          <p:cNvPr id="158" name="Google Shape;158;p29"/>
+          <p:cNvPr id="162" name="Google Shape;162;p30"/>
           <p:cNvSpPr txBox="1"/>
           <p:nvPr>
             <p:ph idx="1" type="body"/>
@@ -22327,7 +28866,7 @@
                 <a:spcPts val="0"/>
               </a:spcBef>
               <a:spcAft>
-                <a:spcPts val="1200"/>
+                <a:spcPts val="0"/>
               </a:spcAft>
               <a:buNone/>
             </a:pPr>
@@ -22338,7 +28877,48 @@
                 </a:solidFill>
                 <a:hlinkClick r:id="rId3"/>
               </a:rPr>
-              <a:t>Lecture 2 examples</a:t>
+              <a:t>Example 1</a:t>
+            </a:r>
+            <a:endParaRPr/>
+          </a:p>
+          <a:p>
+            <a:pPr indent="0" lvl="0" marL="0" rtl="0" algn="l">
+              <a:spcBef>
+                <a:spcPts val="1200"/>
+              </a:spcBef>
+              <a:spcAft>
+                <a:spcPts val="0"/>
+              </a:spcAft>
+              <a:buClr>
+                <a:schemeClr val="dk1"/>
+              </a:buClr>
+              <a:buSzPts val="1100"/>
+              <a:buFont typeface="Arial"/>
+              <a:buNone/>
+            </a:pPr>
+            <a:r>
+              <a:rPr lang="en" u="sng">
+                <a:solidFill>
+                  <a:schemeClr val="hlink"/>
+                </a:solidFill>
+                <a:hlinkClick r:id="rId4"/>
+              </a:rPr>
+              <a:t>Example 2</a:t>
+            </a:r>
+            <a:endParaRPr/>
+          </a:p>
+          <a:p>
+            <a:pPr indent="0" lvl="0" marL="0" rtl="0" algn="l">
+              <a:spcBef>
+                <a:spcPts val="1200"/>
+              </a:spcBef>
+              <a:spcAft>
+                <a:spcPts val="1200"/>
+              </a:spcAft>
+              <a:buNone/>
+            </a:pPr>
+            <a:r>
+              <a:t/>
             </a:r>
             <a:endParaRPr/>
           </a:p>
@@ -22346,7 +28926,7 @@
       </p:sp>
       <p:sp>
         <p:nvSpPr>
-          <p:cNvPr id="159" name="Google Shape;159;p29"/>
+          <p:cNvPr id="163" name="Google Shape;163;p30"/>
           <p:cNvSpPr txBox="1"/>
           <p:nvPr>
             <p:ph idx="12" type="sldNum"/>
@@ -22397,7 +28977,7 @@
   <p:cSld>
     <p:spTree>
       <p:nvGrpSpPr>
-        <p:cNvPr id="163" name="Shape 163"/>
+        <p:cNvPr id="167" name="Shape 167"/>
         <p:cNvGrpSpPr/>
         <p:nvPr/>
       </p:nvGrpSpPr>
@@ -22411,7 +28991,7 @@
       </p:grpSpPr>
       <p:sp>
         <p:nvSpPr>
-          <p:cNvPr id="164" name="Google Shape;164;p30"/>
+          <p:cNvPr id="168" name="Google Shape;168;p31"/>
           <p:cNvSpPr txBox="1"/>
           <p:nvPr>
             <p:ph type="title"/>
@@ -22463,7 +29043,7 @@
       </p:sp>
       <p:sp>
         <p:nvSpPr>
-          <p:cNvPr id="165" name="Google Shape;165;p30"/>
+          <p:cNvPr id="169" name="Google Shape;169;p31"/>
           <p:cNvSpPr txBox="1"/>
           <p:nvPr>
             <p:ph idx="1" type="body"/>
@@ -22694,7 +29274,7 @@
   <p:cSld>
     <p:spTree>
       <p:nvGrpSpPr>
-        <p:cNvPr id="169" name="Shape 169"/>
+        <p:cNvPr id="173" name="Shape 173"/>
         <p:cNvGrpSpPr/>
         <p:nvPr/>
       </p:nvGrpSpPr>
@@ -22708,7 +29288,7 @@
       </p:grpSpPr>
       <p:sp>
         <p:nvSpPr>
-          <p:cNvPr id="170" name="Google Shape;170;p31"/>
+          <p:cNvPr id="174" name="Google Shape;174;p32"/>
           <p:cNvSpPr txBox="1"/>
           <p:nvPr>
             <p:ph type="title"/>
@@ -22760,7 +29340,7 @@
       </p:sp>
       <p:sp>
         <p:nvSpPr>
-          <p:cNvPr id="171" name="Google Shape;171;p31"/>
+          <p:cNvPr id="175" name="Google Shape;175;p32"/>
           <p:cNvSpPr txBox="1"/>
           <p:nvPr>
             <p:ph idx="1" type="body"/>
@@ -22951,7 +29531,7 @@
       </p:sp>
       <p:sp>
         <p:nvSpPr>
-          <p:cNvPr id="172" name="Google Shape;172;p31"/>
+          <p:cNvPr id="176" name="Google Shape;176;p32"/>
           <p:cNvSpPr/>
           <p:nvPr/>
         </p:nvSpPr>
@@ -23013,9 +29593,9 @@
       </p:sp>
       <p:cxnSp>
         <p:nvCxnSpPr>
-          <p:cNvPr id="173" name="Google Shape;173;p31"/>
+          <p:cNvPr id="177" name="Google Shape;177;p32"/>
           <p:cNvCxnSpPr>
-            <a:endCxn id="172" idx="1"/>
+            <a:endCxn id="176" idx="1"/>
           </p:cNvCxnSpPr>
           <p:nvPr/>
         </p:nvCxnSpPr>
@@ -23041,9 +29621,9 @@
       </p:cxnSp>
       <p:cxnSp>
         <p:nvCxnSpPr>
-          <p:cNvPr id="174" name="Google Shape;174;p31"/>
+          <p:cNvPr id="178" name="Google Shape;178;p32"/>
           <p:cNvCxnSpPr>
-            <a:stCxn id="172" idx="3"/>
+            <a:stCxn id="176" idx="3"/>
           </p:cNvCxnSpPr>
           <p:nvPr/>
         </p:nvCxnSpPr>
@@ -23069,7 +29649,7 @@
       </p:cxnSp>
       <p:sp>
         <p:nvSpPr>
-          <p:cNvPr id="175" name="Google Shape;175;p31"/>
+          <p:cNvPr id="179" name="Google Shape;179;p32"/>
           <p:cNvSpPr/>
           <p:nvPr/>
         </p:nvSpPr>
@@ -23121,7 +29701,7 @@
       </p:sp>
       <p:sp>
         <p:nvSpPr>
-          <p:cNvPr id="176" name="Google Shape;176;p31"/>
+          <p:cNvPr id="180" name="Google Shape;180;p32"/>
           <p:cNvSpPr/>
           <p:nvPr/>
         </p:nvSpPr>
@@ -23184,7 +29764,7 @@
   <p:cSld>
     <p:spTree>
       <p:nvGrpSpPr>
-        <p:cNvPr id="180" name="Shape 180"/>
+        <p:cNvPr id="184" name="Shape 184"/>
         <p:cNvGrpSpPr/>
         <p:nvPr/>
       </p:nvGrpSpPr>
@@ -23198,7 +29778,7 @@
       </p:grpSpPr>
       <p:sp>
         <p:nvSpPr>
-          <p:cNvPr id="181" name="Google Shape;181;p32"/>
+          <p:cNvPr id="185" name="Google Shape;185;p33"/>
           <p:cNvSpPr txBox="1"/>
           <p:nvPr>
             <p:ph type="title"/>
@@ -23246,7 +29826,7 @@
       </p:sp>
       <p:sp>
         <p:nvSpPr>
-          <p:cNvPr id="182" name="Google Shape;182;p32"/>
+          <p:cNvPr id="186" name="Google Shape;186;p33"/>
           <p:cNvSpPr txBox="1"/>
           <p:nvPr>
             <p:ph idx="1" type="body"/>
@@ -23310,7 +29890,7 @@
   <p:cSld>
     <p:spTree>
       <p:nvGrpSpPr>
-        <p:cNvPr id="186" name="Shape 186"/>
+        <p:cNvPr id="190" name="Shape 190"/>
         <p:cNvGrpSpPr/>
         <p:nvPr/>
       </p:nvGrpSpPr>
@@ -23324,7 +29904,7 @@
       </p:grpSpPr>
       <p:sp>
         <p:nvSpPr>
-          <p:cNvPr id="187" name="Google Shape;187;p33"/>
+          <p:cNvPr id="191" name="Google Shape;191;p34"/>
           <p:cNvSpPr txBox="1"/>
           <p:nvPr>
             <p:ph type="title"/>
@@ -23376,7 +29956,7 @@
       </p:sp>
       <p:sp>
         <p:nvSpPr>
-          <p:cNvPr id="188" name="Google Shape;188;p33"/>
+          <p:cNvPr id="192" name="Google Shape;192;p34"/>
           <p:cNvSpPr txBox="1"/>
           <p:nvPr>
             <p:ph idx="1" type="body"/>
@@ -23673,7 +30253,7 @@
   <p:cSld>
     <p:spTree>
       <p:nvGrpSpPr>
-        <p:cNvPr id="192" name="Shape 192"/>
+        <p:cNvPr id="196" name="Shape 196"/>
         <p:cNvGrpSpPr/>
         <p:nvPr/>
       </p:nvGrpSpPr>
@@ -23687,7 +30267,7 @@
       </p:grpSpPr>
       <p:sp>
         <p:nvSpPr>
-          <p:cNvPr id="193" name="Google Shape;193;p34"/>
+          <p:cNvPr id="197" name="Google Shape;197;p35"/>
           <p:cNvSpPr txBox="1"/>
           <p:nvPr>
             <p:ph type="title"/>
@@ -23739,7 +30319,7 @@
       </p:sp>
       <p:sp>
         <p:nvSpPr>
-          <p:cNvPr id="194" name="Google Shape;194;p34"/>
+          <p:cNvPr id="198" name="Google Shape;198;p35"/>
           <p:cNvSpPr txBox="1"/>
           <p:nvPr>
             <p:ph idx="1" type="body"/>
@@ -23923,7 +30503,7 @@
       </p:sp>
       <p:sp>
         <p:nvSpPr>
-          <p:cNvPr id="195" name="Google Shape;195;p34"/>
+          <p:cNvPr id="199" name="Google Shape;199;p35"/>
           <p:cNvSpPr/>
           <p:nvPr/>
         </p:nvSpPr>
@@ -23995,7 +30575,7 @@
       </p:sp>
       <p:sp>
         <p:nvSpPr>
-          <p:cNvPr id="196" name="Google Shape;196;p34"/>
+          <p:cNvPr id="200" name="Google Shape;200;p35"/>
           <p:cNvSpPr/>
           <p:nvPr/>
         </p:nvSpPr>
